--- a/Working files/Group Project.pptx
+++ b/Working files/Group Project.pptx
@@ -15,6 +15,7 @@
     <p:sldId id="263" r:id="rId9"/>
     <p:sldId id="265" r:id="rId10"/>
     <p:sldId id="264" r:id="rId11"/>
+    <p:sldId id="267" r:id="rId12"/>
   </p:sldIdLst>
   <p:sldSz cx="12192000" cy="6858000"/>
   <p:notesSz cx="6858000" cy="9144000"/>
@@ -113,7 +114,56 @@
       </a:defRPr>
     </a:lvl9pPr>
   </p:defaultTextStyle>
+  <p:extLst>
+    <p:ext uri="{EFAFB233-063F-42B5-8137-9DF3F51BA10A}">
+      <p15:sldGuideLst xmlns:p15="http://schemas.microsoft.com/office/powerpoint/2012/main"/>
+    </p:ext>
+  </p:extLst>
 </p:presentation>
+</file>
+
+<file path=ppt/changesInfos/changesInfo1.xml><?xml version="1.0" encoding="utf-8"?>
+<pc:chgInfo xmlns:a="http://schemas.openxmlformats.org/drawingml/2006/main" xmlns:r="http://schemas.openxmlformats.org/officeDocument/2006/relationships" xmlns:ac="http://schemas.microsoft.com/office/drawing/2013/main/command" xmlns:pc="http://schemas.microsoft.com/office/powerpoint/2013/main/command">
+  <pc:docChgLst>
+    <pc:chgData name="Corey Holton" userId="dfccdeabb580c92e" providerId="LiveId" clId="{EBC5146E-18C7-45C9-82A7-CCF297C2A46B}"/>
+    <pc:docChg chg="addSld delSld modSld">
+      <pc:chgData name="Corey Holton" userId="dfccdeabb580c92e" providerId="LiveId" clId="{EBC5146E-18C7-45C9-82A7-CCF297C2A46B}" dt="2024-08-31T01:11:31.203" v="3" actId="47"/>
+      <pc:docMkLst>
+        <pc:docMk/>
+      </pc:docMkLst>
+      <pc:sldChg chg="new del">
+        <pc:chgData name="Corey Holton" userId="dfccdeabb580c92e" providerId="LiveId" clId="{EBC5146E-18C7-45C9-82A7-CCF297C2A46B}" dt="2024-08-31T01:11:31.203" v="3" actId="47"/>
+        <pc:sldMkLst>
+          <pc:docMk/>
+          <pc:sldMk cId="3996093191" sldId="266"/>
+        </pc:sldMkLst>
+      </pc:sldChg>
+      <pc:sldChg chg="addSp delSp modSp new mod">
+        <pc:chgData name="Corey Holton" userId="dfccdeabb580c92e" providerId="LiveId" clId="{EBC5146E-18C7-45C9-82A7-CCF297C2A46B}" dt="2024-08-31T01:11:27.819" v="2" actId="22"/>
+        <pc:sldMkLst>
+          <pc:docMk/>
+          <pc:sldMk cId="4059096339" sldId="267"/>
+        </pc:sldMkLst>
+        <pc:spChg chg="del">
+          <ac:chgData name="Corey Holton" userId="dfccdeabb580c92e" providerId="LiveId" clId="{EBC5146E-18C7-45C9-82A7-CCF297C2A46B}" dt="2024-08-31T01:11:27.819" v="2" actId="22"/>
+          <ac:spMkLst>
+            <pc:docMk/>
+            <pc:sldMk cId="4059096339" sldId="267"/>
+            <ac:spMk id="3" creationId="{ADDF8626-9C30-8CC7-3E34-FD52DE112CA6}"/>
+          </ac:spMkLst>
+        </pc:spChg>
+        <pc:picChg chg="add mod ord">
+          <ac:chgData name="Corey Holton" userId="dfccdeabb580c92e" providerId="LiveId" clId="{EBC5146E-18C7-45C9-82A7-CCF297C2A46B}" dt="2024-08-31T01:11:27.819" v="2" actId="22"/>
+          <ac:picMkLst>
+            <pc:docMk/>
+            <pc:sldMk cId="4059096339" sldId="267"/>
+            <ac:picMk id="5" creationId="{C0D4E37E-9A30-A2FB-EA2B-365795240E98}"/>
+          </ac:picMkLst>
+        </pc:picChg>
+      </pc:sldChg>
+    </pc:docChg>
+  </pc:docChgLst>
+</pc:chgInfo>
 </file>
 
 <file path=ppt/slideLayouts/slideLayout1.xml><?xml version="1.0" encoding="utf-8"?>
@@ -3550,6 +3600,90 @@
     <p:extLst>
       <p:ext uri="{BB962C8B-B14F-4D97-AF65-F5344CB8AC3E}">
         <p14:creationId xmlns:p14="http://schemas.microsoft.com/office/powerpoint/2010/main" val="3002900817"/>
+      </p:ext>
+    </p:extLst>
+  </p:cSld>
+  <p:clrMapOvr>
+    <a:masterClrMapping/>
+  </p:clrMapOvr>
+</p:sld>
+</file>
+
+<file path=ppt/slides/slide11.xml><?xml version="1.0" encoding="utf-8"?>
+<p:sld xmlns:a="http://schemas.openxmlformats.org/drawingml/2006/main" xmlns:r="http://schemas.openxmlformats.org/officeDocument/2006/relationships" xmlns:p="http://schemas.openxmlformats.org/presentationml/2006/main">
+  <p:cSld>
+    <p:spTree>
+      <p:nvGrpSpPr>
+        <p:cNvPr id="1" name=""/>
+        <p:cNvGrpSpPr/>
+        <p:nvPr/>
+      </p:nvGrpSpPr>
+      <p:grpSpPr>
+        <a:xfrm>
+          <a:off x="0" y="0"/>
+          <a:ext cx="0" cy="0"/>
+          <a:chOff x="0" y="0"/>
+          <a:chExt cx="0" cy="0"/>
+        </a:xfrm>
+      </p:grpSpPr>
+      <p:sp>
+        <p:nvSpPr>
+          <p:cNvPr id="2" name="Title 1">
+            <a:extLst>
+              <a:ext uri="{FF2B5EF4-FFF2-40B4-BE49-F238E27FC236}">
+                <a16:creationId xmlns:a16="http://schemas.microsoft.com/office/drawing/2014/main" id="{560158CA-AF9D-02D9-3AAE-7B1B2C68BC5B}"/>
+              </a:ext>
+            </a:extLst>
+          </p:cNvPr>
+          <p:cNvSpPr>
+            <a:spLocks noGrp="1"/>
+          </p:cNvSpPr>
+          <p:nvPr>
+            <p:ph type="title"/>
+          </p:nvPr>
+        </p:nvSpPr>
+        <p:spPr/>
+        <p:txBody>
+          <a:bodyPr/>
+          <a:lstStyle/>
+          <a:p>
+            <a:endParaRPr lang="en-US"/>
+          </a:p>
+        </p:txBody>
+      </p:sp>
+      <p:pic>
+        <p:nvPicPr>
+          <p:cNvPr id="5" name="Content Placeholder 4">
+            <a:extLst>
+              <a:ext uri="{FF2B5EF4-FFF2-40B4-BE49-F238E27FC236}">
+                <a16:creationId xmlns:a16="http://schemas.microsoft.com/office/drawing/2014/main" id="{C0D4E37E-9A30-A2FB-EA2B-365795240E98}"/>
+              </a:ext>
+            </a:extLst>
+          </p:cNvPr>
+          <p:cNvPicPr>
+            <a:picLocks noGrp="1" noChangeAspect="1"/>
+          </p:cNvPicPr>
+          <p:nvPr>
+            <p:ph idx="1"/>
+          </p:nvPr>
+        </p:nvPicPr>
+        <p:blipFill>
+          <a:blip r:embed="rId2"/>
+          <a:stretch>
+            <a:fillRect/>
+          </a:stretch>
+        </p:blipFill>
+        <p:spPr>
+          <a:xfrm>
+            <a:off x="2274546" y="1825625"/>
+            <a:ext cx="7642907" cy="4351338"/>
+          </a:xfrm>
+        </p:spPr>
+      </p:pic>
+    </p:spTree>
+    <p:extLst>
+      <p:ext uri="{BB962C8B-B14F-4D97-AF65-F5344CB8AC3E}">
+        <p14:creationId xmlns:p14="http://schemas.microsoft.com/office/powerpoint/2010/main" val="4059096339"/>
       </p:ext>
     </p:extLst>
   </p:cSld>

--- a/Working files/Group Project.pptx
+++ b/Working files/Group Project.pptx
@@ -6,16 +6,20 @@
   </p:sldMasterIdLst>
   <p:sldIdLst>
     <p:sldId id="256" r:id="rId2"/>
-    <p:sldId id="257" r:id="rId3"/>
-    <p:sldId id="258" r:id="rId4"/>
-    <p:sldId id="259" r:id="rId5"/>
-    <p:sldId id="260" r:id="rId6"/>
-    <p:sldId id="261" r:id="rId7"/>
-    <p:sldId id="262" r:id="rId8"/>
-    <p:sldId id="263" r:id="rId9"/>
-    <p:sldId id="265" r:id="rId10"/>
-    <p:sldId id="264" r:id="rId11"/>
-    <p:sldId id="267" r:id="rId12"/>
+    <p:sldId id="268" r:id="rId3"/>
+    <p:sldId id="269" r:id="rId4"/>
+    <p:sldId id="270" r:id="rId5"/>
+    <p:sldId id="271" r:id="rId6"/>
+    <p:sldId id="257" r:id="rId7"/>
+    <p:sldId id="258" r:id="rId8"/>
+    <p:sldId id="259" r:id="rId9"/>
+    <p:sldId id="260" r:id="rId10"/>
+    <p:sldId id="261" r:id="rId11"/>
+    <p:sldId id="262" r:id="rId12"/>
+    <p:sldId id="263" r:id="rId13"/>
+    <p:sldId id="265" r:id="rId14"/>
+    <p:sldId id="264" r:id="rId15"/>
+    <p:sldId id="267" r:id="rId16"/>
   </p:sldIdLst>
   <p:sldSz cx="12192000" cy="6858000"/>
   <p:notesSz cx="6858000" cy="9144000"/>
@@ -126,11 +130,34 @@
 <pc:chgInfo xmlns:a="http://schemas.openxmlformats.org/drawingml/2006/main" xmlns:r="http://schemas.openxmlformats.org/officeDocument/2006/relationships" xmlns:ac="http://schemas.microsoft.com/office/drawing/2013/main/command" xmlns:pc="http://schemas.microsoft.com/office/powerpoint/2013/main/command">
   <pc:docChgLst>
     <pc:chgData name="Corey Holton" userId="dfccdeabb580c92e" providerId="LiveId" clId="{EBC5146E-18C7-45C9-82A7-CCF297C2A46B}"/>
-    <pc:docChg chg="addSld delSld modSld">
-      <pc:chgData name="Corey Holton" userId="dfccdeabb580c92e" providerId="LiveId" clId="{EBC5146E-18C7-45C9-82A7-CCF297C2A46B}" dt="2024-08-31T01:11:31.203" v="3" actId="47"/>
+    <pc:docChg chg="custSel addSld delSld modSld sldOrd">
+      <pc:chgData name="Corey Holton" userId="dfccdeabb580c92e" providerId="LiveId" clId="{EBC5146E-18C7-45C9-82A7-CCF297C2A46B}" dt="2024-08-31T02:30:34.880" v="162" actId="113"/>
       <pc:docMkLst>
         <pc:docMk/>
       </pc:docMkLst>
+      <pc:sldChg chg="modSp mod">
+        <pc:chgData name="Corey Holton" userId="dfccdeabb580c92e" providerId="LiveId" clId="{EBC5146E-18C7-45C9-82A7-CCF297C2A46B}" dt="2024-08-31T02:30:34.880" v="162" actId="113"/>
+        <pc:sldMkLst>
+          <pc:docMk/>
+          <pc:sldMk cId="2242565451" sldId="256"/>
+        </pc:sldMkLst>
+        <pc:spChg chg="mod">
+          <ac:chgData name="Corey Holton" userId="dfccdeabb580c92e" providerId="LiveId" clId="{EBC5146E-18C7-45C9-82A7-CCF297C2A46B}" dt="2024-08-31T02:30:34.880" v="162" actId="113"/>
+          <ac:spMkLst>
+            <pc:docMk/>
+            <pc:sldMk cId="2242565451" sldId="256"/>
+            <ac:spMk id="2" creationId="{EED61475-08A6-3DA1-59ED-D0C443778B9A}"/>
+          </ac:spMkLst>
+        </pc:spChg>
+        <pc:spChg chg="mod">
+          <ac:chgData name="Corey Holton" userId="dfccdeabb580c92e" providerId="LiveId" clId="{EBC5146E-18C7-45C9-82A7-CCF297C2A46B}" dt="2024-08-31T02:30:08.093" v="160" actId="2711"/>
+          <ac:spMkLst>
+            <pc:docMk/>
+            <pc:sldMk cId="2242565451" sldId="256"/>
+            <ac:spMk id="3" creationId="{543B478A-EAF4-C94A-D04A-2332F573BFBC}"/>
+          </ac:spMkLst>
+        </pc:spChg>
+      </pc:sldChg>
       <pc:sldChg chg="new del">
         <pc:chgData name="Corey Holton" userId="dfccdeabb580c92e" providerId="LiveId" clId="{EBC5146E-18C7-45C9-82A7-CCF297C2A46B}" dt="2024-08-31T01:11:31.203" v="3" actId="47"/>
         <pc:sldMkLst>
@@ -160,6 +187,113 @@
             <ac:picMk id="5" creationId="{C0D4E37E-9A30-A2FB-EA2B-365795240E98}"/>
           </ac:picMkLst>
         </pc:picChg>
+      </pc:sldChg>
+      <pc:sldChg chg="modSp new del mod ord">
+        <pc:chgData name="Corey Holton" userId="dfccdeabb580c92e" providerId="LiveId" clId="{EBC5146E-18C7-45C9-82A7-CCF297C2A46B}" dt="2024-08-31T02:23:03.462" v="117" actId="47"/>
+        <pc:sldMkLst>
+          <pc:docMk/>
+          <pc:sldMk cId="524373039" sldId="268"/>
+        </pc:sldMkLst>
+        <pc:spChg chg="mod">
+          <ac:chgData name="Corey Holton" userId="dfccdeabb580c92e" providerId="LiveId" clId="{EBC5146E-18C7-45C9-82A7-CCF297C2A46B}" dt="2024-08-31T02:22:57.864" v="116" actId="20577"/>
+          <ac:spMkLst>
+            <pc:docMk/>
+            <pc:sldMk cId="524373039" sldId="268"/>
+            <ac:spMk id="2" creationId="{C72A04FE-C952-E09E-3D4C-96C56FB29260}"/>
+          </ac:spMkLst>
+        </pc:spChg>
+      </pc:sldChg>
+      <pc:sldChg chg="modSp new mod">
+        <pc:chgData name="Corey Holton" userId="dfccdeabb580c92e" providerId="LiveId" clId="{EBC5146E-18C7-45C9-82A7-CCF297C2A46B}" dt="2024-08-31T02:29:48.746" v="159" actId="2711"/>
+        <pc:sldMkLst>
+          <pc:docMk/>
+          <pc:sldMk cId="2891163924" sldId="268"/>
+        </pc:sldMkLst>
+        <pc:spChg chg="mod">
+          <ac:chgData name="Corey Holton" userId="dfccdeabb580c92e" providerId="LiveId" clId="{EBC5146E-18C7-45C9-82A7-CCF297C2A46B}" dt="2024-08-31T02:29:14.239" v="158" actId="20577"/>
+          <ac:spMkLst>
+            <pc:docMk/>
+            <pc:sldMk cId="2891163924" sldId="268"/>
+            <ac:spMk id="2" creationId="{5FD35A06-F29B-FE3D-B6A1-DE96E3FF6186}"/>
+          </ac:spMkLst>
+        </pc:spChg>
+        <pc:spChg chg="mod">
+          <ac:chgData name="Corey Holton" userId="dfccdeabb580c92e" providerId="LiveId" clId="{EBC5146E-18C7-45C9-82A7-CCF297C2A46B}" dt="2024-08-31T02:29:48.746" v="159" actId="2711"/>
+          <ac:spMkLst>
+            <pc:docMk/>
+            <pc:sldMk cId="2891163924" sldId="268"/>
+            <ac:spMk id="3" creationId="{8EFA2349-5FA5-BACF-FD5E-D521DB175196}"/>
+          </ac:spMkLst>
+        </pc:spChg>
+      </pc:sldChg>
+      <pc:sldChg chg="modSp new mod">
+        <pc:chgData name="Corey Holton" userId="dfccdeabb580c92e" providerId="LiveId" clId="{EBC5146E-18C7-45C9-82A7-CCF297C2A46B}" dt="2024-08-31T02:28:53.254" v="149" actId="255"/>
+        <pc:sldMkLst>
+          <pc:docMk/>
+          <pc:sldMk cId="3327765573" sldId="269"/>
+        </pc:sldMkLst>
+        <pc:spChg chg="mod">
+          <ac:chgData name="Corey Holton" userId="dfccdeabb580c92e" providerId="LiveId" clId="{EBC5146E-18C7-45C9-82A7-CCF297C2A46B}" dt="2024-08-31T02:25:27.671" v="129"/>
+          <ac:spMkLst>
+            <pc:docMk/>
+            <pc:sldMk cId="3327765573" sldId="269"/>
+            <ac:spMk id="2" creationId="{765BC33D-204E-1A86-35A3-63FD766BC097}"/>
+          </ac:spMkLst>
+        </pc:spChg>
+        <pc:spChg chg="mod">
+          <ac:chgData name="Corey Holton" userId="dfccdeabb580c92e" providerId="LiveId" clId="{EBC5146E-18C7-45C9-82A7-CCF297C2A46B}" dt="2024-08-31T02:28:53.254" v="149" actId="255"/>
+          <ac:spMkLst>
+            <pc:docMk/>
+            <pc:sldMk cId="3327765573" sldId="269"/>
+            <ac:spMk id="3" creationId="{5D509172-7413-2898-93C1-5177DAA0029C}"/>
+          </ac:spMkLst>
+        </pc:spChg>
+      </pc:sldChg>
+      <pc:sldChg chg="modSp new mod">
+        <pc:chgData name="Corey Holton" userId="dfccdeabb580c92e" providerId="LiveId" clId="{EBC5146E-18C7-45C9-82A7-CCF297C2A46B}" dt="2024-08-31T02:28:23.819" v="147" actId="255"/>
+        <pc:sldMkLst>
+          <pc:docMk/>
+          <pc:sldMk cId="4195663498" sldId="270"/>
+        </pc:sldMkLst>
+        <pc:spChg chg="mod">
+          <ac:chgData name="Corey Holton" userId="dfccdeabb580c92e" providerId="LiveId" clId="{EBC5146E-18C7-45C9-82A7-CCF297C2A46B}" dt="2024-08-31T02:26:15.223" v="132"/>
+          <ac:spMkLst>
+            <pc:docMk/>
+            <pc:sldMk cId="4195663498" sldId="270"/>
+            <ac:spMk id="2" creationId="{8CBABE18-E0F5-C4A0-A609-54F2DA70C7D9}"/>
+          </ac:spMkLst>
+        </pc:spChg>
+        <pc:spChg chg="mod">
+          <ac:chgData name="Corey Holton" userId="dfccdeabb580c92e" providerId="LiveId" clId="{EBC5146E-18C7-45C9-82A7-CCF297C2A46B}" dt="2024-08-31T02:28:23.819" v="147" actId="255"/>
+          <ac:spMkLst>
+            <pc:docMk/>
+            <pc:sldMk cId="4195663498" sldId="270"/>
+            <ac:spMk id="3" creationId="{5E095AB0-E778-139C-2D4D-60F4C700501E}"/>
+          </ac:spMkLst>
+        </pc:spChg>
+      </pc:sldChg>
+      <pc:sldChg chg="modSp new mod">
+        <pc:chgData name="Corey Holton" userId="dfccdeabb580c92e" providerId="LiveId" clId="{EBC5146E-18C7-45C9-82A7-CCF297C2A46B}" dt="2024-08-31T02:28:40.308" v="148" actId="255"/>
+        <pc:sldMkLst>
+          <pc:docMk/>
+          <pc:sldMk cId="793010627" sldId="271"/>
+        </pc:sldMkLst>
+        <pc:spChg chg="mod">
+          <ac:chgData name="Corey Holton" userId="dfccdeabb580c92e" providerId="LiveId" clId="{EBC5146E-18C7-45C9-82A7-CCF297C2A46B}" dt="2024-08-31T02:26:51.946" v="135"/>
+          <ac:spMkLst>
+            <pc:docMk/>
+            <pc:sldMk cId="793010627" sldId="271"/>
+            <ac:spMk id="2" creationId="{518CEDE2-18F2-6196-02B0-E9074A8932D9}"/>
+          </ac:spMkLst>
+        </pc:spChg>
+        <pc:spChg chg="mod">
+          <ac:chgData name="Corey Holton" userId="dfccdeabb580c92e" providerId="LiveId" clId="{EBC5146E-18C7-45C9-82A7-CCF297C2A46B}" dt="2024-08-31T02:28:40.308" v="148" actId="255"/>
+          <ac:spMkLst>
+            <pc:docMk/>
+            <pc:sldMk cId="793010627" sldId="271"/>
+            <ac:spMk id="3" creationId="{6B010F1D-F98F-0145-BA31-DD922551682E}"/>
+          </ac:spMkLst>
+        </pc:spChg>
       </pc:sldChg>
     </pc:docChg>
   </pc:docChgLst>
@@ -3398,12 +3532,18 @@
         </p:nvSpPr>
         <p:spPr/>
         <p:txBody>
-          <a:bodyPr/>
-          <a:lstStyle/>
-          <a:p>
-            <a:r>
-              <a:rPr lang="en-US" dirty="0"/>
-              <a:t>Group Project</a:t>
+          <a:bodyPr>
+            <a:normAutofit fontScale="90000"/>
+          </a:bodyPr>
+          <a:lstStyle/>
+          <a:p>
+            <a:r>
+              <a:rPr lang="en-US" b="1" dirty="0">
+                <a:latin typeface="Roboto" panose="02000000000000000000" pitchFamily="2" charset="0"/>
+                <a:ea typeface="Roboto" panose="02000000000000000000" pitchFamily="2" charset="0"/>
+                <a:cs typeface="Roboto" panose="02000000000000000000" pitchFamily="2" charset="0"/>
+              </a:rPr>
+              <a:t>Global Agricultural Production and Population Analysis</a:t>
             </a:r>
           </a:p>
         </p:txBody>
@@ -3429,7 +3569,81 @@
           <a:bodyPr/>
           <a:lstStyle/>
           <a:p>
-            <a:endParaRPr lang="en-US"/>
+            <a:r>
+              <a:rPr lang="en-US" sz="2800" dirty="0">
+                <a:latin typeface="Roboto" panose="02000000000000000000" pitchFamily="2" charset="0"/>
+                <a:ea typeface="Roboto" panose="02000000000000000000" pitchFamily="2" charset="0"/>
+                <a:cs typeface="Roboto" panose="02000000000000000000" pitchFamily="2" charset="0"/>
+              </a:rPr>
+              <a:t>Project 1</a:t>
+            </a:r>
+          </a:p>
+          <a:p>
+            <a:r>
+              <a:rPr lang="en-US" b="0" i="0" dirty="0">
+                <a:solidFill>
+                  <a:srgbClr val="1F2328"/>
+                </a:solidFill>
+                <a:effectLst/>
+                <a:latin typeface="Roboto" panose="02000000000000000000" pitchFamily="2" charset="0"/>
+                <a:ea typeface="Roboto" panose="02000000000000000000" pitchFamily="2" charset="0"/>
+                <a:cs typeface="Roboto" panose="02000000000000000000" pitchFamily="2" charset="0"/>
+              </a:rPr>
+              <a:t>Corey Holton, Elena </a:t>
+            </a:r>
+            <a:r>
+              <a:rPr lang="en-US" b="0" i="0" dirty="0" err="1">
+                <a:solidFill>
+                  <a:srgbClr val="1F2328"/>
+                </a:solidFill>
+                <a:effectLst/>
+                <a:latin typeface="Roboto" panose="02000000000000000000" pitchFamily="2" charset="0"/>
+                <a:ea typeface="Roboto" panose="02000000000000000000" pitchFamily="2" charset="0"/>
+                <a:cs typeface="Roboto" panose="02000000000000000000" pitchFamily="2" charset="0"/>
+              </a:rPr>
+              <a:t>Gehle</a:t>
+            </a:r>
+            <a:r>
+              <a:rPr lang="en-US" b="0" i="0" dirty="0">
+                <a:solidFill>
+                  <a:srgbClr val="1F2328"/>
+                </a:solidFill>
+                <a:effectLst/>
+                <a:latin typeface="Roboto" panose="02000000000000000000" pitchFamily="2" charset="0"/>
+                <a:ea typeface="Roboto" panose="02000000000000000000" pitchFamily="2" charset="0"/>
+                <a:cs typeface="Roboto" panose="02000000000000000000" pitchFamily="2" charset="0"/>
+              </a:rPr>
+              <a:t>, Domenic </a:t>
+            </a:r>
+            <a:r>
+              <a:rPr lang="en-US" b="0" i="0" dirty="0" err="1">
+                <a:solidFill>
+                  <a:srgbClr val="1F2328"/>
+                </a:solidFill>
+                <a:effectLst/>
+                <a:latin typeface="Roboto" panose="02000000000000000000" pitchFamily="2" charset="0"/>
+                <a:ea typeface="Roboto" panose="02000000000000000000" pitchFamily="2" charset="0"/>
+                <a:cs typeface="Roboto" panose="02000000000000000000" pitchFamily="2" charset="0"/>
+              </a:rPr>
+              <a:t>Guerrer</a:t>
+            </a:r>
+            <a:r>
+              <a:rPr lang="en-US" b="0" i="0" dirty="0">
+                <a:solidFill>
+                  <a:srgbClr val="1F2328"/>
+                </a:solidFill>
+                <a:effectLst/>
+                <a:latin typeface="Roboto" panose="02000000000000000000" pitchFamily="2" charset="0"/>
+                <a:ea typeface="Roboto" panose="02000000000000000000" pitchFamily="2" charset="0"/>
+                <a:cs typeface="Roboto" panose="02000000000000000000" pitchFamily="2" charset="0"/>
+              </a:rPr>
+              <a:t>, and Roberta Chandler</a:t>
+            </a:r>
+            <a:endParaRPr lang="en-US" dirty="0">
+              <a:latin typeface="Roboto" panose="02000000000000000000" pitchFamily="2" charset="0"/>
+              <a:ea typeface="Roboto" panose="02000000000000000000" pitchFamily="2" charset="0"/>
+              <a:cs typeface="Roboto" panose="02000000000000000000" pitchFamily="2" charset="0"/>
+            </a:endParaRPr>
           </a:p>
         </p:txBody>
       </p:sp>
@@ -3569,6 +3783,658 @@
       </p:pic>
       <p:pic>
         <p:nvPicPr>
+          <p:cNvPr id="9" name="Content Placeholder 8">
+            <a:extLst>
+              <a:ext uri="{FF2B5EF4-FFF2-40B4-BE49-F238E27FC236}">
+                <a16:creationId xmlns:a16="http://schemas.microsoft.com/office/drawing/2014/main" id="{F3382251-95FC-15EF-4069-313916060AFB}"/>
+              </a:ext>
+            </a:extLst>
+          </p:cNvPr>
+          <p:cNvPicPr>
+            <a:picLocks noGrp="1" noChangeAspect="1"/>
+          </p:cNvPicPr>
+          <p:nvPr>
+            <p:ph sz="half" idx="2"/>
+          </p:nvPr>
+        </p:nvPicPr>
+        <p:blipFill>
+          <a:blip r:embed="rId3"/>
+          <a:stretch>
+            <a:fillRect/>
+          </a:stretch>
+        </p:blipFill>
+        <p:spPr>
+          <a:xfrm>
+            <a:off x="839788" y="2885996"/>
+            <a:ext cx="5157787" cy="2922745"/>
+          </a:xfrm>
+        </p:spPr>
+      </p:pic>
+    </p:spTree>
+    <p:extLst>
+      <p:ext uri="{BB962C8B-B14F-4D97-AF65-F5344CB8AC3E}">
+        <p14:creationId xmlns:p14="http://schemas.microsoft.com/office/powerpoint/2010/main" val="3225321580"/>
+      </p:ext>
+    </p:extLst>
+  </p:cSld>
+  <p:clrMapOvr>
+    <a:masterClrMapping/>
+  </p:clrMapOvr>
+</p:sld>
+</file>
+
+<file path=ppt/slides/slide11.xml><?xml version="1.0" encoding="utf-8"?>
+<p:sld xmlns:a="http://schemas.openxmlformats.org/drawingml/2006/main" xmlns:r="http://schemas.openxmlformats.org/officeDocument/2006/relationships" xmlns:p="http://schemas.openxmlformats.org/presentationml/2006/main">
+  <p:cSld>
+    <p:spTree>
+      <p:nvGrpSpPr>
+        <p:cNvPr id="1" name=""/>
+        <p:cNvGrpSpPr/>
+        <p:nvPr/>
+      </p:nvGrpSpPr>
+      <p:grpSpPr>
+        <a:xfrm>
+          <a:off x="0" y="0"/>
+          <a:ext cx="0" cy="0"/>
+          <a:chOff x="0" y="0"/>
+          <a:chExt cx="0" cy="0"/>
+        </a:xfrm>
+      </p:grpSpPr>
+      <p:sp>
+        <p:nvSpPr>
+          <p:cNvPr id="2" name="Title 1">
+            <a:extLst>
+              <a:ext uri="{FF2B5EF4-FFF2-40B4-BE49-F238E27FC236}">
+                <a16:creationId xmlns:a16="http://schemas.microsoft.com/office/drawing/2014/main" id="{B492B1C8-0764-DA79-1EBA-E5F3C143C9C3}"/>
+              </a:ext>
+            </a:extLst>
+          </p:cNvPr>
+          <p:cNvSpPr>
+            <a:spLocks noGrp="1"/>
+          </p:cNvSpPr>
+          <p:nvPr>
+            <p:ph type="title"/>
+          </p:nvPr>
+        </p:nvSpPr>
+        <p:spPr/>
+        <p:txBody>
+          <a:bodyPr/>
+          <a:lstStyle/>
+          <a:p>
+            <a:endParaRPr lang="en-US"/>
+          </a:p>
+        </p:txBody>
+      </p:sp>
+      <p:sp>
+        <p:nvSpPr>
+          <p:cNvPr id="3" name="Text Placeholder 2">
+            <a:extLst>
+              <a:ext uri="{FF2B5EF4-FFF2-40B4-BE49-F238E27FC236}">
+                <a16:creationId xmlns:a16="http://schemas.microsoft.com/office/drawing/2014/main" id="{CC2B7FE6-0EE5-9DC6-FF68-39267F2AA686}"/>
+              </a:ext>
+            </a:extLst>
+          </p:cNvPr>
+          <p:cNvSpPr>
+            <a:spLocks noGrp="1"/>
+          </p:cNvSpPr>
+          <p:nvPr>
+            <p:ph type="body" idx="1"/>
+          </p:nvPr>
+        </p:nvSpPr>
+        <p:spPr/>
+        <p:txBody>
+          <a:bodyPr/>
+          <a:lstStyle/>
+          <a:p>
+            <a:endParaRPr lang="en-US"/>
+          </a:p>
+        </p:txBody>
+      </p:sp>
+      <p:sp>
+        <p:nvSpPr>
+          <p:cNvPr id="5" name="Text Placeholder 4">
+            <a:extLst>
+              <a:ext uri="{FF2B5EF4-FFF2-40B4-BE49-F238E27FC236}">
+                <a16:creationId xmlns:a16="http://schemas.microsoft.com/office/drawing/2014/main" id="{09243543-9934-5955-9327-94346A526408}"/>
+              </a:ext>
+            </a:extLst>
+          </p:cNvPr>
+          <p:cNvSpPr>
+            <a:spLocks noGrp="1"/>
+          </p:cNvSpPr>
+          <p:nvPr>
+            <p:ph type="body" sz="quarter" idx="3"/>
+          </p:nvPr>
+        </p:nvSpPr>
+        <p:spPr/>
+        <p:txBody>
+          <a:bodyPr/>
+          <a:lstStyle/>
+          <a:p>
+            <a:endParaRPr lang="en-US"/>
+          </a:p>
+        </p:txBody>
+      </p:sp>
+      <p:pic>
+        <p:nvPicPr>
+          <p:cNvPr id="10" name="Content Placeholder 9">
+            <a:extLst>
+              <a:ext uri="{FF2B5EF4-FFF2-40B4-BE49-F238E27FC236}">
+                <a16:creationId xmlns:a16="http://schemas.microsoft.com/office/drawing/2014/main" id="{45728895-7085-6F73-9740-C651FFDB0F80}"/>
+              </a:ext>
+            </a:extLst>
+          </p:cNvPr>
+          <p:cNvPicPr>
+            <a:picLocks noGrp="1" noChangeAspect="1"/>
+          </p:cNvPicPr>
+          <p:nvPr>
+            <p:ph sz="quarter" idx="4"/>
+          </p:nvPr>
+        </p:nvPicPr>
+        <p:blipFill>
+          <a:blip r:embed="rId2"/>
+          <a:stretch>
+            <a:fillRect/>
+          </a:stretch>
+        </p:blipFill>
+        <p:spPr>
+          <a:xfrm>
+            <a:off x="6172200" y="2895470"/>
+            <a:ext cx="5183188" cy="2903797"/>
+          </a:xfrm>
+        </p:spPr>
+      </p:pic>
+      <p:pic>
+        <p:nvPicPr>
+          <p:cNvPr id="7" name="Content Placeholder 6">
+            <a:extLst>
+              <a:ext uri="{FF2B5EF4-FFF2-40B4-BE49-F238E27FC236}">
+                <a16:creationId xmlns:a16="http://schemas.microsoft.com/office/drawing/2014/main" id="{95926A3D-60A9-66EC-68C5-1330BA1B45EC}"/>
+              </a:ext>
+            </a:extLst>
+          </p:cNvPr>
+          <p:cNvPicPr>
+            <a:picLocks noGrp="1" noChangeAspect="1"/>
+          </p:cNvPicPr>
+          <p:nvPr>
+            <p:ph sz="half" idx="2"/>
+          </p:nvPr>
+        </p:nvPicPr>
+        <p:blipFill>
+          <a:blip r:embed="rId3"/>
+          <a:stretch>
+            <a:fillRect/>
+          </a:stretch>
+        </p:blipFill>
+        <p:spPr>
+          <a:xfrm>
+            <a:off x="839788" y="2889012"/>
+            <a:ext cx="5157787" cy="2916713"/>
+          </a:xfrm>
+        </p:spPr>
+      </p:pic>
+    </p:spTree>
+    <p:extLst>
+      <p:ext uri="{BB962C8B-B14F-4D97-AF65-F5344CB8AC3E}">
+        <p14:creationId xmlns:p14="http://schemas.microsoft.com/office/powerpoint/2010/main" val="815862350"/>
+      </p:ext>
+    </p:extLst>
+  </p:cSld>
+  <p:clrMapOvr>
+    <a:masterClrMapping/>
+  </p:clrMapOvr>
+</p:sld>
+</file>
+
+<file path=ppt/slides/slide12.xml><?xml version="1.0" encoding="utf-8"?>
+<p:sld xmlns:a="http://schemas.openxmlformats.org/drawingml/2006/main" xmlns:r="http://schemas.openxmlformats.org/officeDocument/2006/relationships" xmlns:p="http://schemas.openxmlformats.org/presentationml/2006/main">
+  <p:cSld>
+    <p:spTree>
+      <p:nvGrpSpPr>
+        <p:cNvPr id="1" name=""/>
+        <p:cNvGrpSpPr/>
+        <p:nvPr/>
+      </p:nvGrpSpPr>
+      <p:grpSpPr>
+        <a:xfrm>
+          <a:off x="0" y="0"/>
+          <a:ext cx="0" cy="0"/>
+          <a:chOff x="0" y="0"/>
+          <a:chExt cx="0" cy="0"/>
+        </a:xfrm>
+      </p:grpSpPr>
+      <p:sp>
+        <p:nvSpPr>
+          <p:cNvPr id="2" name="Title 1">
+            <a:extLst>
+              <a:ext uri="{FF2B5EF4-FFF2-40B4-BE49-F238E27FC236}">
+                <a16:creationId xmlns:a16="http://schemas.microsoft.com/office/drawing/2014/main" id="{B492B1C8-0764-DA79-1EBA-E5F3C143C9C3}"/>
+              </a:ext>
+            </a:extLst>
+          </p:cNvPr>
+          <p:cNvSpPr>
+            <a:spLocks noGrp="1"/>
+          </p:cNvSpPr>
+          <p:nvPr>
+            <p:ph type="title"/>
+          </p:nvPr>
+        </p:nvSpPr>
+        <p:spPr/>
+        <p:txBody>
+          <a:bodyPr/>
+          <a:lstStyle/>
+          <a:p>
+            <a:endParaRPr lang="en-US"/>
+          </a:p>
+        </p:txBody>
+      </p:sp>
+      <p:sp>
+        <p:nvSpPr>
+          <p:cNvPr id="3" name="Text Placeholder 2">
+            <a:extLst>
+              <a:ext uri="{FF2B5EF4-FFF2-40B4-BE49-F238E27FC236}">
+                <a16:creationId xmlns:a16="http://schemas.microsoft.com/office/drawing/2014/main" id="{CC2B7FE6-0EE5-9DC6-FF68-39267F2AA686}"/>
+              </a:ext>
+            </a:extLst>
+          </p:cNvPr>
+          <p:cNvSpPr>
+            <a:spLocks noGrp="1"/>
+          </p:cNvSpPr>
+          <p:nvPr>
+            <p:ph type="body" idx="1"/>
+          </p:nvPr>
+        </p:nvSpPr>
+        <p:spPr/>
+        <p:txBody>
+          <a:bodyPr/>
+          <a:lstStyle/>
+          <a:p>
+            <a:endParaRPr lang="en-US"/>
+          </a:p>
+        </p:txBody>
+      </p:sp>
+      <p:sp>
+        <p:nvSpPr>
+          <p:cNvPr id="5" name="Text Placeholder 4">
+            <a:extLst>
+              <a:ext uri="{FF2B5EF4-FFF2-40B4-BE49-F238E27FC236}">
+                <a16:creationId xmlns:a16="http://schemas.microsoft.com/office/drawing/2014/main" id="{09243543-9934-5955-9327-94346A526408}"/>
+              </a:ext>
+            </a:extLst>
+          </p:cNvPr>
+          <p:cNvSpPr>
+            <a:spLocks noGrp="1"/>
+          </p:cNvSpPr>
+          <p:nvPr>
+            <p:ph type="body" sz="quarter" idx="3"/>
+          </p:nvPr>
+        </p:nvSpPr>
+        <p:spPr/>
+        <p:txBody>
+          <a:bodyPr/>
+          <a:lstStyle/>
+          <a:p>
+            <a:endParaRPr lang="en-US"/>
+          </a:p>
+        </p:txBody>
+      </p:sp>
+      <p:pic>
+        <p:nvPicPr>
+          <p:cNvPr id="10" name="Content Placeholder 9">
+            <a:extLst>
+              <a:ext uri="{FF2B5EF4-FFF2-40B4-BE49-F238E27FC236}">
+                <a16:creationId xmlns:a16="http://schemas.microsoft.com/office/drawing/2014/main" id="{45728895-7085-6F73-9740-C651FFDB0F80}"/>
+              </a:ext>
+            </a:extLst>
+          </p:cNvPr>
+          <p:cNvPicPr>
+            <a:picLocks noGrp="1" noChangeAspect="1"/>
+          </p:cNvPicPr>
+          <p:nvPr>
+            <p:ph sz="quarter" idx="4"/>
+          </p:nvPr>
+        </p:nvPicPr>
+        <p:blipFill>
+          <a:blip r:embed="rId2"/>
+          <a:stretch>
+            <a:fillRect/>
+          </a:stretch>
+        </p:blipFill>
+        <p:spPr>
+          <a:xfrm>
+            <a:off x="6172200" y="2895470"/>
+            <a:ext cx="5183188" cy="2903797"/>
+          </a:xfrm>
+        </p:spPr>
+      </p:pic>
+      <p:pic>
+        <p:nvPicPr>
+          <p:cNvPr id="7" name="Content Placeholder 6">
+            <a:extLst>
+              <a:ext uri="{FF2B5EF4-FFF2-40B4-BE49-F238E27FC236}">
+                <a16:creationId xmlns:a16="http://schemas.microsoft.com/office/drawing/2014/main" id="{0FE01603-670F-23CA-ADB4-3312CEDD5EBF}"/>
+              </a:ext>
+            </a:extLst>
+          </p:cNvPr>
+          <p:cNvPicPr>
+            <a:picLocks noGrp="1" noChangeAspect="1"/>
+          </p:cNvPicPr>
+          <p:nvPr>
+            <p:ph sz="half" idx="2"/>
+          </p:nvPr>
+        </p:nvPicPr>
+        <p:blipFill>
+          <a:blip r:embed="rId3"/>
+          <a:stretch>
+            <a:fillRect/>
+          </a:stretch>
+        </p:blipFill>
+        <p:spPr>
+          <a:xfrm>
+            <a:off x="839788" y="2889864"/>
+            <a:ext cx="5157787" cy="2915009"/>
+          </a:xfrm>
+        </p:spPr>
+      </p:pic>
+    </p:spTree>
+    <p:extLst>
+      <p:ext uri="{BB962C8B-B14F-4D97-AF65-F5344CB8AC3E}">
+        <p14:creationId xmlns:p14="http://schemas.microsoft.com/office/powerpoint/2010/main" val="1657729727"/>
+      </p:ext>
+    </p:extLst>
+  </p:cSld>
+  <p:clrMapOvr>
+    <a:masterClrMapping/>
+  </p:clrMapOvr>
+</p:sld>
+</file>
+
+<file path=ppt/slides/slide13.xml><?xml version="1.0" encoding="utf-8"?>
+<p:sld xmlns:a="http://schemas.openxmlformats.org/drawingml/2006/main" xmlns:r="http://schemas.openxmlformats.org/officeDocument/2006/relationships" xmlns:p="http://schemas.openxmlformats.org/presentationml/2006/main">
+  <p:cSld>
+    <p:spTree>
+      <p:nvGrpSpPr>
+        <p:cNvPr id="1" name=""/>
+        <p:cNvGrpSpPr/>
+        <p:nvPr/>
+      </p:nvGrpSpPr>
+      <p:grpSpPr>
+        <a:xfrm>
+          <a:off x="0" y="0"/>
+          <a:ext cx="0" cy="0"/>
+          <a:chOff x="0" y="0"/>
+          <a:chExt cx="0" cy="0"/>
+        </a:xfrm>
+      </p:grpSpPr>
+      <p:sp>
+        <p:nvSpPr>
+          <p:cNvPr id="2" name="Title 1">
+            <a:extLst>
+              <a:ext uri="{FF2B5EF4-FFF2-40B4-BE49-F238E27FC236}">
+                <a16:creationId xmlns:a16="http://schemas.microsoft.com/office/drawing/2014/main" id="{B492B1C8-0764-DA79-1EBA-E5F3C143C9C3}"/>
+              </a:ext>
+            </a:extLst>
+          </p:cNvPr>
+          <p:cNvSpPr>
+            <a:spLocks noGrp="1"/>
+          </p:cNvSpPr>
+          <p:nvPr>
+            <p:ph type="title"/>
+          </p:nvPr>
+        </p:nvSpPr>
+        <p:spPr/>
+        <p:txBody>
+          <a:bodyPr/>
+          <a:lstStyle/>
+          <a:p>
+            <a:endParaRPr lang="en-US"/>
+          </a:p>
+        </p:txBody>
+      </p:sp>
+      <p:sp>
+        <p:nvSpPr>
+          <p:cNvPr id="3" name="Text Placeholder 2">
+            <a:extLst>
+              <a:ext uri="{FF2B5EF4-FFF2-40B4-BE49-F238E27FC236}">
+                <a16:creationId xmlns:a16="http://schemas.microsoft.com/office/drawing/2014/main" id="{CC2B7FE6-0EE5-9DC6-FF68-39267F2AA686}"/>
+              </a:ext>
+            </a:extLst>
+          </p:cNvPr>
+          <p:cNvSpPr>
+            <a:spLocks noGrp="1"/>
+          </p:cNvSpPr>
+          <p:nvPr>
+            <p:ph type="body" idx="1"/>
+          </p:nvPr>
+        </p:nvSpPr>
+        <p:spPr/>
+        <p:txBody>
+          <a:bodyPr/>
+          <a:lstStyle/>
+          <a:p>
+            <a:endParaRPr lang="en-US"/>
+          </a:p>
+        </p:txBody>
+      </p:sp>
+      <p:sp>
+        <p:nvSpPr>
+          <p:cNvPr id="5" name="Text Placeholder 4">
+            <a:extLst>
+              <a:ext uri="{FF2B5EF4-FFF2-40B4-BE49-F238E27FC236}">
+                <a16:creationId xmlns:a16="http://schemas.microsoft.com/office/drawing/2014/main" id="{09243543-9934-5955-9327-94346A526408}"/>
+              </a:ext>
+            </a:extLst>
+          </p:cNvPr>
+          <p:cNvSpPr>
+            <a:spLocks noGrp="1"/>
+          </p:cNvSpPr>
+          <p:nvPr>
+            <p:ph type="body" sz="quarter" idx="3"/>
+          </p:nvPr>
+        </p:nvSpPr>
+        <p:spPr/>
+        <p:txBody>
+          <a:bodyPr/>
+          <a:lstStyle/>
+          <a:p>
+            <a:endParaRPr lang="en-US"/>
+          </a:p>
+        </p:txBody>
+      </p:sp>
+      <p:pic>
+        <p:nvPicPr>
+          <p:cNvPr id="10" name="Content Placeholder 9">
+            <a:extLst>
+              <a:ext uri="{FF2B5EF4-FFF2-40B4-BE49-F238E27FC236}">
+                <a16:creationId xmlns:a16="http://schemas.microsoft.com/office/drawing/2014/main" id="{45728895-7085-6F73-9740-C651FFDB0F80}"/>
+              </a:ext>
+            </a:extLst>
+          </p:cNvPr>
+          <p:cNvPicPr>
+            <a:picLocks noGrp="1" noChangeAspect="1"/>
+          </p:cNvPicPr>
+          <p:nvPr>
+            <p:ph sz="quarter" idx="4"/>
+          </p:nvPr>
+        </p:nvPicPr>
+        <p:blipFill>
+          <a:blip r:embed="rId2"/>
+          <a:stretch>
+            <a:fillRect/>
+          </a:stretch>
+        </p:blipFill>
+        <p:spPr>
+          <a:xfrm>
+            <a:off x="6172200" y="2895470"/>
+            <a:ext cx="5183188" cy="2903797"/>
+          </a:xfrm>
+        </p:spPr>
+      </p:pic>
+      <p:pic>
+        <p:nvPicPr>
+          <p:cNvPr id="7" name="Content Placeholder 6">
+            <a:extLst>
+              <a:ext uri="{FF2B5EF4-FFF2-40B4-BE49-F238E27FC236}">
+                <a16:creationId xmlns:a16="http://schemas.microsoft.com/office/drawing/2014/main" id="{20AFB9B5-00C1-E4F8-4427-DC41C167333C}"/>
+              </a:ext>
+            </a:extLst>
+          </p:cNvPr>
+          <p:cNvPicPr>
+            <a:picLocks noGrp="1" noChangeAspect="1"/>
+          </p:cNvPicPr>
+          <p:nvPr>
+            <p:ph sz="half" idx="2"/>
+          </p:nvPr>
+        </p:nvPicPr>
+        <p:blipFill>
+          <a:blip r:embed="rId3"/>
+          <a:stretch>
+            <a:fillRect/>
+          </a:stretch>
+        </p:blipFill>
+        <p:spPr>
+          <a:xfrm>
+            <a:off x="839788" y="2887050"/>
+            <a:ext cx="5157787" cy="2920638"/>
+          </a:xfrm>
+        </p:spPr>
+      </p:pic>
+    </p:spTree>
+    <p:extLst>
+      <p:ext uri="{BB962C8B-B14F-4D97-AF65-F5344CB8AC3E}">
+        <p14:creationId xmlns:p14="http://schemas.microsoft.com/office/powerpoint/2010/main" val="1044104072"/>
+      </p:ext>
+    </p:extLst>
+  </p:cSld>
+  <p:clrMapOvr>
+    <a:masterClrMapping/>
+  </p:clrMapOvr>
+</p:sld>
+</file>
+
+<file path=ppt/slides/slide14.xml><?xml version="1.0" encoding="utf-8"?>
+<p:sld xmlns:a="http://schemas.openxmlformats.org/drawingml/2006/main" xmlns:r="http://schemas.openxmlformats.org/officeDocument/2006/relationships" xmlns:p="http://schemas.openxmlformats.org/presentationml/2006/main">
+  <p:cSld>
+    <p:spTree>
+      <p:nvGrpSpPr>
+        <p:cNvPr id="1" name=""/>
+        <p:cNvGrpSpPr/>
+        <p:nvPr/>
+      </p:nvGrpSpPr>
+      <p:grpSpPr>
+        <a:xfrm>
+          <a:off x="0" y="0"/>
+          <a:ext cx="0" cy="0"/>
+          <a:chOff x="0" y="0"/>
+          <a:chExt cx="0" cy="0"/>
+        </a:xfrm>
+      </p:grpSpPr>
+      <p:sp>
+        <p:nvSpPr>
+          <p:cNvPr id="2" name="Title 1">
+            <a:extLst>
+              <a:ext uri="{FF2B5EF4-FFF2-40B4-BE49-F238E27FC236}">
+                <a16:creationId xmlns:a16="http://schemas.microsoft.com/office/drawing/2014/main" id="{B492B1C8-0764-DA79-1EBA-E5F3C143C9C3}"/>
+              </a:ext>
+            </a:extLst>
+          </p:cNvPr>
+          <p:cNvSpPr>
+            <a:spLocks noGrp="1"/>
+          </p:cNvSpPr>
+          <p:nvPr>
+            <p:ph type="title"/>
+          </p:nvPr>
+        </p:nvSpPr>
+        <p:spPr/>
+        <p:txBody>
+          <a:bodyPr/>
+          <a:lstStyle/>
+          <a:p>
+            <a:endParaRPr lang="en-US"/>
+          </a:p>
+        </p:txBody>
+      </p:sp>
+      <p:sp>
+        <p:nvSpPr>
+          <p:cNvPr id="3" name="Text Placeholder 2">
+            <a:extLst>
+              <a:ext uri="{FF2B5EF4-FFF2-40B4-BE49-F238E27FC236}">
+                <a16:creationId xmlns:a16="http://schemas.microsoft.com/office/drawing/2014/main" id="{CC2B7FE6-0EE5-9DC6-FF68-39267F2AA686}"/>
+              </a:ext>
+            </a:extLst>
+          </p:cNvPr>
+          <p:cNvSpPr>
+            <a:spLocks noGrp="1"/>
+          </p:cNvSpPr>
+          <p:nvPr>
+            <p:ph type="body" idx="1"/>
+          </p:nvPr>
+        </p:nvSpPr>
+        <p:spPr/>
+        <p:txBody>
+          <a:bodyPr/>
+          <a:lstStyle/>
+          <a:p>
+            <a:endParaRPr lang="en-US"/>
+          </a:p>
+        </p:txBody>
+      </p:sp>
+      <p:sp>
+        <p:nvSpPr>
+          <p:cNvPr id="5" name="Text Placeholder 4">
+            <a:extLst>
+              <a:ext uri="{FF2B5EF4-FFF2-40B4-BE49-F238E27FC236}">
+                <a16:creationId xmlns:a16="http://schemas.microsoft.com/office/drawing/2014/main" id="{09243543-9934-5955-9327-94346A526408}"/>
+              </a:ext>
+            </a:extLst>
+          </p:cNvPr>
+          <p:cNvSpPr>
+            <a:spLocks noGrp="1"/>
+          </p:cNvSpPr>
+          <p:nvPr>
+            <p:ph type="body" sz="quarter" idx="3"/>
+          </p:nvPr>
+        </p:nvSpPr>
+        <p:spPr/>
+        <p:txBody>
+          <a:bodyPr/>
+          <a:lstStyle/>
+          <a:p>
+            <a:endParaRPr lang="en-US"/>
+          </a:p>
+        </p:txBody>
+      </p:sp>
+      <p:pic>
+        <p:nvPicPr>
+          <p:cNvPr id="10" name="Content Placeholder 9">
+            <a:extLst>
+              <a:ext uri="{FF2B5EF4-FFF2-40B4-BE49-F238E27FC236}">
+                <a16:creationId xmlns:a16="http://schemas.microsoft.com/office/drawing/2014/main" id="{45728895-7085-6F73-9740-C651FFDB0F80}"/>
+              </a:ext>
+            </a:extLst>
+          </p:cNvPr>
+          <p:cNvPicPr>
+            <a:picLocks noGrp="1" noChangeAspect="1"/>
+          </p:cNvPicPr>
+          <p:nvPr>
+            <p:ph sz="quarter" idx="4"/>
+          </p:nvPr>
+        </p:nvPicPr>
+        <p:blipFill>
+          <a:blip r:embed="rId2"/>
+          <a:stretch>
+            <a:fillRect/>
+          </a:stretch>
+        </p:blipFill>
+        <p:spPr>
+          <a:xfrm>
+            <a:off x="6172200" y="2895470"/>
+            <a:ext cx="5183188" cy="2903797"/>
+          </a:xfrm>
+        </p:spPr>
+      </p:pic>
+      <p:pic>
+        <p:nvPicPr>
           <p:cNvPr id="7" name="Content Placeholder 6">
             <a:extLst>
               <a:ext uri="{FF2B5EF4-FFF2-40B4-BE49-F238E27FC236}">
@@ -3609,7 +4475,7 @@
 </p:sld>
 </file>
 
-<file path=ppt/slides/slide11.xml><?xml version="1.0" encoding="utf-8"?>
+<file path=ppt/slides/slide15.xml><?xml version="1.0" encoding="utf-8"?>
 <p:sld xmlns:a="http://schemas.openxmlformats.org/drawingml/2006/main" xmlns:r="http://schemas.openxmlformats.org/officeDocument/2006/relationships" xmlns:p="http://schemas.openxmlformats.org/presentationml/2006/main">
   <p:cSld>
     <p:spTree>
@@ -3715,6 +4581,636 @@
           <p:cNvPr id="2" name="Title 1">
             <a:extLst>
               <a:ext uri="{FF2B5EF4-FFF2-40B4-BE49-F238E27FC236}">
+                <a16:creationId xmlns:a16="http://schemas.microsoft.com/office/drawing/2014/main" id="{5FD35A06-F29B-FE3D-B6A1-DE96E3FF6186}"/>
+              </a:ext>
+            </a:extLst>
+          </p:cNvPr>
+          <p:cNvSpPr>
+            <a:spLocks noGrp="1"/>
+          </p:cNvSpPr>
+          <p:nvPr>
+            <p:ph type="title"/>
+          </p:nvPr>
+        </p:nvSpPr>
+        <p:spPr/>
+        <p:txBody>
+          <a:bodyPr/>
+          <a:lstStyle/>
+          <a:p>
+            <a:r>
+              <a:rPr lang="en-US" b="1" i="0" dirty="0">
+                <a:effectLst/>
+                <a:latin typeface="Roboto" panose="02000000000000000000" pitchFamily="2" charset="0"/>
+              </a:rPr>
+              <a:t>Overview</a:t>
+            </a:r>
+            <a:br>
+              <a:rPr lang="en-US" b="1" i="0" dirty="0">
+                <a:effectLst/>
+                <a:latin typeface="Roboto" panose="02000000000000000000" pitchFamily="2" charset="0"/>
+              </a:rPr>
+            </a:br>
+            <a:endParaRPr lang="en-US" dirty="0"/>
+          </a:p>
+        </p:txBody>
+      </p:sp>
+      <p:sp>
+        <p:nvSpPr>
+          <p:cNvPr id="3" name="Content Placeholder 2">
+            <a:extLst>
+              <a:ext uri="{FF2B5EF4-FFF2-40B4-BE49-F238E27FC236}">
+                <a16:creationId xmlns:a16="http://schemas.microsoft.com/office/drawing/2014/main" id="{8EFA2349-5FA5-BACF-FD5E-D521DB175196}"/>
+              </a:ext>
+            </a:extLst>
+          </p:cNvPr>
+          <p:cNvSpPr>
+            <a:spLocks noGrp="1"/>
+          </p:cNvSpPr>
+          <p:nvPr>
+            <p:ph idx="1"/>
+          </p:nvPr>
+        </p:nvSpPr>
+        <p:spPr/>
+        <p:txBody>
+          <a:bodyPr/>
+          <a:lstStyle/>
+          <a:p>
+            <a:r>
+              <a:rPr lang="en-US" b="0" i="0" dirty="0">
+                <a:solidFill>
+                  <a:srgbClr val="1F2328"/>
+                </a:solidFill>
+                <a:effectLst/>
+                <a:latin typeface="Roboto" panose="02000000000000000000" pitchFamily="2" charset="0"/>
+                <a:ea typeface="Roboto" panose="02000000000000000000" pitchFamily="2" charset="0"/>
+                <a:cs typeface="Roboto" panose="02000000000000000000" pitchFamily="2" charset="0"/>
+              </a:rPr>
+              <a:t>This project analyzes global agricultural production relative to population data over time. It uses Python to process data on agricultural production by category, region, and country, as well as global and continental population data. The goal is to visualize trends and relationships between food production and population growth.</a:t>
+            </a:r>
+            <a:endParaRPr lang="en-US" dirty="0">
+              <a:latin typeface="Roboto" panose="02000000000000000000" pitchFamily="2" charset="0"/>
+              <a:ea typeface="Roboto" panose="02000000000000000000" pitchFamily="2" charset="0"/>
+              <a:cs typeface="Roboto" panose="02000000000000000000" pitchFamily="2" charset="0"/>
+            </a:endParaRPr>
+          </a:p>
+        </p:txBody>
+      </p:sp>
+    </p:spTree>
+    <p:extLst>
+      <p:ext uri="{BB962C8B-B14F-4D97-AF65-F5344CB8AC3E}">
+        <p14:creationId xmlns:p14="http://schemas.microsoft.com/office/powerpoint/2010/main" val="2891163924"/>
+      </p:ext>
+    </p:extLst>
+  </p:cSld>
+  <p:clrMapOvr>
+    <a:masterClrMapping/>
+  </p:clrMapOvr>
+</p:sld>
+</file>
+
+<file path=ppt/slides/slide3.xml><?xml version="1.0" encoding="utf-8"?>
+<p:sld xmlns:a="http://schemas.openxmlformats.org/drawingml/2006/main" xmlns:r="http://schemas.openxmlformats.org/officeDocument/2006/relationships" xmlns:p="http://schemas.openxmlformats.org/presentationml/2006/main">
+  <p:cSld>
+    <p:spTree>
+      <p:nvGrpSpPr>
+        <p:cNvPr id="1" name=""/>
+        <p:cNvGrpSpPr/>
+        <p:nvPr/>
+      </p:nvGrpSpPr>
+      <p:grpSpPr>
+        <a:xfrm>
+          <a:off x="0" y="0"/>
+          <a:ext cx="0" cy="0"/>
+          <a:chOff x="0" y="0"/>
+          <a:chExt cx="0" cy="0"/>
+        </a:xfrm>
+      </p:grpSpPr>
+      <p:sp>
+        <p:nvSpPr>
+          <p:cNvPr id="2" name="Title 1">
+            <a:extLst>
+              <a:ext uri="{FF2B5EF4-FFF2-40B4-BE49-F238E27FC236}">
+                <a16:creationId xmlns:a16="http://schemas.microsoft.com/office/drawing/2014/main" id="{765BC33D-204E-1A86-35A3-63FD766BC097}"/>
+              </a:ext>
+            </a:extLst>
+          </p:cNvPr>
+          <p:cNvSpPr>
+            <a:spLocks noGrp="1"/>
+          </p:cNvSpPr>
+          <p:nvPr>
+            <p:ph type="title"/>
+          </p:nvPr>
+        </p:nvSpPr>
+        <p:spPr/>
+        <p:txBody>
+          <a:bodyPr/>
+          <a:lstStyle/>
+          <a:p>
+            <a:r>
+              <a:rPr lang="en-US" b="1" i="0" dirty="0">
+                <a:effectLst/>
+                <a:latin typeface="Roboto" panose="02000000000000000000" pitchFamily="2" charset="0"/>
+              </a:rPr>
+              <a:t>Analysis and Conclusion</a:t>
+            </a:r>
+            <a:br>
+              <a:rPr lang="en-US" b="1" i="0" dirty="0">
+                <a:effectLst/>
+                <a:latin typeface="Roboto" panose="02000000000000000000" pitchFamily="2" charset="0"/>
+              </a:rPr>
+            </a:br>
+            <a:endParaRPr lang="en-US" dirty="0"/>
+          </a:p>
+        </p:txBody>
+      </p:sp>
+      <p:sp>
+        <p:nvSpPr>
+          <p:cNvPr id="3" name="Content Placeholder 2">
+            <a:extLst>
+              <a:ext uri="{FF2B5EF4-FFF2-40B4-BE49-F238E27FC236}">
+                <a16:creationId xmlns:a16="http://schemas.microsoft.com/office/drawing/2014/main" id="{5D509172-7413-2898-93C1-5177DAA0029C}"/>
+              </a:ext>
+            </a:extLst>
+          </p:cNvPr>
+          <p:cNvSpPr>
+            <a:spLocks noGrp="1"/>
+          </p:cNvSpPr>
+          <p:nvPr>
+            <p:ph idx="1"/>
+          </p:nvPr>
+        </p:nvSpPr>
+        <p:spPr/>
+        <p:txBody>
+          <a:bodyPr>
+            <a:normAutofit/>
+          </a:bodyPr>
+          <a:lstStyle/>
+          <a:p>
+            <a:pPr algn="l">
+              <a:buFont typeface="Arial" panose="020B0604020202020204" pitchFamily="34" charset="0"/>
+              <a:buChar char="•"/>
+            </a:pPr>
+            <a:r>
+              <a:rPr lang="en-US" sz="1400" b="0" i="0" dirty="0">
+                <a:solidFill>
+                  <a:srgbClr val="2B2B2B"/>
+                </a:solidFill>
+                <a:effectLst/>
+                <a:latin typeface="Roboto" panose="02000000000000000000" pitchFamily="2" charset="0"/>
+              </a:rPr>
+              <a:t>Findings are strongly supported with numbers and visualizations (10 points).</a:t>
+            </a:r>
+          </a:p>
+          <a:p>
+            <a:pPr algn="l">
+              <a:buFont typeface="Arial" panose="020B0604020202020204" pitchFamily="34" charset="0"/>
+              <a:buChar char="•"/>
+            </a:pPr>
+            <a:r>
+              <a:rPr lang="en-US" sz="1400" b="0" i="0" dirty="0">
+                <a:solidFill>
+                  <a:srgbClr val="2B2B2B"/>
+                </a:solidFill>
+                <a:effectLst/>
+                <a:latin typeface="Roboto" panose="02000000000000000000" pitchFamily="2" charset="0"/>
+              </a:rPr>
+              <a:t>Write-up summarizes major findings and implications at a professional level (10 points).</a:t>
+            </a:r>
+          </a:p>
+          <a:p>
+            <a:pPr algn="l">
+              <a:buFont typeface="Arial" panose="020B0604020202020204" pitchFamily="34" charset="0"/>
+              <a:buChar char="•"/>
+            </a:pPr>
+            <a:r>
+              <a:rPr lang="en-US" sz="1400" b="0" i="0" dirty="0">
+                <a:solidFill>
+                  <a:srgbClr val="2B2B2B"/>
+                </a:solidFill>
+                <a:effectLst/>
+                <a:latin typeface="Roboto" panose="02000000000000000000" pitchFamily="2" charset="0"/>
+              </a:rPr>
+              <a:t>Each question in the project proposal is answered with precise descriptions and findings (5 points).</a:t>
+            </a:r>
+          </a:p>
+          <a:p>
+            <a:pPr algn="l">
+              <a:buFont typeface="Arial" panose="020B0604020202020204" pitchFamily="34" charset="0"/>
+              <a:buChar char="•"/>
+            </a:pPr>
+            <a:r>
+              <a:rPr lang="en-US" sz="1400" b="0" i="0" dirty="0">
+                <a:solidFill>
+                  <a:srgbClr val="2B2B2B"/>
+                </a:solidFill>
+                <a:effectLst/>
+                <a:latin typeface="Roboto" panose="02000000000000000000" pitchFamily="2" charset="0"/>
+              </a:rPr>
+              <a:t>Each question response is supported with a well-discerned statistical analysis from lessons, such as aggregation, correlation, comparison, summary statistics, sentiment analysis, and time series analysis (5 points).</a:t>
+            </a:r>
+          </a:p>
+          <a:p>
+            <a:endParaRPr lang="en-US" sz="1400" dirty="0"/>
+          </a:p>
+        </p:txBody>
+      </p:sp>
+    </p:spTree>
+    <p:extLst>
+      <p:ext uri="{BB962C8B-B14F-4D97-AF65-F5344CB8AC3E}">
+        <p14:creationId xmlns:p14="http://schemas.microsoft.com/office/powerpoint/2010/main" val="3327765573"/>
+      </p:ext>
+    </p:extLst>
+  </p:cSld>
+  <p:clrMapOvr>
+    <a:masterClrMapping/>
+  </p:clrMapOvr>
+</p:sld>
+</file>
+
+<file path=ppt/slides/slide4.xml><?xml version="1.0" encoding="utf-8"?>
+<p:sld xmlns:a="http://schemas.openxmlformats.org/drawingml/2006/main" xmlns:r="http://schemas.openxmlformats.org/officeDocument/2006/relationships" xmlns:p="http://schemas.openxmlformats.org/presentationml/2006/main">
+  <p:cSld>
+    <p:spTree>
+      <p:nvGrpSpPr>
+        <p:cNvPr id="1" name=""/>
+        <p:cNvGrpSpPr/>
+        <p:nvPr/>
+      </p:nvGrpSpPr>
+      <p:grpSpPr>
+        <a:xfrm>
+          <a:off x="0" y="0"/>
+          <a:ext cx="0" cy="0"/>
+          <a:chOff x="0" y="0"/>
+          <a:chExt cx="0" cy="0"/>
+        </a:xfrm>
+      </p:grpSpPr>
+      <p:sp>
+        <p:nvSpPr>
+          <p:cNvPr id="2" name="Title 1">
+            <a:extLst>
+              <a:ext uri="{FF2B5EF4-FFF2-40B4-BE49-F238E27FC236}">
+                <a16:creationId xmlns:a16="http://schemas.microsoft.com/office/drawing/2014/main" id="{8CBABE18-E0F5-C4A0-A609-54F2DA70C7D9}"/>
+              </a:ext>
+            </a:extLst>
+          </p:cNvPr>
+          <p:cNvSpPr>
+            <a:spLocks noGrp="1"/>
+          </p:cNvSpPr>
+          <p:nvPr>
+            <p:ph type="title"/>
+          </p:nvPr>
+        </p:nvSpPr>
+        <p:spPr/>
+        <p:txBody>
+          <a:bodyPr/>
+          <a:lstStyle/>
+          <a:p>
+            <a:r>
+              <a:rPr lang="en-US" b="1" i="0" dirty="0">
+                <a:effectLst/>
+                <a:latin typeface="Roboto" panose="02000000000000000000" pitchFamily="2" charset="0"/>
+              </a:rPr>
+              <a:t>Visualizations</a:t>
+            </a:r>
+            <a:br>
+              <a:rPr lang="en-US" b="1" i="0" dirty="0">
+                <a:effectLst/>
+                <a:latin typeface="Roboto" panose="02000000000000000000" pitchFamily="2" charset="0"/>
+              </a:rPr>
+            </a:br>
+            <a:endParaRPr lang="en-US" dirty="0"/>
+          </a:p>
+        </p:txBody>
+      </p:sp>
+      <p:sp>
+        <p:nvSpPr>
+          <p:cNvPr id="3" name="Content Placeholder 2">
+            <a:extLst>
+              <a:ext uri="{FF2B5EF4-FFF2-40B4-BE49-F238E27FC236}">
+                <a16:creationId xmlns:a16="http://schemas.microsoft.com/office/drawing/2014/main" id="{5E095AB0-E778-139C-2D4D-60F4C700501E}"/>
+              </a:ext>
+            </a:extLst>
+          </p:cNvPr>
+          <p:cNvSpPr>
+            <a:spLocks noGrp="1"/>
+          </p:cNvSpPr>
+          <p:nvPr>
+            <p:ph idx="1"/>
+          </p:nvPr>
+        </p:nvSpPr>
+        <p:spPr/>
+        <p:txBody>
+          <a:bodyPr>
+            <a:normAutofit/>
+          </a:bodyPr>
+          <a:lstStyle/>
+          <a:p>
+            <a:pPr algn="l">
+              <a:buFont typeface="Arial" panose="020B0604020202020204" pitchFamily="34" charset="0"/>
+              <a:buChar char="•"/>
+            </a:pPr>
+            <a:r>
+              <a:rPr lang="en-US" sz="1400" b="0" i="0" dirty="0">
+                <a:solidFill>
+                  <a:srgbClr val="2B2B2B"/>
+                </a:solidFill>
+                <a:effectLst/>
+                <a:latin typeface="Roboto" panose="02000000000000000000" pitchFamily="2" charset="0"/>
+              </a:rPr>
+              <a:t>6–8 visualizations of data (at least two per question) (10 points).</a:t>
+            </a:r>
+          </a:p>
+          <a:p>
+            <a:pPr algn="l">
+              <a:buFont typeface="Arial" panose="020B0604020202020204" pitchFamily="34" charset="0"/>
+              <a:buChar char="•"/>
+            </a:pPr>
+            <a:r>
+              <a:rPr lang="en-US" sz="1400" b="0" i="0" dirty="0">
+                <a:solidFill>
+                  <a:srgbClr val="2B2B2B"/>
+                </a:solidFill>
+                <a:effectLst/>
+                <a:latin typeface="Roboto" panose="02000000000000000000" pitchFamily="2" charset="0"/>
+              </a:rPr>
+              <a:t>Clear and accurate labeling of images (5 points).</a:t>
+            </a:r>
+          </a:p>
+          <a:p>
+            <a:pPr algn="l">
+              <a:buFont typeface="Arial" panose="020B0604020202020204" pitchFamily="34" charset="0"/>
+              <a:buChar char="•"/>
+            </a:pPr>
+            <a:r>
+              <a:rPr lang="en-US" sz="1400" b="0" i="0" dirty="0">
+                <a:solidFill>
+                  <a:srgbClr val="2B2B2B"/>
+                </a:solidFill>
+                <a:effectLst/>
+                <a:latin typeface="Roboto" panose="02000000000000000000" pitchFamily="2" charset="0"/>
+              </a:rPr>
+              <a:t>Visualizations supported with ample and precise explanation (5 points).</a:t>
+            </a:r>
+          </a:p>
+          <a:p>
+            <a:endParaRPr lang="en-US" sz="1400" dirty="0"/>
+          </a:p>
+        </p:txBody>
+      </p:sp>
+    </p:spTree>
+    <p:extLst>
+      <p:ext uri="{BB962C8B-B14F-4D97-AF65-F5344CB8AC3E}">
+        <p14:creationId xmlns:p14="http://schemas.microsoft.com/office/powerpoint/2010/main" val="4195663498"/>
+      </p:ext>
+    </p:extLst>
+  </p:cSld>
+  <p:clrMapOvr>
+    <a:masterClrMapping/>
+  </p:clrMapOvr>
+</p:sld>
+</file>
+
+<file path=ppt/slides/slide5.xml><?xml version="1.0" encoding="utf-8"?>
+<p:sld xmlns:a="http://schemas.openxmlformats.org/drawingml/2006/main" xmlns:r="http://schemas.openxmlformats.org/officeDocument/2006/relationships" xmlns:p="http://schemas.openxmlformats.org/presentationml/2006/main">
+  <p:cSld>
+    <p:spTree>
+      <p:nvGrpSpPr>
+        <p:cNvPr id="1" name=""/>
+        <p:cNvGrpSpPr/>
+        <p:nvPr/>
+      </p:nvGrpSpPr>
+      <p:grpSpPr>
+        <a:xfrm>
+          <a:off x="0" y="0"/>
+          <a:ext cx="0" cy="0"/>
+          <a:chOff x="0" y="0"/>
+          <a:chExt cx="0" cy="0"/>
+        </a:xfrm>
+      </p:grpSpPr>
+      <p:sp>
+        <p:nvSpPr>
+          <p:cNvPr id="2" name="Title 1">
+            <a:extLst>
+              <a:ext uri="{FF2B5EF4-FFF2-40B4-BE49-F238E27FC236}">
+                <a16:creationId xmlns:a16="http://schemas.microsoft.com/office/drawing/2014/main" id="{518CEDE2-18F2-6196-02B0-E9074A8932D9}"/>
+              </a:ext>
+            </a:extLst>
+          </p:cNvPr>
+          <p:cNvSpPr>
+            <a:spLocks noGrp="1"/>
+          </p:cNvSpPr>
+          <p:nvPr>
+            <p:ph type="title"/>
+          </p:nvPr>
+        </p:nvSpPr>
+        <p:spPr/>
+        <p:txBody>
+          <a:bodyPr/>
+          <a:lstStyle/>
+          <a:p>
+            <a:r>
+              <a:rPr lang="en-US" b="1" i="0" dirty="0">
+                <a:effectLst/>
+                <a:latin typeface="Roboto" panose="02000000000000000000" pitchFamily="2" charset="0"/>
+              </a:rPr>
+              <a:t>Presentation Requirements</a:t>
+            </a:r>
+            <a:br>
+              <a:rPr lang="en-US" b="1" i="0" dirty="0">
+                <a:effectLst/>
+                <a:latin typeface="Roboto" panose="02000000000000000000" pitchFamily="2" charset="0"/>
+              </a:rPr>
+            </a:br>
+            <a:endParaRPr lang="en-US" dirty="0"/>
+          </a:p>
+        </p:txBody>
+      </p:sp>
+      <p:sp>
+        <p:nvSpPr>
+          <p:cNvPr id="3" name="Content Placeholder 2">
+            <a:extLst>
+              <a:ext uri="{FF2B5EF4-FFF2-40B4-BE49-F238E27FC236}">
+                <a16:creationId xmlns:a16="http://schemas.microsoft.com/office/drawing/2014/main" id="{6B010F1D-F98F-0145-BA31-DD922551682E}"/>
+              </a:ext>
+            </a:extLst>
+          </p:cNvPr>
+          <p:cNvSpPr>
+            <a:spLocks noGrp="1"/>
+          </p:cNvSpPr>
+          <p:nvPr>
+            <p:ph idx="1"/>
+          </p:nvPr>
+        </p:nvSpPr>
+        <p:spPr/>
+        <p:txBody>
+          <a:bodyPr>
+            <a:normAutofit/>
+          </a:bodyPr>
+          <a:lstStyle/>
+          <a:p>
+            <a:pPr marL="0" indent="0" algn="l">
+              <a:buNone/>
+            </a:pPr>
+            <a:r>
+              <a:rPr lang="en-US" sz="1400" b="0" i="0" dirty="0">
+                <a:solidFill>
+                  <a:srgbClr val="2B2B2B"/>
+                </a:solidFill>
+                <a:effectLst/>
+                <a:latin typeface="Roboto" panose="02000000000000000000" pitchFamily="2" charset="0"/>
+              </a:rPr>
+              <a:t>Your presentation should cover the following:</a:t>
+            </a:r>
+          </a:p>
+          <a:p>
+            <a:pPr algn="l">
+              <a:buFont typeface="Arial" panose="020B0604020202020204" pitchFamily="34" charset="0"/>
+              <a:buChar char="•"/>
+            </a:pPr>
+            <a:r>
+              <a:rPr lang="en-US" sz="1400" b="0" i="0" dirty="0">
+                <a:solidFill>
+                  <a:srgbClr val="2B2B2B"/>
+                </a:solidFill>
+                <a:effectLst/>
+                <a:latin typeface="Roboto" panose="02000000000000000000" pitchFamily="2" charset="0"/>
+              </a:rPr>
+              <a:t>An executive summary or overview of the project and project goals (5 points).</a:t>
+            </a:r>
+          </a:p>
+          <a:p>
+            <a:pPr algn="l">
+              <a:buFont typeface="Arial" panose="020B0604020202020204" pitchFamily="34" charset="0"/>
+              <a:buChar char="•"/>
+            </a:pPr>
+            <a:r>
+              <a:rPr lang="en-US" sz="1400" b="0" i="0" dirty="0">
+                <a:solidFill>
+                  <a:srgbClr val="2B2B2B"/>
+                </a:solidFill>
+                <a:effectLst/>
+                <a:latin typeface="Roboto" panose="02000000000000000000" pitchFamily="2" charset="0"/>
+              </a:rPr>
+              <a:t>An overview of the data collection, cleanup, and exploration processes (5 points).</a:t>
+            </a:r>
+          </a:p>
+          <a:p>
+            <a:pPr algn="l">
+              <a:buFont typeface="Arial" panose="020B0604020202020204" pitchFamily="34" charset="0"/>
+              <a:buChar char="•"/>
+            </a:pPr>
+            <a:r>
+              <a:rPr lang="en-US" sz="1400" b="0" i="0" dirty="0">
+                <a:solidFill>
+                  <a:srgbClr val="2B2B2B"/>
+                </a:solidFill>
+                <a:effectLst/>
+                <a:latin typeface="Roboto" panose="02000000000000000000" pitchFamily="2" charset="0"/>
+              </a:rPr>
+              <a:t>The approach that your group took in achieving the project goals (5 points).</a:t>
+            </a:r>
+          </a:p>
+          <a:p>
+            <a:pPr algn="l">
+              <a:buFont typeface="Arial" panose="020B0604020202020204" pitchFamily="34" charset="0"/>
+              <a:buChar char="•"/>
+            </a:pPr>
+            <a:r>
+              <a:rPr lang="en-US" sz="1400" b="0" i="0" dirty="0">
+                <a:solidFill>
+                  <a:srgbClr val="2B2B2B"/>
+                </a:solidFill>
+                <a:effectLst/>
+                <a:latin typeface="Roboto" panose="02000000000000000000" pitchFamily="2" charset="0"/>
+              </a:rPr>
+              <a:t>Any additional questions that surfaced, what your group might research next if more time was available or share a plan for future development (5 points).</a:t>
+            </a:r>
+          </a:p>
+          <a:p>
+            <a:pPr algn="l">
+              <a:buFont typeface="Arial" panose="020B0604020202020204" pitchFamily="34" charset="0"/>
+              <a:buChar char="•"/>
+            </a:pPr>
+            <a:r>
+              <a:rPr lang="en-US" sz="1400" b="0" i="0" dirty="0">
+                <a:solidFill>
+                  <a:srgbClr val="2B2B2B"/>
+                </a:solidFill>
+                <a:effectLst/>
+                <a:latin typeface="Roboto" panose="02000000000000000000" pitchFamily="2" charset="0"/>
+              </a:rPr>
+              <a:t>The results and conclusions of the application or analysis (5 points).</a:t>
+            </a:r>
+          </a:p>
+          <a:p>
+            <a:pPr algn="l">
+              <a:buFont typeface="Arial" panose="020B0604020202020204" pitchFamily="34" charset="0"/>
+              <a:buChar char="•"/>
+            </a:pPr>
+            <a:r>
+              <a:rPr lang="en-US" sz="1400" b="0" i="0" dirty="0">
+                <a:solidFill>
+                  <a:srgbClr val="2B2B2B"/>
+                </a:solidFill>
+                <a:effectLst/>
+                <a:latin typeface="Roboto" panose="02000000000000000000" pitchFamily="2" charset="0"/>
+              </a:rPr>
+              <a:t>Slides effectively demonstrate the project (3 points).</a:t>
+            </a:r>
+          </a:p>
+          <a:p>
+            <a:pPr algn="l">
+              <a:buFont typeface="Arial" panose="020B0604020202020204" pitchFamily="34" charset="0"/>
+              <a:buChar char="•"/>
+            </a:pPr>
+            <a:r>
+              <a:rPr lang="en-US" sz="1400" b="0" i="0" dirty="0">
+                <a:solidFill>
+                  <a:srgbClr val="2B2B2B"/>
+                </a:solidFill>
+                <a:effectLst/>
+                <a:latin typeface="Roboto" panose="02000000000000000000" pitchFamily="2" charset="0"/>
+              </a:rPr>
+              <a:t>Slides are visually clean and professional (2 points).</a:t>
+            </a:r>
+          </a:p>
+        </p:txBody>
+      </p:sp>
+    </p:spTree>
+    <p:extLst>
+      <p:ext uri="{BB962C8B-B14F-4D97-AF65-F5344CB8AC3E}">
+        <p14:creationId xmlns:p14="http://schemas.microsoft.com/office/powerpoint/2010/main" val="793010627"/>
+      </p:ext>
+    </p:extLst>
+  </p:cSld>
+  <p:clrMapOvr>
+    <a:masterClrMapping/>
+  </p:clrMapOvr>
+</p:sld>
+</file>
+
+<file path=ppt/slides/slide6.xml><?xml version="1.0" encoding="utf-8"?>
+<p:sld xmlns:a="http://schemas.openxmlformats.org/drawingml/2006/main" xmlns:r="http://schemas.openxmlformats.org/officeDocument/2006/relationships" xmlns:p="http://schemas.openxmlformats.org/presentationml/2006/main">
+  <p:cSld>
+    <p:spTree>
+      <p:nvGrpSpPr>
+        <p:cNvPr id="1" name=""/>
+        <p:cNvGrpSpPr/>
+        <p:nvPr/>
+      </p:nvGrpSpPr>
+      <p:grpSpPr>
+        <a:xfrm>
+          <a:off x="0" y="0"/>
+          <a:ext cx="0" cy="0"/>
+          <a:chOff x="0" y="0"/>
+          <a:chExt cx="0" cy="0"/>
+        </a:xfrm>
+      </p:grpSpPr>
+      <p:sp>
+        <p:nvSpPr>
+          <p:cNvPr id="2" name="Title 1">
+            <a:extLst>
+              <a:ext uri="{FF2B5EF4-FFF2-40B4-BE49-F238E27FC236}">
                 <a16:creationId xmlns:a16="http://schemas.microsoft.com/office/drawing/2014/main" id="{B492B1C8-0764-DA79-1EBA-E5F3C143C9C3}"/>
               </a:ext>
             </a:extLst>
@@ -3856,7 +5352,7 @@
 </p:sld>
 </file>
 
-<file path=ppt/slides/slide3.xml><?xml version="1.0" encoding="utf-8"?>
+<file path=ppt/slides/slide7.xml><?xml version="1.0" encoding="utf-8"?>
 <p:sld xmlns:a="http://schemas.openxmlformats.org/drawingml/2006/main" xmlns:r="http://schemas.openxmlformats.org/officeDocument/2006/relationships" xmlns:p="http://schemas.openxmlformats.org/presentationml/2006/main">
   <p:cSld>
     <p:spTree>
@@ -4019,7 +5515,7 @@
 </p:sld>
 </file>
 
-<file path=ppt/slides/slide4.xml><?xml version="1.0" encoding="utf-8"?>
+<file path=ppt/slides/slide8.xml><?xml version="1.0" encoding="utf-8"?>
 <p:sld xmlns:a="http://schemas.openxmlformats.org/drawingml/2006/main" xmlns:r="http://schemas.openxmlformats.org/officeDocument/2006/relationships" xmlns:p="http://schemas.openxmlformats.org/presentationml/2006/main">
   <p:cSld>
     <p:spTree>
@@ -4182,7 +5678,7 @@
 </p:sld>
 </file>
 
-<file path=ppt/slides/slide5.xml><?xml version="1.0" encoding="utf-8"?>
+<file path=ppt/slides/slide9.xml><?xml version="1.0" encoding="utf-8"?>
 <p:sld xmlns:a="http://schemas.openxmlformats.org/drawingml/2006/main" xmlns:r="http://schemas.openxmlformats.org/officeDocument/2006/relationships" xmlns:p="http://schemas.openxmlformats.org/presentationml/2006/main">
   <p:cSld>
     <p:spTree>
@@ -4336,658 +5832,6 @@
     <p:extLst>
       <p:ext uri="{BB962C8B-B14F-4D97-AF65-F5344CB8AC3E}">
         <p14:creationId xmlns:p14="http://schemas.microsoft.com/office/powerpoint/2010/main" val="3741596890"/>
-      </p:ext>
-    </p:extLst>
-  </p:cSld>
-  <p:clrMapOvr>
-    <a:masterClrMapping/>
-  </p:clrMapOvr>
-</p:sld>
-</file>
-
-<file path=ppt/slides/slide6.xml><?xml version="1.0" encoding="utf-8"?>
-<p:sld xmlns:a="http://schemas.openxmlformats.org/drawingml/2006/main" xmlns:r="http://schemas.openxmlformats.org/officeDocument/2006/relationships" xmlns:p="http://schemas.openxmlformats.org/presentationml/2006/main">
-  <p:cSld>
-    <p:spTree>
-      <p:nvGrpSpPr>
-        <p:cNvPr id="1" name=""/>
-        <p:cNvGrpSpPr/>
-        <p:nvPr/>
-      </p:nvGrpSpPr>
-      <p:grpSpPr>
-        <a:xfrm>
-          <a:off x="0" y="0"/>
-          <a:ext cx="0" cy="0"/>
-          <a:chOff x="0" y="0"/>
-          <a:chExt cx="0" cy="0"/>
-        </a:xfrm>
-      </p:grpSpPr>
-      <p:sp>
-        <p:nvSpPr>
-          <p:cNvPr id="2" name="Title 1">
-            <a:extLst>
-              <a:ext uri="{FF2B5EF4-FFF2-40B4-BE49-F238E27FC236}">
-                <a16:creationId xmlns:a16="http://schemas.microsoft.com/office/drawing/2014/main" id="{B492B1C8-0764-DA79-1EBA-E5F3C143C9C3}"/>
-              </a:ext>
-            </a:extLst>
-          </p:cNvPr>
-          <p:cNvSpPr>
-            <a:spLocks noGrp="1"/>
-          </p:cNvSpPr>
-          <p:nvPr>
-            <p:ph type="title"/>
-          </p:nvPr>
-        </p:nvSpPr>
-        <p:spPr/>
-        <p:txBody>
-          <a:bodyPr/>
-          <a:lstStyle/>
-          <a:p>
-            <a:endParaRPr lang="en-US"/>
-          </a:p>
-        </p:txBody>
-      </p:sp>
-      <p:sp>
-        <p:nvSpPr>
-          <p:cNvPr id="3" name="Text Placeholder 2">
-            <a:extLst>
-              <a:ext uri="{FF2B5EF4-FFF2-40B4-BE49-F238E27FC236}">
-                <a16:creationId xmlns:a16="http://schemas.microsoft.com/office/drawing/2014/main" id="{CC2B7FE6-0EE5-9DC6-FF68-39267F2AA686}"/>
-              </a:ext>
-            </a:extLst>
-          </p:cNvPr>
-          <p:cNvSpPr>
-            <a:spLocks noGrp="1"/>
-          </p:cNvSpPr>
-          <p:nvPr>
-            <p:ph type="body" idx="1"/>
-          </p:nvPr>
-        </p:nvSpPr>
-        <p:spPr/>
-        <p:txBody>
-          <a:bodyPr/>
-          <a:lstStyle/>
-          <a:p>
-            <a:endParaRPr lang="en-US"/>
-          </a:p>
-        </p:txBody>
-      </p:sp>
-      <p:sp>
-        <p:nvSpPr>
-          <p:cNvPr id="5" name="Text Placeholder 4">
-            <a:extLst>
-              <a:ext uri="{FF2B5EF4-FFF2-40B4-BE49-F238E27FC236}">
-                <a16:creationId xmlns:a16="http://schemas.microsoft.com/office/drawing/2014/main" id="{09243543-9934-5955-9327-94346A526408}"/>
-              </a:ext>
-            </a:extLst>
-          </p:cNvPr>
-          <p:cNvSpPr>
-            <a:spLocks noGrp="1"/>
-          </p:cNvSpPr>
-          <p:nvPr>
-            <p:ph type="body" sz="quarter" idx="3"/>
-          </p:nvPr>
-        </p:nvSpPr>
-        <p:spPr/>
-        <p:txBody>
-          <a:bodyPr/>
-          <a:lstStyle/>
-          <a:p>
-            <a:endParaRPr lang="en-US"/>
-          </a:p>
-        </p:txBody>
-      </p:sp>
-      <p:pic>
-        <p:nvPicPr>
-          <p:cNvPr id="10" name="Content Placeholder 9">
-            <a:extLst>
-              <a:ext uri="{FF2B5EF4-FFF2-40B4-BE49-F238E27FC236}">
-                <a16:creationId xmlns:a16="http://schemas.microsoft.com/office/drawing/2014/main" id="{45728895-7085-6F73-9740-C651FFDB0F80}"/>
-              </a:ext>
-            </a:extLst>
-          </p:cNvPr>
-          <p:cNvPicPr>
-            <a:picLocks noGrp="1" noChangeAspect="1"/>
-          </p:cNvPicPr>
-          <p:nvPr>
-            <p:ph sz="quarter" idx="4"/>
-          </p:nvPr>
-        </p:nvPicPr>
-        <p:blipFill>
-          <a:blip r:embed="rId2"/>
-          <a:stretch>
-            <a:fillRect/>
-          </a:stretch>
-        </p:blipFill>
-        <p:spPr>
-          <a:xfrm>
-            <a:off x="6172200" y="2895470"/>
-            <a:ext cx="5183188" cy="2903797"/>
-          </a:xfrm>
-        </p:spPr>
-      </p:pic>
-      <p:pic>
-        <p:nvPicPr>
-          <p:cNvPr id="9" name="Content Placeholder 8">
-            <a:extLst>
-              <a:ext uri="{FF2B5EF4-FFF2-40B4-BE49-F238E27FC236}">
-                <a16:creationId xmlns:a16="http://schemas.microsoft.com/office/drawing/2014/main" id="{F3382251-95FC-15EF-4069-313916060AFB}"/>
-              </a:ext>
-            </a:extLst>
-          </p:cNvPr>
-          <p:cNvPicPr>
-            <a:picLocks noGrp="1" noChangeAspect="1"/>
-          </p:cNvPicPr>
-          <p:nvPr>
-            <p:ph sz="half" idx="2"/>
-          </p:nvPr>
-        </p:nvPicPr>
-        <p:blipFill>
-          <a:blip r:embed="rId3"/>
-          <a:stretch>
-            <a:fillRect/>
-          </a:stretch>
-        </p:blipFill>
-        <p:spPr>
-          <a:xfrm>
-            <a:off x="839788" y="2885996"/>
-            <a:ext cx="5157787" cy="2922745"/>
-          </a:xfrm>
-        </p:spPr>
-      </p:pic>
-    </p:spTree>
-    <p:extLst>
-      <p:ext uri="{BB962C8B-B14F-4D97-AF65-F5344CB8AC3E}">
-        <p14:creationId xmlns:p14="http://schemas.microsoft.com/office/powerpoint/2010/main" val="3225321580"/>
-      </p:ext>
-    </p:extLst>
-  </p:cSld>
-  <p:clrMapOvr>
-    <a:masterClrMapping/>
-  </p:clrMapOvr>
-</p:sld>
-</file>
-
-<file path=ppt/slides/slide7.xml><?xml version="1.0" encoding="utf-8"?>
-<p:sld xmlns:a="http://schemas.openxmlformats.org/drawingml/2006/main" xmlns:r="http://schemas.openxmlformats.org/officeDocument/2006/relationships" xmlns:p="http://schemas.openxmlformats.org/presentationml/2006/main">
-  <p:cSld>
-    <p:spTree>
-      <p:nvGrpSpPr>
-        <p:cNvPr id="1" name=""/>
-        <p:cNvGrpSpPr/>
-        <p:nvPr/>
-      </p:nvGrpSpPr>
-      <p:grpSpPr>
-        <a:xfrm>
-          <a:off x="0" y="0"/>
-          <a:ext cx="0" cy="0"/>
-          <a:chOff x="0" y="0"/>
-          <a:chExt cx="0" cy="0"/>
-        </a:xfrm>
-      </p:grpSpPr>
-      <p:sp>
-        <p:nvSpPr>
-          <p:cNvPr id="2" name="Title 1">
-            <a:extLst>
-              <a:ext uri="{FF2B5EF4-FFF2-40B4-BE49-F238E27FC236}">
-                <a16:creationId xmlns:a16="http://schemas.microsoft.com/office/drawing/2014/main" id="{B492B1C8-0764-DA79-1EBA-E5F3C143C9C3}"/>
-              </a:ext>
-            </a:extLst>
-          </p:cNvPr>
-          <p:cNvSpPr>
-            <a:spLocks noGrp="1"/>
-          </p:cNvSpPr>
-          <p:nvPr>
-            <p:ph type="title"/>
-          </p:nvPr>
-        </p:nvSpPr>
-        <p:spPr/>
-        <p:txBody>
-          <a:bodyPr/>
-          <a:lstStyle/>
-          <a:p>
-            <a:endParaRPr lang="en-US"/>
-          </a:p>
-        </p:txBody>
-      </p:sp>
-      <p:sp>
-        <p:nvSpPr>
-          <p:cNvPr id="3" name="Text Placeholder 2">
-            <a:extLst>
-              <a:ext uri="{FF2B5EF4-FFF2-40B4-BE49-F238E27FC236}">
-                <a16:creationId xmlns:a16="http://schemas.microsoft.com/office/drawing/2014/main" id="{CC2B7FE6-0EE5-9DC6-FF68-39267F2AA686}"/>
-              </a:ext>
-            </a:extLst>
-          </p:cNvPr>
-          <p:cNvSpPr>
-            <a:spLocks noGrp="1"/>
-          </p:cNvSpPr>
-          <p:nvPr>
-            <p:ph type="body" idx="1"/>
-          </p:nvPr>
-        </p:nvSpPr>
-        <p:spPr/>
-        <p:txBody>
-          <a:bodyPr/>
-          <a:lstStyle/>
-          <a:p>
-            <a:endParaRPr lang="en-US"/>
-          </a:p>
-        </p:txBody>
-      </p:sp>
-      <p:sp>
-        <p:nvSpPr>
-          <p:cNvPr id="5" name="Text Placeholder 4">
-            <a:extLst>
-              <a:ext uri="{FF2B5EF4-FFF2-40B4-BE49-F238E27FC236}">
-                <a16:creationId xmlns:a16="http://schemas.microsoft.com/office/drawing/2014/main" id="{09243543-9934-5955-9327-94346A526408}"/>
-              </a:ext>
-            </a:extLst>
-          </p:cNvPr>
-          <p:cNvSpPr>
-            <a:spLocks noGrp="1"/>
-          </p:cNvSpPr>
-          <p:nvPr>
-            <p:ph type="body" sz="quarter" idx="3"/>
-          </p:nvPr>
-        </p:nvSpPr>
-        <p:spPr/>
-        <p:txBody>
-          <a:bodyPr/>
-          <a:lstStyle/>
-          <a:p>
-            <a:endParaRPr lang="en-US"/>
-          </a:p>
-        </p:txBody>
-      </p:sp>
-      <p:pic>
-        <p:nvPicPr>
-          <p:cNvPr id="10" name="Content Placeholder 9">
-            <a:extLst>
-              <a:ext uri="{FF2B5EF4-FFF2-40B4-BE49-F238E27FC236}">
-                <a16:creationId xmlns:a16="http://schemas.microsoft.com/office/drawing/2014/main" id="{45728895-7085-6F73-9740-C651FFDB0F80}"/>
-              </a:ext>
-            </a:extLst>
-          </p:cNvPr>
-          <p:cNvPicPr>
-            <a:picLocks noGrp="1" noChangeAspect="1"/>
-          </p:cNvPicPr>
-          <p:nvPr>
-            <p:ph sz="quarter" idx="4"/>
-          </p:nvPr>
-        </p:nvPicPr>
-        <p:blipFill>
-          <a:blip r:embed="rId2"/>
-          <a:stretch>
-            <a:fillRect/>
-          </a:stretch>
-        </p:blipFill>
-        <p:spPr>
-          <a:xfrm>
-            <a:off x="6172200" y="2895470"/>
-            <a:ext cx="5183188" cy="2903797"/>
-          </a:xfrm>
-        </p:spPr>
-      </p:pic>
-      <p:pic>
-        <p:nvPicPr>
-          <p:cNvPr id="7" name="Content Placeholder 6">
-            <a:extLst>
-              <a:ext uri="{FF2B5EF4-FFF2-40B4-BE49-F238E27FC236}">
-                <a16:creationId xmlns:a16="http://schemas.microsoft.com/office/drawing/2014/main" id="{95926A3D-60A9-66EC-68C5-1330BA1B45EC}"/>
-              </a:ext>
-            </a:extLst>
-          </p:cNvPr>
-          <p:cNvPicPr>
-            <a:picLocks noGrp="1" noChangeAspect="1"/>
-          </p:cNvPicPr>
-          <p:nvPr>
-            <p:ph sz="half" idx="2"/>
-          </p:nvPr>
-        </p:nvPicPr>
-        <p:blipFill>
-          <a:blip r:embed="rId3"/>
-          <a:stretch>
-            <a:fillRect/>
-          </a:stretch>
-        </p:blipFill>
-        <p:spPr>
-          <a:xfrm>
-            <a:off x="839788" y="2889012"/>
-            <a:ext cx="5157787" cy="2916713"/>
-          </a:xfrm>
-        </p:spPr>
-      </p:pic>
-    </p:spTree>
-    <p:extLst>
-      <p:ext uri="{BB962C8B-B14F-4D97-AF65-F5344CB8AC3E}">
-        <p14:creationId xmlns:p14="http://schemas.microsoft.com/office/powerpoint/2010/main" val="815862350"/>
-      </p:ext>
-    </p:extLst>
-  </p:cSld>
-  <p:clrMapOvr>
-    <a:masterClrMapping/>
-  </p:clrMapOvr>
-</p:sld>
-</file>
-
-<file path=ppt/slides/slide8.xml><?xml version="1.0" encoding="utf-8"?>
-<p:sld xmlns:a="http://schemas.openxmlformats.org/drawingml/2006/main" xmlns:r="http://schemas.openxmlformats.org/officeDocument/2006/relationships" xmlns:p="http://schemas.openxmlformats.org/presentationml/2006/main">
-  <p:cSld>
-    <p:spTree>
-      <p:nvGrpSpPr>
-        <p:cNvPr id="1" name=""/>
-        <p:cNvGrpSpPr/>
-        <p:nvPr/>
-      </p:nvGrpSpPr>
-      <p:grpSpPr>
-        <a:xfrm>
-          <a:off x="0" y="0"/>
-          <a:ext cx="0" cy="0"/>
-          <a:chOff x="0" y="0"/>
-          <a:chExt cx="0" cy="0"/>
-        </a:xfrm>
-      </p:grpSpPr>
-      <p:sp>
-        <p:nvSpPr>
-          <p:cNvPr id="2" name="Title 1">
-            <a:extLst>
-              <a:ext uri="{FF2B5EF4-FFF2-40B4-BE49-F238E27FC236}">
-                <a16:creationId xmlns:a16="http://schemas.microsoft.com/office/drawing/2014/main" id="{B492B1C8-0764-DA79-1EBA-E5F3C143C9C3}"/>
-              </a:ext>
-            </a:extLst>
-          </p:cNvPr>
-          <p:cNvSpPr>
-            <a:spLocks noGrp="1"/>
-          </p:cNvSpPr>
-          <p:nvPr>
-            <p:ph type="title"/>
-          </p:nvPr>
-        </p:nvSpPr>
-        <p:spPr/>
-        <p:txBody>
-          <a:bodyPr/>
-          <a:lstStyle/>
-          <a:p>
-            <a:endParaRPr lang="en-US"/>
-          </a:p>
-        </p:txBody>
-      </p:sp>
-      <p:sp>
-        <p:nvSpPr>
-          <p:cNvPr id="3" name="Text Placeholder 2">
-            <a:extLst>
-              <a:ext uri="{FF2B5EF4-FFF2-40B4-BE49-F238E27FC236}">
-                <a16:creationId xmlns:a16="http://schemas.microsoft.com/office/drawing/2014/main" id="{CC2B7FE6-0EE5-9DC6-FF68-39267F2AA686}"/>
-              </a:ext>
-            </a:extLst>
-          </p:cNvPr>
-          <p:cNvSpPr>
-            <a:spLocks noGrp="1"/>
-          </p:cNvSpPr>
-          <p:nvPr>
-            <p:ph type="body" idx="1"/>
-          </p:nvPr>
-        </p:nvSpPr>
-        <p:spPr/>
-        <p:txBody>
-          <a:bodyPr/>
-          <a:lstStyle/>
-          <a:p>
-            <a:endParaRPr lang="en-US"/>
-          </a:p>
-        </p:txBody>
-      </p:sp>
-      <p:sp>
-        <p:nvSpPr>
-          <p:cNvPr id="5" name="Text Placeholder 4">
-            <a:extLst>
-              <a:ext uri="{FF2B5EF4-FFF2-40B4-BE49-F238E27FC236}">
-                <a16:creationId xmlns:a16="http://schemas.microsoft.com/office/drawing/2014/main" id="{09243543-9934-5955-9327-94346A526408}"/>
-              </a:ext>
-            </a:extLst>
-          </p:cNvPr>
-          <p:cNvSpPr>
-            <a:spLocks noGrp="1"/>
-          </p:cNvSpPr>
-          <p:nvPr>
-            <p:ph type="body" sz="quarter" idx="3"/>
-          </p:nvPr>
-        </p:nvSpPr>
-        <p:spPr/>
-        <p:txBody>
-          <a:bodyPr/>
-          <a:lstStyle/>
-          <a:p>
-            <a:endParaRPr lang="en-US"/>
-          </a:p>
-        </p:txBody>
-      </p:sp>
-      <p:pic>
-        <p:nvPicPr>
-          <p:cNvPr id="10" name="Content Placeholder 9">
-            <a:extLst>
-              <a:ext uri="{FF2B5EF4-FFF2-40B4-BE49-F238E27FC236}">
-                <a16:creationId xmlns:a16="http://schemas.microsoft.com/office/drawing/2014/main" id="{45728895-7085-6F73-9740-C651FFDB0F80}"/>
-              </a:ext>
-            </a:extLst>
-          </p:cNvPr>
-          <p:cNvPicPr>
-            <a:picLocks noGrp="1" noChangeAspect="1"/>
-          </p:cNvPicPr>
-          <p:nvPr>
-            <p:ph sz="quarter" idx="4"/>
-          </p:nvPr>
-        </p:nvPicPr>
-        <p:blipFill>
-          <a:blip r:embed="rId2"/>
-          <a:stretch>
-            <a:fillRect/>
-          </a:stretch>
-        </p:blipFill>
-        <p:spPr>
-          <a:xfrm>
-            <a:off x="6172200" y="2895470"/>
-            <a:ext cx="5183188" cy="2903797"/>
-          </a:xfrm>
-        </p:spPr>
-      </p:pic>
-      <p:pic>
-        <p:nvPicPr>
-          <p:cNvPr id="7" name="Content Placeholder 6">
-            <a:extLst>
-              <a:ext uri="{FF2B5EF4-FFF2-40B4-BE49-F238E27FC236}">
-                <a16:creationId xmlns:a16="http://schemas.microsoft.com/office/drawing/2014/main" id="{0FE01603-670F-23CA-ADB4-3312CEDD5EBF}"/>
-              </a:ext>
-            </a:extLst>
-          </p:cNvPr>
-          <p:cNvPicPr>
-            <a:picLocks noGrp="1" noChangeAspect="1"/>
-          </p:cNvPicPr>
-          <p:nvPr>
-            <p:ph sz="half" idx="2"/>
-          </p:nvPr>
-        </p:nvPicPr>
-        <p:blipFill>
-          <a:blip r:embed="rId3"/>
-          <a:stretch>
-            <a:fillRect/>
-          </a:stretch>
-        </p:blipFill>
-        <p:spPr>
-          <a:xfrm>
-            <a:off x="839788" y="2889864"/>
-            <a:ext cx="5157787" cy="2915009"/>
-          </a:xfrm>
-        </p:spPr>
-      </p:pic>
-    </p:spTree>
-    <p:extLst>
-      <p:ext uri="{BB962C8B-B14F-4D97-AF65-F5344CB8AC3E}">
-        <p14:creationId xmlns:p14="http://schemas.microsoft.com/office/powerpoint/2010/main" val="1657729727"/>
-      </p:ext>
-    </p:extLst>
-  </p:cSld>
-  <p:clrMapOvr>
-    <a:masterClrMapping/>
-  </p:clrMapOvr>
-</p:sld>
-</file>
-
-<file path=ppt/slides/slide9.xml><?xml version="1.0" encoding="utf-8"?>
-<p:sld xmlns:a="http://schemas.openxmlformats.org/drawingml/2006/main" xmlns:r="http://schemas.openxmlformats.org/officeDocument/2006/relationships" xmlns:p="http://schemas.openxmlformats.org/presentationml/2006/main">
-  <p:cSld>
-    <p:spTree>
-      <p:nvGrpSpPr>
-        <p:cNvPr id="1" name=""/>
-        <p:cNvGrpSpPr/>
-        <p:nvPr/>
-      </p:nvGrpSpPr>
-      <p:grpSpPr>
-        <a:xfrm>
-          <a:off x="0" y="0"/>
-          <a:ext cx="0" cy="0"/>
-          <a:chOff x="0" y="0"/>
-          <a:chExt cx="0" cy="0"/>
-        </a:xfrm>
-      </p:grpSpPr>
-      <p:sp>
-        <p:nvSpPr>
-          <p:cNvPr id="2" name="Title 1">
-            <a:extLst>
-              <a:ext uri="{FF2B5EF4-FFF2-40B4-BE49-F238E27FC236}">
-                <a16:creationId xmlns:a16="http://schemas.microsoft.com/office/drawing/2014/main" id="{B492B1C8-0764-DA79-1EBA-E5F3C143C9C3}"/>
-              </a:ext>
-            </a:extLst>
-          </p:cNvPr>
-          <p:cNvSpPr>
-            <a:spLocks noGrp="1"/>
-          </p:cNvSpPr>
-          <p:nvPr>
-            <p:ph type="title"/>
-          </p:nvPr>
-        </p:nvSpPr>
-        <p:spPr/>
-        <p:txBody>
-          <a:bodyPr/>
-          <a:lstStyle/>
-          <a:p>
-            <a:endParaRPr lang="en-US"/>
-          </a:p>
-        </p:txBody>
-      </p:sp>
-      <p:sp>
-        <p:nvSpPr>
-          <p:cNvPr id="3" name="Text Placeholder 2">
-            <a:extLst>
-              <a:ext uri="{FF2B5EF4-FFF2-40B4-BE49-F238E27FC236}">
-                <a16:creationId xmlns:a16="http://schemas.microsoft.com/office/drawing/2014/main" id="{CC2B7FE6-0EE5-9DC6-FF68-39267F2AA686}"/>
-              </a:ext>
-            </a:extLst>
-          </p:cNvPr>
-          <p:cNvSpPr>
-            <a:spLocks noGrp="1"/>
-          </p:cNvSpPr>
-          <p:nvPr>
-            <p:ph type="body" idx="1"/>
-          </p:nvPr>
-        </p:nvSpPr>
-        <p:spPr/>
-        <p:txBody>
-          <a:bodyPr/>
-          <a:lstStyle/>
-          <a:p>
-            <a:endParaRPr lang="en-US"/>
-          </a:p>
-        </p:txBody>
-      </p:sp>
-      <p:sp>
-        <p:nvSpPr>
-          <p:cNvPr id="5" name="Text Placeholder 4">
-            <a:extLst>
-              <a:ext uri="{FF2B5EF4-FFF2-40B4-BE49-F238E27FC236}">
-                <a16:creationId xmlns:a16="http://schemas.microsoft.com/office/drawing/2014/main" id="{09243543-9934-5955-9327-94346A526408}"/>
-              </a:ext>
-            </a:extLst>
-          </p:cNvPr>
-          <p:cNvSpPr>
-            <a:spLocks noGrp="1"/>
-          </p:cNvSpPr>
-          <p:nvPr>
-            <p:ph type="body" sz="quarter" idx="3"/>
-          </p:nvPr>
-        </p:nvSpPr>
-        <p:spPr/>
-        <p:txBody>
-          <a:bodyPr/>
-          <a:lstStyle/>
-          <a:p>
-            <a:endParaRPr lang="en-US"/>
-          </a:p>
-        </p:txBody>
-      </p:sp>
-      <p:pic>
-        <p:nvPicPr>
-          <p:cNvPr id="10" name="Content Placeholder 9">
-            <a:extLst>
-              <a:ext uri="{FF2B5EF4-FFF2-40B4-BE49-F238E27FC236}">
-                <a16:creationId xmlns:a16="http://schemas.microsoft.com/office/drawing/2014/main" id="{45728895-7085-6F73-9740-C651FFDB0F80}"/>
-              </a:ext>
-            </a:extLst>
-          </p:cNvPr>
-          <p:cNvPicPr>
-            <a:picLocks noGrp="1" noChangeAspect="1"/>
-          </p:cNvPicPr>
-          <p:nvPr>
-            <p:ph sz="quarter" idx="4"/>
-          </p:nvPr>
-        </p:nvPicPr>
-        <p:blipFill>
-          <a:blip r:embed="rId2"/>
-          <a:stretch>
-            <a:fillRect/>
-          </a:stretch>
-        </p:blipFill>
-        <p:spPr>
-          <a:xfrm>
-            <a:off x="6172200" y="2895470"/>
-            <a:ext cx="5183188" cy="2903797"/>
-          </a:xfrm>
-        </p:spPr>
-      </p:pic>
-      <p:pic>
-        <p:nvPicPr>
-          <p:cNvPr id="7" name="Content Placeholder 6">
-            <a:extLst>
-              <a:ext uri="{FF2B5EF4-FFF2-40B4-BE49-F238E27FC236}">
-                <a16:creationId xmlns:a16="http://schemas.microsoft.com/office/drawing/2014/main" id="{20AFB9B5-00C1-E4F8-4427-DC41C167333C}"/>
-              </a:ext>
-            </a:extLst>
-          </p:cNvPr>
-          <p:cNvPicPr>
-            <a:picLocks noGrp="1" noChangeAspect="1"/>
-          </p:cNvPicPr>
-          <p:nvPr>
-            <p:ph sz="half" idx="2"/>
-          </p:nvPr>
-        </p:nvPicPr>
-        <p:blipFill>
-          <a:blip r:embed="rId3"/>
-          <a:stretch>
-            <a:fillRect/>
-          </a:stretch>
-        </p:blipFill>
-        <p:spPr>
-          <a:xfrm>
-            <a:off x="839788" y="2887050"/>
-            <a:ext cx="5157787" cy="2920638"/>
-          </a:xfrm>
-        </p:spPr>
-      </p:pic>
-    </p:spTree>
-    <p:extLst>
-      <p:ext uri="{BB962C8B-B14F-4D97-AF65-F5344CB8AC3E}">
-        <p14:creationId xmlns:p14="http://schemas.microsoft.com/office/powerpoint/2010/main" val="1044104072"/>
       </p:ext>
     </p:extLst>
   </p:cSld>

--- a/Working files/Group Project.pptx
+++ b/Working files/Group Project.pptx
@@ -130,8 +130,8 @@
 <pc:chgInfo xmlns:a="http://schemas.openxmlformats.org/drawingml/2006/main" xmlns:r="http://schemas.openxmlformats.org/officeDocument/2006/relationships" xmlns:ac="http://schemas.microsoft.com/office/drawing/2013/main/command" xmlns:pc="http://schemas.microsoft.com/office/powerpoint/2013/main/command">
   <pc:docChgLst>
     <pc:chgData name="Corey Holton" userId="dfccdeabb580c92e" providerId="LiveId" clId="{EBC5146E-18C7-45C9-82A7-CCF297C2A46B}"/>
-    <pc:docChg chg="custSel addSld delSld modSld sldOrd">
-      <pc:chgData name="Corey Holton" userId="dfccdeabb580c92e" providerId="LiveId" clId="{EBC5146E-18C7-45C9-82A7-CCF297C2A46B}" dt="2024-08-31T02:30:34.880" v="162" actId="113"/>
+    <pc:docChg chg="undo custSel addSld delSld modSld sldOrd">
+      <pc:chgData name="Corey Holton" userId="dfccdeabb580c92e" providerId="LiveId" clId="{EBC5146E-18C7-45C9-82A7-CCF297C2A46B}" dt="2024-08-31T02:51:42.985" v="269" actId="27636"/>
       <pc:docMkLst>
         <pc:docMk/>
       </pc:docMkLst>
@@ -204,7 +204,7 @@
         </pc:spChg>
       </pc:sldChg>
       <pc:sldChg chg="modSp new mod">
-        <pc:chgData name="Corey Holton" userId="dfccdeabb580c92e" providerId="LiveId" clId="{EBC5146E-18C7-45C9-82A7-CCF297C2A46B}" dt="2024-08-31T02:29:48.746" v="159" actId="2711"/>
+        <pc:chgData name="Corey Holton" userId="dfccdeabb580c92e" providerId="LiveId" clId="{EBC5146E-18C7-45C9-82A7-CCF297C2A46B}" dt="2024-08-31T02:51:42.985" v="269" actId="27636"/>
         <pc:sldMkLst>
           <pc:docMk/>
           <pc:sldMk cId="2891163924" sldId="268"/>
@@ -218,7 +218,7 @@
           </ac:spMkLst>
         </pc:spChg>
         <pc:spChg chg="mod">
-          <ac:chgData name="Corey Holton" userId="dfccdeabb580c92e" providerId="LiveId" clId="{EBC5146E-18C7-45C9-82A7-CCF297C2A46B}" dt="2024-08-31T02:29:48.746" v="159" actId="2711"/>
+          <ac:chgData name="Corey Holton" userId="dfccdeabb580c92e" providerId="LiveId" clId="{EBC5146E-18C7-45C9-82A7-CCF297C2A46B}" dt="2024-08-31T02:51:42.985" v="269" actId="27636"/>
           <ac:spMkLst>
             <pc:docMk/>
             <pc:sldMk cId="2891163924" sldId="268"/>
@@ -227,7 +227,7 @@
         </pc:spChg>
       </pc:sldChg>
       <pc:sldChg chg="modSp new mod">
-        <pc:chgData name="Corey Holton" userId="dfccdeabb580c92e" providerId="LiveId" clId="{EBC5146E-18C7-45C9-82A7-CCF297C2A46B}" dt="2024-08-31T02:28:53.254" v="149" actId="255"/>
+        <pc:chgData name="Corey Holton" userId="dfccdeabb580c92e" providerId="LiveId" clId="{EBC5146E-18C7-45C9-82A7-CCF297C2A46B}" dt="2024-08-31T02:42:13.354" v="167"/>
         <pc:sldMkLst>
           <pc:docMk/>
           <pc:sldMk cId="3327765573" sldId="269"/>
@@ -241,7 +241,7 @@
           </ac:spMkLst>
         </pc:spChg>
         <pc:spChg chg="mod">
-          <ac:chgData name="Corey Holton" userId="dfccdeabb580c92e" providerId="LiveId" clId="{EBC5146E-18C7-45C9-82A7-CCF297C2A46B}" dt="2024-08-31T02:28:53.254" v="149" actId="255"/>
+          <ac:chgData name="Corey Holton" userId="dfccdeabb580c92e" providerId="LiveId" clId="{EBC5146E-18C7-45C9-82A7-CCF297C2A46B}" dt="2024-08-31T02:42:13.354" v="167"/>
           <ac:spMkLst>
             <pc:docMk/>
             <pc:sldMk cId="3327765573" sldId="269"/>
@@ -4630,13 +4630,61 @@
             <p:ph idx="1"/>
           </p:nvPr>
         </p:nvSpPr>
-        <p:spPr/>
-        <p:txBody>
-          <a:bodyPr/>
-          <a:lstStyle/>
-          <a:p>
-            <a:r>
-              <a:rPr lang="en-US" b="0" i="0" dirty="0">
+        <p:spPr>
+          <a:xfrm>
+            <a:off x="838200" y="1180769"/>
+            <a:ext cx="10515600" cy="4996194"/>
+          </a:xfrm>
+        </p:spPr>
+        <p:txBody>
+          <a:bodyPr>
+            <a:normAutofit fontScale="92500" lnSpcReduction="10000"/>
+          </a:bodyPr>
+          <a:lstStyle/>
+          <a:p>
+            <a:pPr marL="514350" indent="-514350" algn="l">
+              <a:buAutoNum type="arabicPeriod"/>
+            </a:pPr>
+            <a:r>
+              <a:rPr lang="en-US" b="1" i="0" u="sng" dirty="0">
+                <a:solidFill>
+                  <a:srgbClr val="1D1C1D"/>
+                </a:solidFill>
+                <a:effectLst/>
+                <a:latin typeface="Roboto" panose="02000000000000000000" pitchFamily="2" charset="0"/>
+                <a:ea typeface="Roboto" panose="02000000000000000000" pitchFamily="2" charset="0"/>
+                <a:cs typeface="Roboto" panose="02000000000000000000" pitchFamily="2" charset="0"/>
+              </a:rPr>
+              <a:t>Introduction</a:t>
+            </a:r>
+          </a:p>
+          <a:p>
+            <a:r>
+              <a:rPr lang="en-US" sz="2300" b="1" i="0" dirty="0">
+                <a:solidFill>
+                  <a:srgbClr val="1D1C1D"/>
+                </a:solidFill>
+                <a:effectLst/>
+                <a:latin typeface="Roboto" panose="02000000000000000000" pitchFamily="2" charset="0"/>
+                <a:ea typeface="Roboto" panose="02000000000000000000" pitchFamily="2" charset="0"/>
+                <a:cs typeface="Roboto" panose="02000000000000000000" pitchFamily="2" charset="0"/>
+              </a:rPr>
+              <a:t>Background</a:t>
+            </a:r>
+            <a:r>
+              <a:rPr lang="en-US" sz="2300" b="0" i="0" dirty="0">
+                <a:solidFill>
+                  <a:srgbClr val="1D1C1D"/>
+                </a:solidFill>
+                <a:effectLst/>
+                <a:latin typeface="Roboto" panose="02000000000000000000" pitchFamily="2" charset="0"/>
+                <a:ea typeface="Roboto" panose="02000000000000000000" pitchFamily="2" charset="0"/>
+                <a:cs typeface="Roboto" panose="02000000000000000000" pitchFamily="2" charset="0"/>
+              </a:rPr>
+              <a:t>: </a:t>
+            </a:r>
+            <a:r>
+              <a:rPr lang="en-US" sz="2300" b="0" i="0" dirty="0">
                 <a:solidFill>
                   <a:srgbClr val="1F2328"/>
                 </a:solidFill>
@@ -4645,8 +4693,189 @@
                 <a:ea typeface="Roboto" panose="02000000000000000000" pitchFamily="2" charset="0"/>
                 <a:cs typeface="Roboto" panose="02000000000000000000" pitchFamily="2" charset="0"/>
               </a:rPr>
-              <a:t>This project analyzes global agricultural production relative to population data over time. It uses Python to process data on agricultural production by category, region, and country, as well as global and continental population data. The goal is to visualize trends and relationships between food production and population growth.</a:t>
-            </a:r>
+              <a:t>This project analyzes global agricultural production relative to population data over time</a:t>
+            </a:r>
+            <a:r>
+              <a:rPr lang="en-US" sz="2300" b="0" i="0" dirty="0">
+                <a:solidFill>
+                  <a:srgbClr val="1D1C1D"/>
+                </a:solidFill>
+                <a:effectLst/>
+                <a:latin typeface="Roboto" panose="02000000000000000000" pitchFamily="2" charset="0"/>
+                <a:ea typeface="Roboto" panose="02000000000000000000" pitchFamily="2" charset="0"/>
+                <a:cs typeface="Roboto" panose="02000000000000000000" pitchFamily="2" charset="0"/>
+              </a:rPr>
+              <a:t>.</a:t>
+            </a:r>
+            <a:r>
+              <a:rPr lang="en-US" sz="2300" b="0" i="0" dirty="0">
+                <a:solidFill>
+                  <a:srgbClr val="1F2328"/>
+                </a:solidFill>
+                <a:effectLst/>
+                <a:latin typeface="Roboto" panose="02000000000000000000" pitchFamily="2" charset="0"/>
+                <a:ea typeface="Roboto" panose="02000000000000000000" pitchFamily="2" charset="0"/>
+                <a:cs typeface="Roboto" panose="02000000000000000000" pitchFamily="2" charset="0"/>
+              </a:rPr>
+              <a:t> It uses Python to process data on agricultural production by category, and country, as well as global and continental population data. The goal is to visualize trends and relationships between food production and population growth.</a:t>
+            </a:r>
+          </a:p>
+          <a:p>
+            <a:r>
+              <a:rPr lang="en-US" sz="2300" b="1" i="0" dirty="0">
+                <a:solidFill>
+                  <a:srgbClr val="1D1C1D"/>
+                </a:solidFill>
+                <a:effectLst/>
+                <a:latin typeface="Roboto" panose="02000000000000000000" pitchFamily="2" charset="0"/>
+                <a:ea typeface="Roboto" panose="02000000000000000000" pitchFamily="2" charset="0"/>
+                <a:cs typeface="Roboto" panose="02000000000000000000" pitchFamily="2" charset="0"/>
+              </a:rPr>
+              <a:t>Purpose</a:t>
+            </a:r>
+            <a:r>
+              <a:rPr lang="en-US" sz="2300" b="0" i="0" dirty="0">
+                <a:solidFill>
+                  <a:srgbClr val="1D1C1D"/>
+                </a:solidFill>
+                <a:effectLst/>
+                <a:latin typeface="Roboto" panose="02000000000000000000" pitchFamily="2" charset="0"/>
+                <a:ea typeface="Roboto" panose="02000000000000000000" pitchFamily="2" charset="0"/>
+                <a:cs typeface="Roboto" panose="02000000000000000000" pitchFamily="2" charset="0"/>
+              </a:rPr>
+              <a:t>: Explain the significance of understanding the relationship between agricultural production and population.</a:t>
+            </a:r>
+          </a:p>
+          <a:p>
+            <a:r>
+              <a:rPr lang="en-US" sz="2300" b="1" i="0" dirty="0">
+                <a:solidFill>
+                  <a:srgbClr val="1D1C1D"/>
+                </a:solidFill>
+                <a:effectLst/>
+                <a:latin typeface="Roboto" panose="02000000000000000000" pitchFamily="2" charset="0"/>
+                <a:ea typeface="Roboto" panose="02000000000000000000" pitchFamily="2" charset="0"/>
+                <a:cs typeface="Roboto" panose="02000000000000000000" pitchFamily="2" charset="0"/>
+              </a:rPr>
+              <a:t>Objective</a:t>
+            </a:r>
+            <a:r>
+              <a:rPr lang="en-US" sz="2300" b="0" i="0" dirty="0">
+                <a:solidFill>
+                  <a:srgbClr val="1D1C1D"/>
+                </a:solidFill>
+                <a:effectLst/>
+                <a:latin typeface="Roboto" panose="02000000000000000000" pitchFamily="2" charset="0"/>
+                <a:ea typeface="Roboto" panose="02000000000000000000" pitchFamily="2" charset="0"/>
+                <a:cs typeface="Roboto" panose="02000000000000000000" pitchFamily="2" charset="0"/>
+              </a:rPr>
+              <a:t>: State the main goal of the project: to analyze how global agricultural production has changed relative to population over time, focusing on key agricultural products.</a:t>
+            </a:r>
+          </a:p>
+          <a:p>
+            <a:pPr marL="0" indent="0" algn="l">
+              <a:buNone/>
+            </a:pPr>
+            <a:r>
+              <a:rPr lang="en-US" b="1" i="0" dirty="0">
+                <a:solidFill>
+                  <a:srgbClr val="1D1C1D"/>
+                </a:solidFill>
+                <a:effectLst/>
+                <a:latin typeface="Roboto" panose="02000000000000000000" pitchFamily="2" charset="0"/>
+                <a:ea typeface="Roboto" panose="02000000000000000000" pitchFamily="2" charset="0"/>
+                <a:cs typeface="Roboto" panose="02000000000000000000" pitchFamily="2" charset="0"/>
+              </a:rPr>
+              <a:t>2. </a:t>
+            </a:r>
+            <a:r>
+              <a:rPr lang="en-US" b="1" i="0" u="sng" dirty="0">
+                <a:solidFill>
+                  <a:srgbClr val="1D1C1D"/>
+                </a:solidFill>
+                <a:effectLst/>
+                <a:latin typeface="Roboto" panose="02000000000000000000" pitchFamily="2" charset="0"/>
+                <a:ea typeface="Roboto" panose="02000000000000000000" pitchFamily="2" charset="0"/>
+                <a:cs typeface="Roboto" panose="02000000000000000000" pitchFamily="2" charset="0"/>
+              </a:rPr>
+              <a:t>Research Questions</a:t>
+            </a:r>
+          </a:p>
+          <a:p>
+            <a:r>
+              <a:rPr lang="en-US" sz="2300" b="1" i="0" dirty="0">
+                <a:solidFill>
+                  <a:srgbClr val="1D1C1D"/>
+                </a:solidFill>
+                <a:effectLst/>
+                <a:latin typeface="Roboto" panose="02000000000000000000" pitchFamily="2" charset="0"/>
+                <a:ea typeface="Roboto" panose="02000000000000000000" pitchFamily="2" charset="0"/>
+                <a:cs typeface="Roboto" panose="02000000000000000000" pitchFamily="2" charset="0"/>
+              </a:rPr>
+              <a:t>Key Questions</a:t>
+            </a:r>
+            <a:r>
+              <a:rPr lang="en-US" sz="2300" b="0" i="0" dirty="0">
+                <a:solidFill>
+                  <a:srgbClr val="1D1C1D"/>
+                </a:solidFill>
+                <a:effectLst/>
+                <a:latin typeface="Roboto" panose="02000000000000000000" pitchFamily="2" charset="0"/>
+                <a:ea typeface="Roboto" panose="02000000000000000000" pitchFamily="2" charset="0"/>
+                <a:cs typeface="Roboto" panose="02000000000000000000" pitchFamily="2" charset="0"/>
+              </a:rPr>
+              <a:t>:</a:t>
+            </a:r>
+          </a:p>
+          <a:p>
+            <a:pPr lvl="1"/>
+            <a:r>
+              <a:rPr lang="en-US" sz="1500" b="0" i="0" dirty="0">
+                <a:solidFill>
+                  <a:srgbClr val="1D1C1D"/>
+                </a:solidFill>
+                <a:effectLst/>
+                <a:latin typeface="Roboto" panose="02000000000000000000" pitchFamily="2" charset="0"/>
+                <a:ea typeface="Roboto" panose="02000000000000000000" pitchFamily="2" charset="0"/>
+                <a:cs typeface="Roboto" panose="02000000000000000000" pitchFamily="2" charset="0"/>
+              </a:rPr>
+              <a:t>How has the production of major agricultural products (e.g., meat, vegetables, grains) evolved over time?</a:t>
+            </a:r>
+          </a:p>
+          <a:p>
+            <a:pPr lvl="1"/>
+            <a:r>
+              <a:rPr lang="en-US" sz="1500" b="0" i="0" dirty="0">
+                <a:solidFill>
+                  <a:srgbClr val="1D1C1D"/>
+                </a:solidFill>
+                <a:effectLst/>
+                <a:latin typeface="Roboto" panose="02000000000000000000" pitchFamily="2" charset="0"/>
+                <a:ea typeface="Roboto" panose="02000000000000000000" pitchFamily="2" charset="0"/>
+                <a:cs typeface="Roboto" panose="02000000000000000000" pitchFamily="2" charset="0"/>
+              </a:rPr>
+              <a:t>How does agricultural production vary across different countries and continents?</a:t>
+            </a:r>
+          </a:p>
+          <a:p>
+            <a:pPr lvl="1"/>
+            <a:r>
+              <a:rPr lang="en-US" sz="1500" b="0" i="0" dirty="0">
+                <a:solidFill>
+                  <a:srgbClr val="1D1C1D"/>
+                </a:solidFill>
+                <a:effectLst/>
+                <a:latin typeface="Roboto" panose="02000000000000000000" pitchFamily="2" charset="0"/>
+                <a:ea typeface="Roboto" panose="02000000000000000000" pitchFamily="2" charset="0"/>
+                <a:cs typeface="Roboto" panose="02000000000000000000" pitchFamily="2" charset="0"/>
+              </a:rPr>
+              <a:t>What trends can be observed in the relationship between agricultural production and population growth?</a:t>
+            </a:r>
+          </a:p>
+          <a:p>
+            <a:pPr marL="0" indent="0">
+              <a:buNone/>
+            </a:pPr>
             <a:endParaRPr lang="en-US" dirty="0">
               <a:latin typeface="Roboto" panose="02000000000000000000" pitchFamily="2" charset="0"/>
               <a:ea typeface="Roboto" panose="02000000000000000000" pitchFamily="2" charset="0"/>
@@ -4808,6 +5037,31 @@
               </a:rPr>
               <a:t>Each question response is supported with a well-discerned statistical analysis from lessons, such as aggregation, correlation, comparison, summary statistics, sentiment analysis, and time series analysis (5 points).</a:t>
             </a:r>
+          </a:p>
+          <a:p>
+            <a:pPr algn="l">
+              <a:buFont typeface="Arial" panose="020B0604020202020204" pitchFamily="34" charset="0"/>
+              <a:buChar char="•"/>
+            </a:pPr>
+            <a:endParaRPr lang="en-US" sz="1400" dirty="0">
+              <a:solidFill>
+                <a:srgbClr val="2B2B2B"/>
+              </a:solidFill>
+              <a:latin typeface="Roboto" panose="02000000000000000000" pitchFamily="2" charset="0"/>
+            </a:endParaRPr>
+          </a:p>
+          <a:p>
+            <a:pPr algn="l">
+              <a:buFont typeface="Arial" panose="020B0604020202020204" pitchFamily="34" charset="0"/>
+              <a:buChar char="•"/>
+            </a:pPr>
+            <a:endParaRPr lang="en-US" sz="1400" b="0" i="0" dirty="0">
+              <a:solidFill>
+                <a:srgbClr val="2B2B2B"/>
+              </a:solidFill>
+              <a:effectLst/>
+              <a:latin typeface="Roboto" panose="02000000000000000000" pitchFamily="2" charset="0"/>
+            </a:endParaRPr>
           </a:p>
           <a:p>
             <a:endParaRPr lang="en-US" sz="1400" dirty="0"/>

--- a/Working files/Group Project.pptx
+++ b/Working files/Group Project.pptx
@@ -19,7 +19,10 @@
     <p:sldId id="263" r:id="rId13"/>
     <p:sldId id="265" r:id="rId14"/>
     <p:sldId id="264" r:id="rId15"/>
-    <p:sldId id="267" r:id="rId16"/>
+    <p:sldId id="272" r:id="rId16"/>
+    <p:sldId id="274" r:id="rId17"/>
+    <p:sldId id="273" r:id="rId18"/>
+    <p:sldId id="267" r:id="rId19"/>
   </p:sldIdLst>
   <p:sldSz cx="12192000" cy="6858000"/>
   <p:notesSz cx="6858000" cy="9144000"/>
@@ -126,12 +129,20 @@
 </p:presentation>
 </file>
 
+<file path=ppt/revisionInfo.xml><?xml version="1.0" encoding="utf-8"?>
+<p1510:revInfo xmlns:a="http://schemas.openxmlformats.org/drawingml/2006/main" xmlns:r="http://schemas.openxmlformats.org/officeDocument/2006/relationships" xmlns:p1510="http://schemas.microsoft.com/office/powerpoint/2015/10/main">
+  <p1510:revLst>
+    <p1510:client id="{EBC5146E-18C7-45C9-82A7-CCF297C2A46B}" v="1" dt="2024-08-31T16:15:22.215"/>
+  </p1510:revLst>
+</p1510:revInfo>
+</file>
+
 <file path=ppt/changesInfos/changesInfo1.xml><?xml version="1.0" encoding="utf-8"?>
 <pc:chgInfo xmlns:a="http://schemas.openxmlformats.org/drawingml/2006/main" xmlns:r="http://schemas.openxmlformats.org/officeDocument/2006/relationships" xmlns:ac="http://schemas.microsoft.com/office/drawing/2013/main/command" xmlns:pc="http://schemas.microsoft.com/office/powerpoint/2013/main/command">
   <pc:docChgLst>
     <pc:chgData name="Corey Holton" userId="dfccdeabb580c92e" providerId="LiveId" clId="{EBC5146E-18C7-45C9-82A7-CCF297C2A46B}"/>
     <pc:docChg chg="undo custSel addSld delSld modSld sldOrd">
-      <pc:chgData name="Corey Holton" userId="dfccdeabb580c92e" providerId="LiveId" clId="{EBC5146E-18C7-45C9-82A7-CCF297C2A46B}" dt="2024-08-31T02:51:42.985" v="269" actId="27636"/>
+      <pc:chgData name="Corey Holton" userId="dfccdeabb580c92e" providerId="LiveId" clId="{EBC5146E-18C7-45C9-82A7-CCF297C2A46B}" dt="2024-08-31T16:36:22.935" v="360" actId="20577"/>
       <pc:docMkLst>
         <pc:docMk/>
       </pc:docMkLst>
@@ -204,7 +215,7 @@
         </pc:spChg>
       </pc:sldChg>
       <pc:sldChg chg="modSp new mod">
-        <pc:chgData name="Corey Holton" userId="dfccdeabb580c92e" providerId="LiveId" clId="{EBC5146E-18C7-45C9-82A7-CCF297C2A46B}" dt="2024-08-31T02:51:42.985" v="269" actId="27636"/>
+        <pc:chgData name="Corey Holton" userId="dfccdeabb580c92e" providerId="LiveId" clId="{EBC5146E-18C7-45C9-82A7-CCF297C2A46B}" dt="2024-08-31T16:11:11.870" v="274" actId="20577"/>
         <pc:sldMkLst>
           <pc:docMk/>
           <pc:sldMk cId="2891163924" sldId="268"/>
@@ -218,7 +229,7 @@
           </ac:spMkLst>
         </pc:spChg>
         <pc:spChg chg="mod">
-          <ac:chgData name="Corey Holton" userId="dfccdeabb580c92e" providerId="LiveId" clId="{EBC5146E-18C7-45C9-82A7-CCF297C2A46B}" dt="2024-08-31T02:51:42.985" v="269" actId="27636"/>
+          <ac:chgData name="Corey Holton" userId="dfccdeabb580c92e" providerId="LiveId" clId="{EBC5146E-18C7-45C9-82A7-CCF297C2A46B}" dt="2024-08-31T16:11:11.870" v="274" actId="20577"/>
           <ac:spMkLst>
             <pc:docMk/>
             <pc:sldMk cId="2891163924" sldId="268"/>
@@ -295,6 +306,178 @@
           </ac:spMkLst>
         </pc:spChg>
       </pc:sldChg>
+      <pc:sldChg chg="addSp delSp modSp new mod">
+        <pc:chgData name="Corey Holton" userId="dfccdeabb580c92e" providerId="LiveId" clId="{EBC5146E-18C7-45C9-82A7-CCF297C2A46B}" dt="2024-08-31T16:35:34.780" v="314" actId="20577"/>
+        <pc:sldMkLst>
+          <pc:docMk/>
+          <pc:sldMk cId="4047782543" sldId="272"/>
+        </pc:sldMkLst>
+        <pc:spChg chg="mod">
+          <ac:chgData name="Corey Holton" userId="dfccdeabb580c92e" providerId="LiveId" clId="{EBC5146E-18C7-45C9-82A7-CCF297C2A46B}" dt="2024-08-31T16:35:34.780" v="314" actId="20577"/>
+          <ac:spMkLst>
+            <pc:docMk/>
+            <pc:sldMk cId="4047782543" sldId="272"/>
+            <ac:spMk id="3" creationId="{03D7DEC2-E695-5D72-227F-B6B5E9512562}"/>
+          </ac:spMkLst>
+        </pc:spChg>
+        <pc:spChg chg="del">
+          <ac:chgData name="Corey Holton" userId="dfccdeabb580c92e" providerId="LiveId" clId="{EBC5146E-18C7-45C9-82A7-CCF297C2A46B}" dt="2024-08-31T16:16:36.078" v="279" actId="22"/>
+          <ac:spMkLst>
+            <pc:docMk/>
+            <pc:sldMk cId="4047782543" sldId="272"/>
+            <ac:spMk id="4" creationId="{F2712961-79AD-9545-80AD-8DB6EB615337}"/>
+          </ac:spMkLst>
+        </pc:spChg>
+        <pc:spChg chg="mod">
+          <ac:chgData name="Corey Holton" userId="dfccdeabb580c92e" providerId="LiveId" clId="{EBC5146E-18C7-45C9-82A7-CCF297C2A46B}" dt="2024-08-31T16:35:29.529" v="302" actId="20577"/>
+          <ac:spMkLst>
+            <pc:docMk/>
+            <pc:sldMk cId="4047782543" sldId="272"/>
+            <ac:spMk id="5" creationId="{E8177384-4D7E-2BE8-4471-F7D5D50B8D2B}"/>
+          </ac:spMkLst>
+        </pc:spChg>
+        <pc:spChg chg="del">
+          <ac:chgData name="Corey Holton" userId="dfccdeabb580c92e" providerId="LiveId" clId="{EBC5146E-18C7-45C9-82A7-CCF297C2A46B}" dt="2024-08-31T16:17:25.126" v="280" actId="22"/>
+          <ac:spMkLst>
+            <pc:docMk/>
+            <pc:sldMk cId="4047782543" sldId="272"/>
+            <ac:spMk id="6" creationId="{17AAF077-4FF8-DFAB-1300-DC4713301853}"/>
+          </ac:spMkLst>
+        </pc:spChg>
+        <pc:spChg chg="add del mod">
+          <ac:chgData name="Corey Holton" userId="dfccdeabb580c92e" providerId="LiveId" clId="{EBC5146E-18C7-45C9-82A7-CCF297C2A46B}" dt="2024-08-31T16:21:23.314" v="299" actId="22"/>
+          <ac:spMkLst>
+            <pc:docMk/>
+            <pc:sldMk cId="4047782543" sldId="272"/>
+            <ac:spMk id="12" creationId="{B27C540A-8A26-D15B-4BFE-8428CAB3D65D}"/>
+          </ac:spMkLst>
+        </pc:spChg>
+        <pc:picChg chg="add mod ord">
+          <ac:chgData name="Corey Holton" userId="dfccdeabb580c92e" providerId="LiveId" clId="{EBC5146E-18C7-45C9-82A7-CCF297C2A46B}" dt="2024-08-31T16:16:36.078" v="279" actId="22"/>
+          <ac:picMkLst>
+            <pc:docMk/>
+            <pc:sldMk cId="4047782543" sldId="272"/>
+            <ac:picMk id="8" creationId="{19912E03-A246-5D2E-B138-33DDE50249F3}"/>
+          </ac:picMkLst>
+        </pc:picChg>
+        <pc:picChg chg="add del mod ord">
+          <ac:chgData name="Corey Holton" userId="dfccdeabb580c92e" providerId="LiveId" clId="{EBC5146E-18C7-45C9-82A7-CCF297C2A46B}" dt="2024-08-31T16:20:57.410" v="298" actId="478"/>
+          <ac:picMkLst>
+            <pc:docMk/>
+            <pc:sldMk cId="4047782543" sldId="272"/>
+            <ac:picMk id="10" creationId="{0CDA29B4-7332-9D32-F0AA-BB7188279967}"/>
+          </ac:picMkLst>
+        </pc:picChg>
+        <pc:picChg chg="add mod ord">
+          <ac:chgData name="Corey Holton" userId="dfccdeabb580c92e" providerId="LiveId" clId="{EBC5146E-18C7-45C9-82A7-CCF297C2A46B}" dt="2024-08-31T16:21:23.314" v="299" actId="22"/>
+          <ac:picMkLst>
+            <pc:docMk/>
+            <pc:sldMk cId="4047782543" sldId="272"/>
+            <ac:picMk id="14" creationId="{5FC464ED-0DF2-BFC8-FD0E-25C0FA4742E0}"/>
+          </ac:picMkLst>
+        </pc:picChg>
+      </pc:sldChg>
+      <pc:sldChg chg="delSp new del mod">
+        <pc:chgData name="Corey Holton" userId="dfccdeabb580c92e" providerId="LiveId" clId="{EBC5146E-18C7-45C9-82A7-CCF297C2A46B}" dt="2024-08-31T16:15:31.785" v="277" actId="47"/>
+        <pc:sldMkLst>
+          <pc:docMk/>
+          <pc:sldMk cId="4090439412" sldId="272"/>
+        </pc:sldMkLst>
+        <pc:graphicFrameChg chg="del">
+          <ac:chgData name="Corey Holton" userId="dfccdeabb580c92e" providerId="LiveId" clId="{EBC5146E-18C7-45C9-82A7-CCF297C2A46B}" dt="2024-08-31T16:15:25.025" v="276" actId="478"/>
+          <ac:graphicFrameMkLst>
+            <pc:docMk/>
+            <pc:sldMk cId="4090439412" sldId="272"/>
+            <ac:graphicFrameMk id="4" creationId="{F8996927-A554-568A-3365-223AB1B3A5FD}"/>
+          </ac:graphicFrameMkLst>
+        </pc:graphicFrameChg>
+      </pc:sldChg>
+      <pc:sldChg chg="addSp delSp modSp new mod">
+        <pc:chgData name="Corey Holton" userId="dfccdeabb580c92e" providerId="LiveId" clId="{EBC5146E-18C7-45C9-82A7-CCF297C2A46B}" dt="2024-08-31T16:20:48.955" v="297" actId="20577"/>
+        <pc:sldMkLst>
+          <pc:docMk/>
+          <pc:sldMk cId="4083278731" sldId="273"/>
+        </pc:sldMkLst>
+        <pc:spChg chg="mod">
+          <ac:chgData name="Corey Holton" userId="dfccdeabb580c92e" providerId="LiveId" clId="{EBC5146E-18C7-45C9-82A7-CCF297C2A46B}" dt="2024-08-31T16:20:48.955" v="297" actId="20577"/>
+          <ac:spMkLst>
+            <pc:docMk/>
+            <pc:sldMk cId="4083278731" sldId="273"/>
+            <ac:spMk id="3" creationId="{4C3E6139-C51C-8CF8-3317-5170A81BAFB8}"/>
+          </ac:spMkLst>
+        </pc:spChg>
+        <pc:spChg chg="del">
+          <ac:chgData name="Corey Holton" userId="dfccdeabb580c92e" providerId="LiveId" clId="{EBC5146E-18C7-45C9-82A7-CCF297C2A46B}" dt="2024-08-31T16:19:02.163" v="282" actId="22"/>
+          <ac:spMkLst>
+            <pc:docMk/>
+            <pc:sldMk cId="4083278731" sldId="273"/>
+            <ac:spMk id="4" creationId="{1463A9D1-61FD-0F3C-0E21-7803C8CF1F38}"/>
+          </ac:spMkLst>
+        </pc:spChg>
+        <pc:spChg chg="mod">
+          <ac:chgData name="Corey Holton" userId="dfccdeabb580c92e" providerId="LiveId" clId="{EBC5146E-18C7-45C9-82A7-CCF297C2A46B}" dt="2024-08-31T16:20:45.129" v="293" actId="6549"/>
+          <ac:spMkLst>
+            <pc:docMk/>
+            <pc:sldMk cId="4083278731" sldId="273"/>
+            <ac:spMk id="5" creationId="{BB7D86C3-3411-7F76-B9CB-40C88911F96C}"/>
+          </ac:spMkLst>
+        </pc:spChg>
+        <pc:spChg chg="del">
+          <ac:chgData name="Corey Holton" userId="dfccdeabb580c92e" providerId="LiveId" clId="{EBC5146E-18C7-45C9-82A7-CCF297C2A46B}" dt="2024-08-31T16:19:29.955" v="283" actId="22"/>
+          <ac:spMkLst>
+            <pc:docMk/>
+            <pc:sldMk cId="4083278731" sldId="273"/>
+            <ac:spMk id="6" creationId="{56ABD7CA-5144-77C8-C660-78C721B3DD06}"/>
+          </ac:spMkLst>
+        </pc:spChg>
+        <pc:picChg chg="add mod ord">
+          <ac:chgData name="Corey Holton" userId="dfccdeabb580c92e" providerId="LiveId" clId="{EBC5146E-18C7-45C9-82A7-CCF297C2A46B}" dt="2024-08-31T16:19:02.163" v="282" actId="22"/>
+          <ac:picMkLst>
+            <pc:docMk/>
+            <pc:sldMk cId="4083278731" sldId="273"/>
+            <ac:picMk id="8" creationId="{03F26DC3-7295-8A59-DEF6-DFD5E19A7DA7}"/>
+          </ac:picMkLst>
+        </pc:picChg>
+        <pc:picChg chg="add mod ord">
+          <ac:chgData name="Corey Holton" userId="dfccdeabb580c92e" providerId="LiveId" clId="{EBC5146E-18C7-45C9-82A7-CCF297C2A46B}" dt="2024-08-31T16:19:29.955" v="283" actId="22"/>
+          <ac:picMkLst>
+            <pc:docMk/>
+            <pc:sldMk cId="4083278731" sldId="273"/>
+            <ac:picMk id="10" creationId="{C570CFD1-3EB3-F116-2370-B4B0E4ABBF49}"/>
+          </ac:picMkLst>
+        </pc:picChg>
+      </pc:sldChg>
+      <pc:sldChg chg="addSp delSp modSp new mod">
+        <pc:chgData name="Corey Holton" userId="dfccdeabb580c92e" providerId="LiveId" clId="{EBC5146E-18C7-45C9-82A7-CCF297C2A46B}" dt="2024-08-31T16:36:22.935" v="360" actId="20577"/>
+        <pc:sldMkLst>
+          <pc:docMk/>
+          <pc:sldMk cId="1964146967" sldId="274"/>
+        </pc:sldMkLst>
+        <pc:spChg chg="mod">
+          <ac:chgData name="Corey Holton" userId="dfccdeabb580c92e" providerId="LiveId" clId="{EBC5146E-18C7-45C9-82A7-CCF297C2A46B}" dt="2024-08-31T16:36:22.935" v="360" actId="20577"/>
+          <ac:spMkLst>
+            <pc:docMk/>
+            <pc:sldMk cId="1964146967" sldId="274"/>
+            <ac:spMk id="2" creationId="{55EF5CC9-D0D6-41DF-CECC-8DE17AF83308}"/>
+          </ac:spMkLst>
+        </pc:spChg>
+        <pc:spChg chg="del">
+          <ac:chgData name="Corey Holton" userId="dfccdeabb580c92e" providerId="LiveId" clId="{EBC5146E-18C7-45C9-82A7-CCF297C2A46B}" dt="2024-08-31T16:35:52.464" v="316" actId="22"/>
+          <ac:spMkLst>
+            <pc:docMk/>
+            <pc:sldMk cId="1964146967" sldId="274"/>
+            <ac:spMk id="3" creationId="{D02179AC-E4A7-1EAF-BD30-775EBD2CD19F}"/>
+          </ac:spMkLst>
+        </pc:spChg>
+        <pc:picChg chg="add mod ord">
+          <ac:chgData name="Corey Holton" userId="dfccdeabb580c92e" providerId="LiveId" clId="{EBC5146E-18C7-45C9-82A7-CCF297C2A46B}" dt="2024-08-31T16:35:52.464" v="316" actId="22"/>
+          <ac:picMkLst>
+            <pc:docMk/>
+            <pc:sldMk cId="1964146967" sldId="274"/>
+            <ac:picMk id="5" creationId="{A459582D-B764-2B84-0615-C7F8B587FFA2}"/>
+          </ac:picMkLst>
+        </pc:picChg>
+      </pc:sldChg>
     </pc:docChg>
   </pc:docChgLst>
 </pc:chgInfo>
@@ -447,7 +630,7 @@
           <a:p>
             <a:fld id="{3823511A-A82B-4BB9-9563-AA58B7977FB1}" type="datetimeFigureOut">
               <a:rPr lang="en-US" smtClean="0"/>
-              <a:t>8/30/2024</a:t>
+              <a:t>8/31/2024</a:t>
             </a:fld>
             <a:endParaRPr lang="en-US"/>
           </a:p>
@@ -645,7 +828,7 @@
           <a:p>
             <a:fld id="{3823511A-A82B-4BB9-9563-AA58B7977FB1}" type="datetimeFigureOut">
               <a:rPr lang="en-US" smtClean="0"/>
-              <a:t>8/30/2024</a:t>
+              <a:t>8/31/2024</a:t>
             </a:fld>
             <a:endParaRPr lang="en-US"/>
           </a:p>
@@ -853,7 +1036,7 @@
           <a:p>
             <a:fld id="{3823511A-A82B-4BB9-9563-AA58B7977FB1}" type="datetimeFigureOut">
               <a:rPr lang="en-US" smtClean="0"/>
-              <a:t>8/30/2024</a:t>
+              <a:t>8/31/2024</a:t>
             </a:fld>
             <a:endParaRPr lang="en-US"/>
           </a:p>
@@ -1051,7 +1234,7 @@
           <a:p>
             <a:fld id="{3823511A-A82B-4BB9-9563-AA58B7977FB1}" type="datetimeFigureOut">
               <a:rPr lang="en-US" smtClean="0"/>
-              <a:t>8/30/2024</a:t>
+              <a:t>8/31/2024</a:t>
             </a:fld>
             <a:endParaRPr lang="en-US"/>
           </a:p>
@@ -1326,7 +1509,7 @@
           <a:p>
             <a:fld id="{3823511A-A82B-4BB9-9563-AA58B7977FB1}" type="datetimeFigureOut">
               <a:rPr lang="en-US" smtClean="0"/>
-              <a:t>8/30/2024</a:t>
+              <a:t>8/31/2024</a:t>
             </a:fld>
             <a:endParaRPr lang="en-US"/>
           </a:p>
@@ -1591,7 +1774,7 @@
           <a:p>
             <a:fld id="{3823511A-A82B-4BB9-9563-AA58B7977FB1}" type="datetimeFigureOut">
               <a:rPr lang="en-US" smtClean="0"/>
-              <a:t>8/30/2024</a:t>
+              <a:t>8/31/2024</a:t>
             </a:fld>
             <a:endParaRPr lang="en-US"/>
           </a:p>
@@ -2003,7 +2186,7 @@
           <a:p>
             <a:fld id="{3823511A-A82B-4BB9-9563-AA58B7977FB1}" type="datetimeFigureOut">
               <a:rPr lang="en-US" smtClean="0"/>
-              <a:t>8/30/2024</a:t>
+              <a:t>8/31/2024</a:t>
             </a:fld>
             <a:endParaRPr lang="en-US"/>
           </a:p>
@@ -2144,7 +2327,7 @@
           <a:p>
             <a:fld id="{3823511A-A82B-4BB9-9563-AA58B7977FB1}" type="datetimeFigureOut">
               <a:rPr lang="en-US" smtClean="0"/>
-              <a:t>8/30/2024</a:t>
+              <a:t>8/31/2024</a:t>
             </a:fld>
             <a:endParaRPr lang="en-US"/>
           </a:p>
@@ -2257,7 +2440,7 @@
           <a:p>
             <a:fld id="{3823511A-A82B-4BB9-9563-AA58B7977FB1}" type="datetimeFigureOut">
               <a:rPr lang="en-US" smtClean="0"/>
-              <a:t>8/30/2024</a:t>
+              <a:t>8/31/2024</a:t>
             </a:fld>
             <a:endParaRPr lang="en-US"/>
           </a:p>
@@ -2568,7 +2751,7 @@
           <a:p>
             <a:fld id="{3823511A-A82B-4BB9-9563-AA58B7977FB1}" type="datetimeFigureOut">
               <a:rPr lang="en-US" smtClean="0"/>
-              <a:t>8/30/2024</a:t>
+              <a:t>8/31/2024</a:t>
             </a:fld>
             <a:endParaRPr lang="en-US"/>
           </a:p>
@@ -2856,7 +3039,7 @@
           <a:p>
             <a:fld id="{3823511A-A82B-4BB9-9563-AA58B7977FB1}" type="datetimeFigureOut">
               <a:rPr lang="en-US" smtClean="0"/>
-              <a:t>8/30/2024</a:t>
+              <a:t>8/31/2024</a:t>
             </a:fld>
             <a:endParaRPr lang="en-US"/>
           </a:p>
@@ -3097,7 +3280,7 @@
           <a:p>
             <a:fld id="{3823511A-A82B-4BB9-9563-AA58B7977FB1}" type="datetimeFigureOut">
               <a:rPr lang="en-US" smtClean="0"/>
-              <a:t>8/30/2024</a:t>
+              <a:t>8/31/2024</a:t>
             </a:fld>
             <a:endParaRPr lang="en-US"/>
           </a:p>
@@ -4497,6 +4680,431 @@
           <p:cNvPr id="2" name="Title 1">
             <a:extLst>
               <a:ext uri="{FF2B5EF4-FFF2-40B4-BE49-F238E27FC236}">
+                <a16:creationId xmlns:a16="http://schemas.microsoft.com/office/drawing/2014/main" id="{FD4025FE-F626-F445-7D81-82ED28D956CC}"/>
+              </a:ext>
+            </a:extLst>
+          </p:cNvPr>
+          <p:cNvSpPr>
+            <a:spLocks noGrp="1"/>
+          </p:cNvSpPr>
+          <p:nvPr>
+            <p:ph type="title"/>
+          </p:nvPr>
+        </p:nvSpPr>
+        <p:spPr/>
+        <p:txBody>
+          <a:bodyPr/>
+          <a:lstStyle/>
+          <a:p>
+            <a:endParaRPr lang="en-US"/>
+          </a:p>
+        </p:txBody>
+      </p:sp>
+      <p:sp>
+        <p:nvSpPr>
+          <p:cNvPr id="3" name="Text Placeholder 2">
+            <a:extLst>
+              <a:ext uri="{FF2B5EF4-FFF2-40B4-BE49-F238E27FC236}">
+                <a16:creationId xmlns:a16="http://schemas.microsoft.com/office/drawing/2014/main" id="{03D7DEC2-E695-5D72-227F-B6B5E9512562}"/>
+              </a:ext>
+            </a:extLst>
+          </p:cNvPr>
+          <p:cNvSpPr>
+            <a:spLocks noGrp="1"/>
+          </p:cNvSpPr>
+          <p:nvPr>
+            <p:ph type="body" idx="1"/>
+          </p:nvPr>
+        </p:nvSpPr>
+        <p:spPr/>
+        <p:txBody>
+          <a:bodyPr/>
+          <a:lstStyle/>
+          <a:p>
+            <a:r>
+              <a:rPr lang="en-US" dirty="0"/>
+              <a:t>Sum of sums</a:t>
+            </a:r>
+          </a:p>
+        </p:txBody>
+      </p:sp>
+      <p:pic>
+        <p:nvPicPr>
+          <p:cNvPr id="8" name="Content Placeholder 7">
+            <a:extLst>
+              <a:ext uri="{FF2B5EF4-FFF2-40B4-BE49-F238E27FC236}">
+                <a16:creationId xmlns:a16="http://schemas.microsoft.com/office/drawing/2014/main" id="{19912E03-A246-5D2E-B138-33DDE50249F3}"/>
+              </a:ext>
+            </a:extLst>
+          </p:cNvPr>
+          <p:cNvPicPr>
+            <a:picLocks noGrp="1" noChangeAspect="1"/>
+          </p:cNvPicPr>
+          <p:nvPr>
+            <p:ph sz="half" idx="2"/>
+          </p:nvPr>
+        </p:nvPicPr>
+        <p:blipFill>
+          <a:blip r:embed="rId2"/>
+          <a:stretch>
+            <a:fillRect/>
+          </a:stretch>
+        </p:blipFill>
+        <p:spPr>
+          <a:xfrm>
+            <a:off x="1188042" y="2505075"/>
+            <a:ext cx="4461278" cy="3684588"/>
+          </a:xfrm>
+        </p:spPr>
+      </p:pic>
+      <p:sp>
+        <p:nvSpPr>
+          <p:cNvPr id="5" name="Text Placeholder 4">
+            <a:extLst>
+              <a:ext uri="{FF2B5EF4-FFF2-40B4-BE49-F238E27FC236}">
+                <a16:creationId xmlns:a16="http://schemas.microsoft.com/office/drawing/2014/main" id="{E8177384-4D7E-2BE8-4471-F7D5D50B8D2B}"/>
+              </a:ext>
+            </a:extLst>
+          </p:cNvPr>
+          <p:cNvSpPr>
+            <a:spLocks noGrp="1"/>
+          </p:cNvSpPr>
+          <p:nvPr>
+            <p:ph type="body" sz="quarter" idx="3"/>
+          </p:nvPr>
+        </p:nvSpPr>
+        <p:spPr/>
+        <p:txBody>
+          <a:bodyPr/>
+          <a:lstStyle/>
+          <a:p>
+            <a:r>
+              <a:rPr lang="en-US" dirty="0"/>
+              <a:t>sum</a:t>
+            </a:r>
+          </a:p>
+        </p:txBody>
+      </p:sp>
+      <p:pic>
+        <p:nvPicPr>
+          <p:cNvPr id="14" name="Content Placeholder 13">
+            <a:extLst>
+              <a:ext uri="{FF2B5EF4-FFF2-40B4-BE49-F238E27FC236}">
+                <a16:creationId xmlns:a16="http://schemas.microsoft.com/office/drawing/2014/main" id="{5FC464ED-0DF2-BFC8-FD0E-25C0FA4742E0}"/>
+              </a:ext>
+            </a:extLst>
+          </p:cNvPr>
+          <p:cNvPicPr>
+            <a:picLocks noGrp="1" noChangeAspect="1"/>
+          </p:cNvPicPr>
+          <p:nvPr>
+            <p:ph sz="quarter" idx="4"/>
+          </p:nvPr>
+        </p:nvPicPr>
+        <p:blipFill>
+          <a:blip r:embed="rId3"/>
+          <a:stretch>
+            <a:fillRect/>
+          </a:stretch>
+        </p:blipFill>
+        <p:spPr>
+          <a:xfrm>
+            <a:off x="6172200" y="3261439"/>
+            <a:ext cx="5183188" cy="2171860"/>
+          </a:xfrm>
+        </p:spPr>
+      </p:pic>
+    </p:spTree>
+    <p:extLst>
+      <p:ext uri="{BB962C8B-B14F-4D97-AF65-F5344CB8AC3E}">
+        <p14:creationId xmlns:p14="http://schemas.microsoft.com/office/powerpoint/2010/main" val="4047782543"/>
+      </p:ext>
+    </p:extLst>
+  </p:cSld>
+  <p:clrMapOvr>
+    <a:masterClrMapping/>
+  </p:clrMapOvr>
+</p:sld>
+</file>
+
+<file path=ppt/slides/slide16.xml><?xml version="1.0" encoding="utf-8"?>
+<p:sld xmlns:a="http://schemas.openxmlformats.org/drawingml/2006/main" xmlns:r="http://schemas.openxmlformats.org/officeDocument/2006/relationships" xmlns:p="http://schemas.openxmlformats.org/presentationml/2006/main">
+  <p:cSld>
+    <p:spTree>
+      <p:nvGrpSpPr>
+        <p:cNvPr id="1" name=""/>
+        <p:cNvGrpSpPr/>
+        <p:nvPr/>
+      </p:nvGrpSpPr>
+      <p:grpSpPr>
+        <a:xfrm>
+          <a:off x="0" y="0"/>
+          <a:ext cx="0" cy="0"/>
+          <a:chOff x="0" y="0"/>
+          <a:chExt cx="0" cy="0"/>
+        </a:xfrm>
+      </p:grpSpPr>
+      <p:sp>
+        <p:nvSpPr>
+          <p:cNvPr id="2" name="Title 1">
+            <a:extLst>
+              <a:ext uri="{FF2B5EF4-FFF2-40B4-BE49-F238E27FC236}">
+                <a16:creationId xmlns:a16="http://schemas.microsoft.com/office/drawing/2014/main" id="{55EF5CC9-D0D6-41DF-CECC-8DE17AF83308}"/>
+              </a:ext>
+            </a:extLst>
+          </p:cNvPr>
+          <p:cNvSpPr>
+            <a:spLocks noGrp="1"/>
+          </p:cNvSpPr>
+          <p:nvPr>
+            <p:ph type="title"/>
+          </p:nvPr>
+        </p:nvSpPr>
+        <p:spPr/>
+        <p:txBody>
+          <a:bodyPr/>
+          <a:lstStyle/>
+          <a:p>
+            <a:r>
+              <a:rPr lang="en-US" dirty="0"/>
+              <a:t>Production of category by continent (sum)</a:t>
+            </a:r>
+          </a:p>
+        </p:txBody>
+      </p:sp>
+      <p:pic>
+        <p:nvPicPr>
+          <p:cNvPr id="5" name="Content Placeholder 4">
+            <a:extLst>
+              <a:ext uri="{FF2B5EF4-FFF2-40B4-BE49-F238E27FC236}">
+                <a16:creationId xmlns:a16="http://schemas.microsoft.com/office/drawing/2014/main" id="{A459582D-B764-2B84-0615-C7F8B587FFA2}"/>
+              </a:ext>
+            </a:extLst>
+          </p:cNvPr>
+          <p:cNvPicPr>
+            <a:picLocks noGrp="1" noChangeAspect="1"/>
+          </p:cNvPicPr>
+          <p:nvPr>
+            <p:ph idx="1"/>
+          </p:nvPr>
+        </p:nvPicPr>
+        <p:blipFill>
+          <a:blip r:embed="rId2"/>
+          <a:stretch>
+            <a:fillRect/>
+          </a:stretch>
+        </p:blipFill>
+        <p:spPr>
+          <a:xfrm>
+            <a:off x="2455502" y="1825625"/>
+            <a:ext cx="7280996" cy="4351338"/>
+          </a:xfrm>
+        </p:spPr>
+      </p:pic>
+    </p:spTree>
+    <p:extLst>
+      <p:ext uri="{BB962C8B-B14F-4D97-AF65-F5344CB8AC3E}">
+        <p14:creationId xmlns:p14="http://schemas.microsoft.com/office/powerpoint/2010/main" val="1964146967"/>
+      </p:ext>
+    </p:extLst>
+  </p:cSld>
+  <p:clrMapOvr>
+    <a:masterClrMapping/>
+  </p:clrMapOvr>
+</p:sld>
+</file>
+
+<file path=ppt/slides/slide17.xml><?xml version="1.0" encoding="utf-8"?>
+<p:sld xmlns:a="http://schemas.openxmlformats.org/drawingml/2006/main" xmlns:r="http://schemas.openxmlformats.org/officeDocument/2006/relationships" xmlns:p="http://schemas.openxmlformats.org/presentationml/2006/main">
+  <p:cSld>
+    <p:spTree>
+      <p:nvGrpSpPr>
+        <p:cNvPr id="1" name=""/>
+        <p:cNvGrpSpPr/>
+        <p:nvPr/>
+      </p:nvGrpSpPr>
+      <p:grpSpPr>
+        <a:xfrm>
+          <a:off x="0" y="0"/>
+          <a:ext cx="0" cy="0"/>
+          <a:chOff x="0" y="0"/>
+          <a:chExt cx="0" cy="0"/>
+        </a:xfrm>
+      </p:grpSpPr>
+      <p:sp>
+        <p:nvSpPr>
+          <p:cNvPr id="2" name="Title 1">
+            <a:extLst>
+              <a:ext uri="{FF2B5EF4-FFF2-40B4-BE49-F238E27FC236}">
+                <a16:creationId xmlns:a16="http://schemas.microsoft.com/office/drawing/2014/main" id="{79E0C86A-E8B9-DD60-B447-BC3033476A0A}"/>
+              </a:ext>
+            </a:extLst>
+          </p:cNvPr>
+          <p:cNvSpPr>
+            <a:spLocks noGrp="1"/>
+          </p:cNvSpPr>
+          <p:nvPr>
+            <p:ph type="title"/>
+          </p:nvPr>
+        </p:nvSpPr>
+        <p:spPr/>
+        <p:txBody>
+          <a:bodyPr/>
+          <a:lstStyle/>
+          <a:p>
+            <a:endParaRPr lang="en-US" dirty="0"/>
+          </a:p>
+        </p:txBody>
+      </p:sp>
+      <p:sp>
+        <p:nvSpPr>
+          <p:cNvPr id="3" name="Text Placeholder 2">
+            <a:extLst>
+              <a:ext uri="{FF2B5EF4-FFF2-40B4-BE49-F238E27FC236}">
+                <a16:creationId xmlns:a16="http://schemas.microsoft.com/office/drawing/2014/main" id="{4C3E6139-C51C-8CF8-3317-5170A81BAFB8}"/>
+              </a:ext>
+            </a:extLst>
+          </p:cNvPr>
+          <p:cNvSpPr>
+            <a:spLocks noGrp="1"/>
+          </p:cNvSpPr>
+          <p:nvPr>
+            <p:ph type="body" idx="1"/>
+          </p:nvPr>
+        </p:nvSpPr>
+        <p:spPr/>
+        <p:txBody>
+          <a:bodyPr/>
+          <a:lstStyle/>
+          <a:p>
+            <a:r>
+              <a:rPr lang="en-US" dirty="0"/>
+              <a:t>mean</a:t>
+            </a:r>
+          </a:p>
+        </p:txBody>
+      </p:sp>
+      <p:pic>
+        <p:nvPicPr>
+          <p:cNvPr id="8" name="Content Placeholder 7">
+            <a:extLst>
+              <a:ext uri="{FF2B5EF4-FFF2-40B4-BE49-F238E27FC236}">
+                <a16:creationId xmlns:a16="http://schemas.microsoft.com/office/drawing/2014/main" id="{03F26DC3-7295-8A59-DEF6-DFD5E19A7DA7}"/>
+              </a:ext>
+            </a:extLst>
+          </p:cNvPr>
+          <p:cNvPicPr>
+            <a:picLocks noGrp="1" noChangeAspect="1"/>
+          </p:cNvPicPr>
+          <p:nvPr>
+            <p:ph sz="half" idx="2"/>
+          </p:nvPr>
+        </p:nvPicPr>
+        <p:blipFill>
+          <a:blip r:embed="rId2"/>
+          <a:stretch>
+            <a:fillRect/>
+          </a:stretch>
+        </p:blipFill>
+        <p:spPr>
+          <a:xfrm>
+            <a:off x="839788" y="3125243"/>
+            <a:ext cx="5157787" cy="2444252"/>
+          </a:xfrm>
+        </p:spPr>
+      </p:pic>
+      <p:sp>
+        <p:nvSpPr>
+          <p:cNvPr id="5" name="Text Placeholder 4">
+            <a:extLst>
+              <a:ext uri="{FF2B5EF4-FFF2-40B4-BE49-F238E27FC236}">
+                <a16:creationId xmlns:a16="http://schemas.microsoft.com/office/drawing/2014/main" id="{BB7D86C3-3411-7F76-B9CB-40C88911F96C}"/>
+              </a:ext>
+            </a:extLst>
+          </p:cNvPr>
+          <p:cNvSpPr>
+            <a:spLocks noGrp="1"/>
+          </p:cNvSpPr>
+          <p:nvPr>
+            <p:ph type="body" sz="quarter" idx="3"/>
+          </p:nvPr>
+        </p:nvSpPr>
+        <p:spPr/>
+        <p:txBody>
+          <a:bodyPr/>
+          <a:lstStyle/>
+          <a:p>
+            <a:r>
+              <a:rPr lang="en-US" dirty="0"/>
+              <a:t>sum</a:t>
+            </a:r>
+          </a:p>
+        </p:txBody>
+      </p:sp>
+      <p:pic>
+        <p:nvPicPr>
+          <p:cNvPr id="10" name="Content Placeholder 9">
+            <a:extLst>
+              <a:ext uri="{FF2B5EF4-FFF2-40B4-BE49-F238E27FC236}">
+                <a16:creationId xmlns:a16="http://schemas.microsoft.com/office/drawing/2014/main" id="{C570CFD1-3EB3-F116-2370-B4B0E4ABBF49}"/>
+              </a:ext>
+            </a:extLst>
+          </p:cNvPr>
+          <p:cNvPicPr>
+            <a:picLocks noGrp="1" noChangeAspect="1"/>
+          </p:cNvPicPr>
+          <p:nvPr>
+            <p:ph sz="quarter" idx="4"/>
+          </p:nvPr>
+        </p:nvPicPr>
+        <p:blipFill>
+          <a:blip r:embed="rId3"/>
+          <a:stretch>
+            <a:fillRect/>
+          </a:stretch>
+        </p:blipFill>
+        <p:spPr>
+          <a:xfrm>
+            <a:off x="6172200" y="3252541"/>
+            <a:ext cx="5183188" cy="2189656"/>
+          </a:xfrm>
+        </p:spPr>
+      </p:pic>
+    </p:spTree>
+    <p:extLst>
+      <p:ext uri="{BB962C8B-B14F-4D97-AF65-F5344CB8AC3E}">
+        <p14:creationId xmlns:p14="http://schemas.microsoft.com/office/powerpoint/2010/main" val="4083278731"/>
+      </p:ext>
+    </p:extLst>
+  </p:cSld>
+  <p:clrMapOvr>
+    <a:masterClrMapping/>
+  </p:clrMapOvr>
+</p:sld>
+</file>
+
+<file path=ppt/slides/slide18.xml><?xml version="1.0" encoding="utf-8"?>
+<p:sld xmlns:a="http://schemas.openxmlformats.org/drawingml/2006/main" xmlns:r="http://schemas.openxmlformats.org/officeDocument/2006/relationships" xmlns:p="http://schemas.openxmlformats.org/presentationml/2006/main">
+  <p:cSld>
+    <p:spTree>
+      <p:nvGrpSpPr>
+        <p:cNvPr id="1" name=""/>
+        <p:cNvGrpSpPr/>
+        <p:nvPr/>
+      </p:nvGrpSpPr>
+      <p:grpSpPr>
+        <a:xfrm>
+          <a:off x="0" y="0"/>
+          <a:ext cx="0" cy="0"/>
+          <a:chOff x="0" y="0"/>
+          <a:chExt cx="0" cy="0"/>
+        </a:xfrm>
+      </p:grpSpPr>
+      <p:sp>
+        <p:nvSpPr>
+          <p:cNvPr id="2" name="Title 1">
+            <a:extLst>
+              <a:ext uri="{FF2B5EF4-FFF2-40B4-BE49-F238E27FC236}">
                 <a16:creationId xmlns:a16="http://schemas.microsoft.com/office/drawing/2014/main" id="{560158CA-AF9D-02D9-3AAE-7B1B2C68BC5B}"/>
               </a:ext>
             </a:extLst>
@@ -4769,7 +5377,7 @@
                 <a:ea typeface="Roboto" panose="02000000000000000000" pitchFamily="2" charset="0"/>
                 <a:cs typeface="Roboto" panose="02000000000000000000" pitchFamily="2" charset="0"/>
               </a:rPr>
-              <a:t>: State the main goal of the project: to analyze how global agricultural production has changed relative to population over time, focusing on key agricultural products.</a:t>
+              <a:t>: To analyze how global agricultural production has changed relative to population over time, focusing on key agricultural products.</a:t>
             </a:r>
           </a:p>
           <a:p>

--- a/Working files/Group Project.pptx
+++ b/Working files/Group Project.pptx
@@ -23,6 +23,8 @@
     <p:sldId id="274" r:id="rId17"/>
     <p:sldId id="273" r:id="rId18"/>
     <p:sldId id="267" r:id="rId19"/>
+    <p:sldId id="275" r:id="rId20"/>
+    <p:sldId id="276" r:id="rId21"/>
   </p:sldIdLst>
   <p:sldSz cx="12192000" cy="6858000"/>
   <p:notesSz cx="6858000" cy="9144000"/>
@@ -142,7 +144,7 @@
   <pc:docChgLst>
     <pc:chgData name="Corey Holton" userId="dfccdeabb580c92e" providerId="LiveId" clId="{EBC5146E-18C7-45C9-82A7-CCF297C2A46B}"/>
     <pc:docChg chg="undo custSel addSld delSld modSld sldOrd">
-      <pc:chgData name="Corey Holton" userId="dfccdeabb580c92e" providerId="LiveId" clId="{EBC5146E-18C7-45C9-82A7-CCF297C2A46B}" dt="2024-08-31T16:36:22.935" v="360" actId="20577"/>
+      <pc:chgData name="Corey Holton" userId="dfccdeabb580c92e" providerId="LiveId" clId="{EBC5146E-18C7-45C9-82A7-CCF297C2A46B}" dt="2024-08-31T16:49:26.893" v="508" actId="20577"/>
       <pc:docMkLst>
         <pc:docMk/>
       </pc:docMkLst>
@@ -478,6 +480,68 @@
           </ac:picMkLst>
         </pc:picChg>
       </pc:sldChg>
+      <pc:sldChg chg="addSp delSp modSp new mod ord">
+        <pc:chgData name="Corey Holton" userId="dfccdeabb580c92e" providerId="LiveId" clId="{EBC5146E-18C7-45C9-82A7-CCF297C2A46B}" dt="2024-08-31T16:41:05.729" v="390"/>
+        <pc:sldMkLst>
+          <pc:docMk/>
+          <pc:sldMk cId="398914116" sldId="275"/>
+        </pc:sldMkLst>
+        <pc:spChg chg="mod">
+          <ac:chgData name="Corey Holton" userId="dfccdeabb580c92e" providerId="LiveId" clId="{EBC5146E-18C7-45C9-82A7-CCF297C2A46B}" dt="2024-08-31T16:40:54.012" v="388" actId="20577"/>
+          <ac:spMkLst>
+            <pc:docMk/>
+            <pc:sldMk cId="398914116" sldId="275"/>
+            <ac:spMk id="2" creationId="{04BA347F-8750-AE4A-7B42-BFB021CA9A5B}"/>
+          </ac:spMkLst>
+        </pc:spChg>
+        <pc:spChg chg="del">
+          <ac:chgData name="Corey Holton" userId="dfccdeabb580c92e" providerId="LiveId" clId="{EBC5146E-18C7-45C9-82A7-CCF297C2A46B}" dt="2024-08-31T16:40:45.724" v="362" actId="22"/>
+          <ac:spMkLst>
+            <pc:docMk/>
+            <pc:sldMk cId="398914116" sldId="275"/>
+            <ac:spMk id="3" creationId="{D337302E-A9BF-D1D5-9219-9350E8EC077C}"/>
+          </ac:spMkLst>
+        </pc:spChg>
+        <pc:picChg chg="add mod ord">
+          <ac:chgData name="Corey Holton" userId="dfccdeabb580c92e" providerId="LiveId" clId="{EBC5146E-18C7-45C9-82A7-CCF297C2A46B}" dt="2024-08-31T16:40:45.724" v="362" actId="22"/>
+          <ac:picMkLst>
+            <pc:docMk/>
+            <pc:sldMk cId="398914116" sldId="275"/>
+            <ac:picMk id="5" creationId="{A2A6C396-1C81-B32B-1896-4C9B063DCDD8}"/>
+          </ac:picMkLst>
+        </pc:picChg>
+      </pc:sldChg>
+      <pc:sldChg chg="addSp delSp modSp new mod">
+        <pc:chgData name="Corey Holton" userId="dfccdeabb580c92e" providerId="LiveId" clId="{EBC5146E-18C7-45C9-82A7-CCF297C2A46B}" dt="2024-08-31T16:49:26.893" v="508" actId="20577"/>
+        <pc:sldMkLst>
+          <pc:docMk/>
+          <pc:sldMk cId="1658178340" sldId="276"/>
+        </pc:sldMkLst>
+        <pc:spChg chg="mod">
+          <ac:chgData name="Corey Holton" userId="dfccdeabb580c92e" providerId="LiveId" clId="{EBC5146E-18C7-45C9-82A7-CCF297C2A46B}" dt="2024-08-31T16:49:26.893" v="508" actId="20577"/>
+          <ac:spMkLst>
+            <pc:docMk/>
+            <pc:sldMk cId="1658178340" sldId="276"/>
+            <ac:spMk id="2" creationId="{1F9C8FD0-9335-A6C0-701B-00BD4748B5A9}"/>
+          </ac:spMkLst>
+        </pc:spChg>
+        <pc:spChg chg="del">
+          <ac:chgData name="Corey Holton" userId="dfccdeabb580c92e" providerId="LiveId" clId="{EBC5146E-18C7-45C9-82A7-CCF297C2A46B}" dt="2024-08-31T16:48:51.851" v="392" actId="22"/>
+          <ac:spMkLst>
+            <pc:docMk/>
+            <pc:sldMk cId="1658178340" sldId="276"/>
+            <ac:spMk id="3" creationId="{533B85B1-C87E-FE51-9A97-06CD3D661BA5}"/>
+          </ac:spMkLst>
+        </pc:spChg>
+        <pc:picChg chg="add mod ord">
+          <ac:chgData name="Corey Holton" userId="dfccdeabb580c92e" providerId="LiveId" clId="{EBC5146E-18C7-45C9-82A7-CCF297C2A46B}" dt="2024-08-31T16:48:51.851" v="392" actId="22"/>
+          <ac:picMkLst>
+            <pc:docMk/>
+            <pc:sldMk cId="1658178340" sldId="276"/>
+            <ac:picMk id="5" creationId="{41E72298-3CD5-BFE3-CCA2-EEAB23DEE36A}"/>
+          </ac:picMkLst>
+        </pc:picChg>
+      </pc:sldChg>
     </pc:docChg>
   </pc:docChgLst>
 </pc:chgInfo>
@@ -5167,6 +5231,93 @@
 </p:sld>
 </file>
 
+<file path=ppt/slides/slide19.xml><?xml version="1.0" encoding="utf-8"?>
+<p:sld xmlns:a="http://schemas.openxmlformats.org/drawingml/2006/main" xmlns:r="http://schemas.openxmlformats.org/officeDocument/2006/relationships" xmlns:p="http://schemas.openxmlformats.org/presentationml/2006/main">
+  <p:cSld>
+    <p:spTree>
+      <p:nvGrpSpPr>
+        <p:cNvPr id="1" name=""/>
+        <p:cNvGrpSpPr/>
+        <p:nvPr/>
+      </p:nvGrpSpPr>
+      <p:grpSpPr>
+        <a:xfrm>
+          <a:off x="0" y="0"/>
+          <a:ext cx="0" cy="0"/>
+          <a:chOff x="0" y="0"/>
+          <a:chExt cx="0" cy="0"/>
+        </a:xfrm>
+      </p:grpSpPr>
+      <p:sp>
+        <p:nvSpPr>
+          <p:cNvPr id="2" name="Title 1">
+            <a:extLst>
+              <a:ext uri="{FF2B5EF4-FFF2-40B4-BE49-F238E27FC236}">
+                <a16:creationId xmlns:a16="http://schemas.microsoft.com/office/drawing/2014/main" id="{04BA347F-8750-AE4A-7B42-BFB021CA9A5B}"/>
+              </a:ext>
+            </a:extLst>
+          </p:cNvPr>
+          <p:cNvSpPr>
+            <a:spLocks noGrp="1"/>
+          </p:cNvSpPr>
+          <p:nvPr>
+            <p:ph type="title"/>
+          </p:nvPr>
+        </p:nvSpPr>
+        <p:spPr/>
+        <p:txBody>
+          <a:bodyPr/>
+          <a:lstStyle/>
+          <a:p>
+            <a:r>
+              <a:rPr lang="en-US" dirty="0"/>
+              <a:t>Honey production in the US</a:t>
+            </a:r>
+          </a:p>
+        </p:txBody>
+      </p:sp>
+      <p:pic>
+        <p:nvPicPr>
+          <p:cNvPr id="5" name="Content Placeholder 4">
+            <a:extLst>
+              <a:ext uri="{FF2B5EF4-FFF2-40B4-BE49-F238E27FC236}">
+                <a16:creationId xmlns:a16="http://schemas.microsoft.com/office/drawing/2014/main" id="{A2A6C396-1C81-B32B-1896-4C9B063DCDD8}"/>
+              </a:ext>
+            </a:extLst>
+          </p:cNvPr>
+          <p:cNvPicPr>
+            <a:picLocks noGrp="1" noChangeAspect="1"/>
+          </p:cNvPicPr>
+          <p:nvPr>
+            <p:ph idx="1"/>
+          </p:nvPr>
+        </p:nvPicPr>
+        <p:blipFill>
+          <a:blip r:embed="rId2"/>
+          <a:stretch>
+            <a:fillRect/>
+          </a:stretch>
+        </p:blipFill>
+        <p:spPr>
+          <a:xfrm>
+            <a:off x="2052561" y="1825625"/>
+            <a:ext cx="8086877" cy="4351338"/>
+          </a:xfrm>
+        </p:spPr>
+      </p:pic>
+    </p:spTree>
+    <p:extLst>
+      <p:ext uri="{BB962C8B-B14F-4D97-AF65-F5344CB8AC3E}">
+        <p14:creationId xmlns:p14="http://schemas.microsoft.com/office/powerpoint/2010/main" val="398914116"/>
+      </p:ext>
+    </p:extLst>
+  </p:cSld>
+  <p:clrMapOvr>
+    <a:masterClrMapping/>
+  </p:clrMapOvr>
+</p:sld>
+</file>
+
 <file path=ppt/slides/slide2.xml><?xml version="1.0" encoding="utf-8"?>
 <p:sld xmlns:a="http://schemas.openxmlformats.org/drawingml/2006/main" xmlns:r="http://schemas.openxmlformats.org/officeDocument/2006/relationships" xmlns:p="http://schemas.openxmlformats.org/presentationml/2006/main">
   <p:cSld>
@@ -5496,6 +5647,95 @@
     <p:extLst>
       <p:ext uri="{BB962C8B-B14F-4D97-AF65-F5344CB8AC3E}">
         <p14:creationId xmlns:p14="http://schemas.microsoft.com/office/powerpoint/2010/main" val="2891163924"/>
+      </p:ext>
+    </p:extLst>
+  </p:cSld>
+  <p:clrMapOvr>
+    <a:masterClrMapping/>
+  </p:clrMapOvr>
+</p:sld>
+</file>
+
+<file path=ppt/slides/slide20.xml><?xml version="1.0" encoding="utf-8"?>
+<p:sld xmlns:a="http://schemas.openxmlformats.org/drawingml/2006/main" xmlns:r="http://schemas.openxmlformats.org/officeDocument/2006/relationships" xmlns:p="http://schemas.openxmlformats.org/presentationml/2006/main">
+  <p:cSld>
+    <p:spTree>
+      <p:nvGrpSpPr>
+        <p:cNvPr id="1" name=""/>
+        <p:cNvGrpSpPr/>
+        <p:nvPr/>
+      </p:nvGrpSpPr>
+      <p:grpSpPr>
+        <a:xfrm>
+          <a:off x="0" y="0"/>
+          <a:ext cx="0" cy="0"/>
+          <a:chOff x="0" y="0"/>
+          <a:chExt cx="0" cy="0"/>
+        </a:xfrm>
+      </p:grpSpPr>
+      <p:sp>
+        <p:nvSpPr>
+          <p:cNvPr id="2" name="Title 1">
+            <a:extLst>
+              <a:ext uri="{FF2B5EF4-FFF2-40B4-BE49-F238E27FC236}">
+                <a16:creationId xmlns:a16="http://schemas.microsoft.com/office/drawing/2014/main" id="{1F9C8FD0-9335-A6C0-701B-00BD4748B5A9}"/>
+              </a:ext>
+            </a:extLst>
+          </p:cNvPr>
+          <p:cNvSpPr>
+            <a:spLocks noGrp="1"/>
+          </p:cNvSpPr>
+          <p:nvPr>
+            <p:ph type="title"/>
+          </p:nvPr>
+        </p:nvSpPr>
+        <p:spPr/>
+        <p:txBody>
+          <a:bodyPr>
+            <a:normAutofit fontScale="90000"/>
+          </a:bodyPr>
+          <a:lstStyle/>
+          <a:p>
+            <a:r>
+              <a:rPr lang="en-US" dirty="0"/>
+              <a:t>Interesting, chicken is the most produced animal in every continent and almost every country</a:t>
+            </a:r>
+          </a:p>
+        </p:txBody>
+      </p:sp>
+      <p:pic>
+        <p:nvPicPr>
+          <p:cNvPr id="5" name="Content Placeholder 4">
+            <a:extLst>
+              <a:ext uri="{FF2B5EF4-FFF2-40B4-BE49-F238E27FC236}">
+                <a16:creationId xmlns:a16="http://schemas.microsoft.com/office/drawing/2014/main" id="{41E72298-3CD5-BFE3-CCA2-EEAB23DEE36A}"/>
+              </a:ext>
+            </a:extLst>
+          </p:cNvPr>
+          <p:cNvPicPr>
+            <a:picLocks noGrp="1" noChangeAspect="1"/>
+          </p:cNvPicPr>
+          <p:nvPr>
+            <p:ph idx="1"/>
+          </p:nvPr>
+        </p:nvPicPr>
+        <p:blipFill>
+          <a:blip r:embed="rId2"/>
+          <a:stretch>
+            <a:fillRect/>
+          </a:stretch>
+        </p:blipFill>
+        <p:spPr>
+          <a:xfrm>
+            <a:off x="2364077" y="1825625"/>
+            <a:ext cx="7463845" cy="4351338"/>
+          </a:xfrm>
+        </p:spPr>
+      </p:pic>
+    </p:spTree>
+    <p:extLst>
+      <p:ext uri="{BB962C8B-B14F-4D97-AF65-F5344CB8AC3E}">
+        <p14:creationId xmlns:p14="http://schemas.microsoft.com/office/powerpoint/2010/main" val="1658178340"/>
       </p:ext>
     </p:extLst>
   </p:cSld>

--- a/Working files/Group Project.pptx
+++ b/Working files/Group Project.pptx
@@ -11,7 +11,7 @@
     <p:sldId id="256" r:id="rId2"/>
     <p:sldId id="268" r:id="rId3"/>
     <p:sldId id="282" r:id="rId4"/>
-    <p:sldId id="285" r:id="rId5"/>
+    <p:sldId id="297" r:id="rId5"/>
     <p:sldId id="270" r:id="rId6"/>
     <p:sldId id="283" r:id="rId7"/>
     <p:sldId id="289" r:id="rId8"/>
@@ -145,9 +145,7 @@
   <p1510:revLst>
     <p1510:client id="{12277D38-336B-4937-BC6C-03D48A5E58FC}" v="210" dt="2024-09-01T02:16:17.447"/>
     <p1510:client id="{855C75D5-899F-4E0A-A37C-6C0BD1A71F73}" v="84" dt="2024-09-01T02:59:28.279"/>
-    <p1510:client id="{BB9CCC36-FE4F-4974-A4FB-35164B2E3531}" v="1" dt="2024-08-31T18:22:36.510"/>
     <p1510:client id="{C951E7E2-DF73-498A-9B5C-67E1A1DDAFBB}" v="185" dt="2024-09-01T14:14:21.874"/>
-    <p1510:client id="{EBC5146E-18C7-45C9-82A7-CCF297C2A46B}" v="1" dt="2024-08-31T16:15:22.215"/>
   </p1510:revLst>
 </p1510:revInfo>
 </file>
@@ -560,7 +558,7 @@
   <pc:docChgLst>
     <pc:chgData name="Corey Holton" userId="dfccdeabb580c92e" providerId="LiveId" clId="{C951E7E2-DF73-498A-9B5C-67E1A1DDAFBB}"/>
     <pc:docChg chg="undo custSel addSld delSld modSld sldOrd">
-      <pc:chgData name="Corey Holton" userId="dfccdeabb580c92e" providerId="LiveId" clId="{C951E7E2-DF73-498A-9B5C-67E1A1DDAFBB}" dt="2024-09-01T14:27:36.542" v="7686" actId="47"/>
+      <pc:chgData name="Corey Holton" userId="dfccdeabb580c92e" providerId="LiveId" clId="{C951E7E2-DF73-498A-9B5C-67E1A1DDAFBB}" dt="2024-09-01T19:58:35.855" v="7778" actId="47"/>
       <pc:docMkLst>
         <pc:docMk/>
       </pc:docMkLst>
@@ -950,7 +948,7 @@
         </pc:picChg>
       </pc:sldChg>
       <pc:sldChg chg="modSp new mod">
-        <pc:chgData name="Corey Holton" userId="dfccdeabb580c92e" providerId="LiveId" clId="{C951E7E2-DF73-498A-9B5C-67E1A1DDAFBB}" dt="2024-09-01T04:01:44.799" v="5174" actId="27636"/>
+        <pc:chgData name="Corey Holton" userId="dfccdeabb580c92e" providerId="LiveId" clId="{C951E7E2-DF73-498A-9B5C-67E1A1DDAFBB}" dt="2024-09-01T19:28:50.501" v="7777" actId="2711"/>
         <pc:sldMkLst>
           <pc:docMk/>
           <pc:sldMk cId="2077041568" sldId="282"/>
@@ -964,7 +962,7 @@
           </ac:spMkLst>
         </pc:spChg>
         <pc:spChg chg="mod">
-          <ac:chgData name="Corey Holton" userId="dfccdeabb580c92e" providerId="LiveId" clId="{C951E7E2-DF73-498A-9B5C-67E1A1DDAFBB}" dt="2024-09-01T04:01:44.799" v="5174" actId="27636"/>
+          <ac:chgData name="Corey Holton" userId="dfccdeabb580c92e" providerId="LiveId" clId="{C951E7E2-DF73-498A-9B5C-67E1A1DDAFBB}" dt="2024-09-01T19:28:50.501" v="7777" actId="2711"/>
           <ac:spMkLst>
             <pc:docMk/>
             <pc:sldMk cId="2077041568" sldId="282"/>
@@ -1026,8 +1024,8 @@
           </ac:spMkLst>
         </pc:spChg>
       </pc:sldChg>
-      <pc:sldChg chg="modSp add mod">
-        <pc:chgData name="Corey Holton" userId="dfccdeabb580c92e" providerId="LiveId" clId="{C951E7E2-DF73-498A-9B5C-67E1A1DDAFBB}" dt="2024-09-01T00:34:36.283" v="4684" actId="27636"/>
+      <pc:sldChg chg="modSp add del mod">
+        <pc:chgData name="Corey Holton" userId="dfccdeabb580c92e" providerId="LiveId" clId="{C951E7E2-DF73-498A-9B5C-67E1A1DDAFBB}" dt="2024-09-01T19:58:35.855" v="7778" actId="47"/>
         <pc:sldMkLst>
           <pc:docMk/>
           <pc:sldMk cId="457172529" sldId="285"/>
@@ -2515,6 +2513,36 @@
             <pc:docMk/>
             <pc:sldMk cId="1850561051" sldId="296"/>
             <ac:spMk id="3" creationId="{EEE60394-EE95-6BD9-F92E-FF8515CD1064}"/>
+          </ac:spMkLst>
+        </pc:spChg>
+      </pc:sldChg>
+      <pc:sldChg chg="modSp add mod">
+        <pc:chgData name="Corey Holton" userId="dfccdeabb580c92e" providerId="LiveId" clId="{C951E7E2-DF73-498A-9B5C-67E1A1DDAFBB}" dt="2024-09-01T19:24:19.599" v="7773" actId="20577"/>
+        <pc:sldMkLst>
+          <pc:docMk/>
+          <pc:sldMk cId="667294800" sldId="297"/>
+        </pc:sldMkLst>
+        <pc:spChg chg="mod">
+          <ac:chgData name="Corey Holton" userId="dfccdeabb580c92e" providerId="LiveId" clId="{C951E7E2-DF73-498A-9B5C-67E1A1DDAFBB}" dt="2024-09-01T19:24:19.599" v="7773" actId="20577"/>
+          <ac:spMkLst>
+            <pc:docMk/>
+            <pc:sldMk cId="667294800" sldId="297"/>
+            <ac:spMk id="3" creationId="{3A194D55-8F49-301D-DFF4-5CEDF97D8DBB}"/>
+          </ac:spMkLst>
+        </pc:spChg>
+      </pc:sldChg>
+      <pc:sldChg chg="modSp add del mod">
+        <pc:chgData name="Corey Holton" userId="dfccdeabb580c92e" providerId="LiveId" clId="{C951E7E2-DF73-498A-9B5C-67E1A1DDAFBB}" dt="2024-09-01T19:19:54.639" v="7698" actId="2890"/>
+        <pc:sldMkLst>
+          <pc:docMk/>
+          <pc:sldMk cId="1816007313" sldId="297"/>
+        </pc:sldMkLst>
+        <pc:spChg chg="mod">
+          <ac:chgData name="Corey Holton" userId="dfccdeabb580c92e" providerId="LiveId" clId="{C951E7E2-DF73-498A-9B5C-67E1A1DDAFBB}" dt="2024-09-01T19:19:54.025" v="7697" actId="6549"/>
+          <ac:spMkLst>
+            <pc:docMk/>
+            <pc:sldMk cId="1816007313" sldId="297"/>
+            <ac:spMk id="3" creationId="{3A194D55-8F49-301D-DFF4-5CEDF97D8DBB}"/>
           </ac:spMkLst>
         </pc:spChg>
       </pc:sldChg>
@@ -11425,27 +11453,69 @@
         </p:spPr>
         <p:txBody>
           <a:bodyPr vert="horz" lIns="91440" tIns="45720" rIns="91440" bIns="45720" rtlCol="0" anchor="t">
-            <a:normAutofit/>
+            <a:normAutofit fontScale="62500" lnSpcReduction="20000"/>
           </a:bodyPr>
           <a:lstStyle/>
           <a:p>
-            <a:r>
-              <a:rPr lang="en-US" sz="2000" dirty="0">
+            <a:pPr>
+              <a:lnSpc>
+                <a:spcPct val="120000"/>
+              </a:lnSpc>
+            </a:pPr>
+            <a:r>
+              <a:rPr lang="en-US" dirty="0">
                 <a:latin typeface="Roboto" panose="02000000000000000000" pitchFamily="2" charset="0"/>
                 <a:ea typeface="Roboto" panose="02000000000000000000" pitchFamily="2" charset="0"/>
                 <a:cs typeface="Roboto" panose="02000000000000000000" pitchFamily="2" charset="0"/>
               </a:rPr>
-              <a:t>Following the selection of an area of focus, an extensive search was conducted to identify suitable datasets for agricultural production and global population data. Upon acquiring the datasets, they were imported into a notebook for initial examination. It was quickly identified that the agricultural data contained an excess of information, while the population data lacked complete yearly records. To address this gap, an additional population dataset was obtained and merged with the initial set to ensure alignment of time frames.</a:t>
-            </a:r>
-          </a:p>
-          <a:p>
-            <a:r>
-              <a:rPr lang="en-US" sz="2000" dirty="0">
+              <a:t>Following the selection of the project’s focus, a comprehensive search was conducted to identify suitable datasets on agricultural production and global population. After acquiring the relevant datasets, they were imported into a notebook for initial review. It was quickly observed that the agricultural dataset contained an abundance of data, while the population dataset lacked complete records for all years. To address this gap, an additional population dataset was sourced and merged with the initial data to ensure consistency in the time frames.</a:t>
+            </a:r>
+          </a:p>
+          <a:p>
+            <a:pPr>
+              <a:lnSpc>
+                <a:spcPct val="120000"/>
+              </a:lnSpc>
+            </a:pPr>
+            <a:r>
+              <a:rPr lang="en-US" dirty="0">
                 <a:latin typeface="Roboto" panose="02000000000000000000" pitchFamily="2" charset="0"/>
                 <a:ea typeface="Roboto" panose="02000000000000000000" pitchFamily="2" charset="0"/>
                 <a:cs typeface="Roboto" panose="02000000000000000000" pitchFamily="2" charset="0"/>
               </a:rPr>
-              <a:t>The datasets were then refined by removing non-essential columns and restructuring the data to fit the analysis objectives. To streamline the visualization process, data was aggregated at the continental level, given the large number of countries involved. Agricultural items were categorized according to predefined classifications. The final dataset was transformed into a time series format, facilitating statistical analysis and the creation of visual plots to illustrate trends.</a:t>
+              <a:t>The data underwent a thorough cleanup process, which involved removing non-essential columns and restructuring it to align with the analysis objectives. To simplify visualization and manage the extensive data, agricultural production was aggregated at the continental level, and items were categorized according to predefined classifications. It was noted that meat production was reported in a different unit (An, representing individual animals) compared to other data, which was primarily in metric </a:t>
+            </a:r>
+            <a:r>
+              <a:rPr lang="en-US" dirty="0" err="1">
+                <a:latin typeface="Roboto" panose="02000000000000000000" pitchFamily="2" charset="0"/>
+                <a:ea typeface="Roboto" panose="02000000000000000000" pitchFamily="2" charset="0"/>
+                <a:cs typeface="Roboto" panose="02000000000000000000" pitchFamily="2" charset="0"/>
+              </a:rPr>
+              <a:t>tonnes</a:t>
+            </a:r>
+            <a:r>
+              <a:rPr lang="en-US" dirty="0">
+                <a:latin typeface="Roboto" panose="02000000000000000000" pitchFamily="2" charset="0"/>
+                <a:ea typeface="Roboto" panose="02000000000000000000" pitchFamily="2" charset="0"/>
+                <a:cs typeface="Roboto" panose="02000000000000000000" pitchFamily="2" charset="0"/>
+              </a:rPr>
+              <a:t>. Additionally, egg production was reported in metric </a:t>
+            </a:r>
+            <a:r>
+              <a:rPr lang="en-US" dirty="0" err="1">
+                <a:latin typeface="Roboto" panose="02000000000000000000" pitchFamily="2" charset="0"/>
+                <a:ea typeface="Roboto" panose="02000000000000000000" pitchFamily="2" charset="0"/>
+                <a:cs typeface="Roboto" panose="02000000000000000000" pitchFamily="2" charset="0"/>
+              </a:rPr>
+              <a:t>tonnes</a:t>
+            </a:r>
+            <a:r>
+              <a:rPr lang="en-US" dirty="0">
+                <a:latin typeface="Roboto" panose="02000000000000000000" pitchFamily="2" charset="0"/>
+                <a:ea typeface="Roboto" panose="02000000000000000000" pitchFamily="2" charset="0"/>
+                <a:cs typeface="Roboto" panose="02000000000000000000" pitchFamily="2" charset="0"/>
+              </a:rPr>
+              <a:t>, resulting in unexpectedly high values compared to many grains—an observation that, while potentially inaccurate, aligns with the large number of chickens produced globally. The final dataset was transformed into a time series format, facilitating statistical analysis and visualizations to highlight key trends.</a:t>
             </a:r>
           </a:p>
         </p:txBody>
@@ -11511,7 +11581,7 @@
                 <a:effectLst/>
                 <a:latin typeface="Roboto" panose="02000000000000000000" pitchFamily="2" charset="0"/>
               </a:rPr>
-              <a:t>Exploration of data</a:t>
+              <a:t>Data collection, cleanup, and exploration</a:t>
             </a:r>
             <a:br>
               <a:rPr lang="en-US" sz="4400" b="0" i="0" dirty="0">
@@ -11544,560 +11614,100 @@
         </p:nvSpPr>
         <p:spPr>
           <a:xfrm>
-            <a:off x="838200" y="1338044"/>
-            <a:ext cx="10515600" cy="5154831"/>
+            <a:off x="838200" y="1304488"/>
+            <a:ext cx="10515600" cy="4872475"/>
           </a:xfrm>
         </p:spPr>
         <p:txBody>
-          <a:bodyPr>
-            <a:normAutofit fontScale="40000" lnSpcReduction="20000"/>
+          <a:bodyPr vert="horz" lIns="91440" tIns="45720" rIns="91440" bIns="45720" rtlCol="0" anchor="t">
+            <a:normAutofit fontScale="55000" lnSpcReduction="20000"/>
           </a:bodyPr>
           <a:lstStyle/>
           <a:p>
-            <a:pPr marL="0" marR="0">
+            <a:pPr marL="0" indent="0">
+              <a:buNone/>
+            </a:pPr>
+            <a:r>
+              <a:rPr lang="en-US" sz="4400" dirty="0"/>
+              <a:t>Data Analysis and Exploration: Several analytical methods were employed to explore and visualize the data:</a:t>
+            </a:r>
+          </a:p>
+          <a:p>
+            <a:pPr>
+              <a:buFont typeface="+mj-lt"/>
+              <a:buAutoNum type="arabicPeriod"/>
+            </a:pPr>
+            <a:r>
+              <a:rPr lang="en-US" sz="2900" dirty="0"/>
+              <a:t>Aggregation: Data was aggregated to assess production totals by category and continent, including averages, maximums, minimums, and sums. Additionally, top-producing items were identified at the country level to highlight significant contributors.</a:t>
+            </a:r>
+          </a:p>
+          <a:p>
+            <a:pPr>
+              <a:buFont typeface="+mj-lt"/>
+              <a:buAutoNum type="arabicPeriod"/>
+            </a:pPr>
+            <a:r>
+              <a:rPr lang="en-US" sz="2900" dirty="0"/>
+              <a:t>Correlation Analysis: Correlation coefficients (Pearson and Spearman) were calculated to examine the relationship between agricultural production and population growth, as well as correlations between different production categories within continents.</a:t>
+            </a:r>
+          </a:p>
+          <a:p>
+            <a:pPr>
+              <a:buFont typeface="+mj-lt"/>
+              <a:buAutoNum type="arabicPeriod"/>
+            </a:pPr>
+            <a:r>
+              <a:rPr lang="en-US" sz="2900" dirty="0"/>
+              <a:t>Comparison Analysis: Comparisons were made across continents and within countries to evaluate growth and decline in specific agricultural categories, revealing how production contributions vary over time.</a:t>
+            </a:r>
+          </a:p>
+          <a:p>
+            <a:pPr>
+              <a:buFont typeface="+mj-lt"/>
+              <a:buAutoNum type="arabicPeriod"/>
+            </a:pPr>
+            <a:r>
+              <a:rPr lang="en-US" sz="2900" dirty="0"/>
+              <a:t>Summary Statistics: Key statistical metrics, such as mean, median, and standard deviation, were used to summarize yearly production data, helping to identify trends and outliers.</a:t>
+            </a:r>
+          </a:p>
+          <a:p>
+            <a:pPr>
+              <a:buFont typeface="+mj-lt"/>
+              <a:buAutoNum type="arabicPeriod"/>
+            </a:pPr>
+            <a:r>
+              <a:rPr lang="en-US" sz="2900" dirty="0"/>
+              <a:t>Sentiment Analysis: The impact of public perception on agricultural production was explored, particularly noting Europe’s decline in agricultural production, which aligns with negative sentiments toward environmental impacts associated with farming.</a:t>
+            </a:r>
+          </a:p>
+          <a:p>
+            <a:pPr>
+              <a:buFont typeface="+mj-lt"/>
+              <a:buAutoNum type="arabicPeriod"/>
+            </a:pPr>
+            <a:r>
+              <a:rPr lang="en-US" sz="2900" dirty="0"/>
+              <a:t>Time Series Analysis: Time series plots were used to visualize the interaction between population growth and agricultural production globally, and forecasting techniques like Prophet were considered to predict future production trends.</a:t>
+            </a:r>
+          </a:p>
+          <a:p>
+            <a:pPr marL="0" indent="0">
+              <a:buNone/>
+            </a:pPr>
+            <a:r>
+              <a:rPr lang="en-US" sz="2900" dirty="0"/>
+              <a:t>These analyses provided a comprehensive understanding of global agricultural dynamics, highlighting regional disparities, production trends, and the evolving relationship between food supply and population growth.</a:t>
+            </a:r>
+          </a:p>
+          <a:p>
+            <a:pPr marL="0" indent="0">
               <a:lnSpc>
-                <a:spcPct val="107000"/>
+                <a:spcPct val="120000"/>
               </a:lnSpc>
-              <a:spcBef>
-                <a:spcPts val="0"/>
-              </a:spcBef>
-              <a:spcAft>
-                <a:spcPts val="800"/>
-              </a:spcAft>
+              <a:buNone/>
             </a:pPr>
-            <a:r>
-              <a:rPr lang="en-US" sz="2800" b="1" dirty="0">
-                <a:effectLst/>
-                <a:latin typeface="Aptos" panose="020B0004020202020204" pitchFamily="34" charset="0"/>
-                <a:ea typeface="Aptos" panose="020B0004020202020204" pitchFamily="34" charset="0"/>
-                <a:cs typeface="Times New Roman" panose="02020603050405020304" pitchFamily="18" charset="0"/>
-              </a:rPr>
-              <a:t>1. Aggregation</a:t>
-            </a:r>
-            <a:endParaRPr lang="en-US" sz="2800" dirty="0">
-              <a:effectLst/>
-              <a:latin typeface="Aptos" panose="020B0004020202020204" pitchFamily="34" charset="0"/>
-              <a:ea typeface="Aptos" panose="020B0004020202020204" pitchFamily="34" charset="0"/>
-              <a:cs typeface="Times New Roman" panose="02020603050405020304" pitchFamily="18" charset="0"/>
-            </a:endParaRPr>
-          </a:p>
-          <a:p>
-            <a:pPr marL="800100" lvl="1" indent="-342900">
-              <a:lnSpc>
-                <a:spcPct val="107000"/>
-              </a:lnSpc>
-              <a:spcBef>
-                <a:spcPts val="0"/>
-              </a:spcBef>
-              <a:spcAft>
-                <a:spcPts val="800"/>
-              </a:spcAft>
-              <a:buSzPts val="1000"/>
-              <a:buFont typeface="Symbol" panose="05050102010706020507" pitchFamily="18" charset="2"/>
-              <a:buChar char=""/>
-              <a:tabLst>
-                <a:tab pos="457200" algn="l"/>
-              </a:tabLst>
-            </a:pPr>
-            <a:r>
-              <a:rPr lang="en-US" b="1" dirty="0">
-                <a:effectLst/>
-                <a:latin typeface="Aptos" panose="020B0004020202020204" pitchFamily="34" charset="0"/>
-                <a:ea typeface="Aptos" panose="020B0004020202020204" pitchFamily="34" charset="0"/>
-                <a:cs typeface="Times New Roman" panose="02020603050405020304" pitchFamily="18" charset="0"/>
-              </a:rPr>
-              <a:t>Production by Category and Continent</a:t>
-            </a:r>
-            <a:r>
-              <a:rPr lang="en-US" dirty="0">
-                <a:effectLst/>
-                <a:latin typeface="Aptos" panose="020B0004020202020204" pitchFamily="34" charset="0"/>
-                <a:ea typeface="Aptos" panose="020B0004020202020204" pitchFamily="34" charset="0"/>
-                <a:cs typeface="Times New Roman" panose="02020603050405020304" pitchFamily="18" charset="0"/>
-              </a:rPr>
-              <a:t>: Aggregated production data at different granularities, such as yearly totals by category and continent. Explored averages, maximum, minimum, and sum statistics for different categories.</a:t>
-            </a:r>
-          </a:p>
-          <a:p>
-            <a:pPr marL="800100" lvl="1" indent="-342900">
-              <a:lnSpc>
-                <a:spcPct val="107000"/>
-              </a:lnSpc>
-              <a:spcBef>
-                <a:spcPts val="0"/>
-              </a:spcBef>
-              <a:spcAft>
-                <a:spcPts val="800"/>
-              </a:spcAft>
-              <a:buSzPts val="1000"/>
-              <a:buFont typeface="Symbol" panose="05050102010706020507" pitchFamily="18" charset="2"/>
-              <a:buChar char=""/>
-              <a:tabLst>
-                <a:tab pos="457200" algn="l"/>
-              </a:tabLst>
-            </a:pPr>
-            <a:r>
-              <a:rPr lang="en-US" b="1" dirty="0">
-                <a:effectLst/>
-                <a:latin typeface="Aptos" panose="020B0004020202020204" pitchFamily="34" charset="0"/>
-                <a:ea typeface="Aptos" panose="020B0004020202020204" pitchFamily="34" charset="0"/>
-                <a:cs typeface="Times New Roman" panose="02020603050405020304" pitchFamily="18" charset="0"/>
-              </a:rPr>
-              <a:t>Top 5 Items by Country</a:t>
-            </a:r>
-            <a:r>
-              <a:rPr lang="en-US" dirty="0">
-                <a:effectLst/>
-                <a:latin typeface="Aptos" panose="020B0004020202020204" pitchFamily="34" charset="0"/>
-                <a:ea typeface="Aptos" panose="020B0004020202020204" pitchFamily="34" charset="0"/>
-                <a:cs typeface="Times New Roman" panose="02020603050405020304" pitchFamily="18" charset="0"/>
-              </a:rPr>
-              <a:t>: Aggregate the data to identify the top-producing items for a given country (China example in slides).</a:t>
-            </a:r>
-          </a:p>
-          <a:p>
-            <a:pPr marL="0" marR="0">
-              <a:lnSpc>
-                <a:spcPct val="107000"/>
-              </a:lnSpc>
-              <a:spcBef>
-                <a:spcPts val="0"/>
-              </a:spcBef>
-              <a:spcAft>
-                <a:spcPts val="800"/>
-              </a:spcAft>
-            </a:pPr>
-            <a:r>
-              <a:rPr lang="en-US" sz="2800" b="1" dirty="0">
-                <a:effectLst/>
-                <a:latin typeface="Aptos" panose="020B0004020202020204" pitchFamily="34" charset="0"/>
-                <a:ea typeface="Aptos" panose="020B0004020202020204" pitchFamily="34" charset="0"/>
-                <a:cs typeface="Times New Roman" panose="02020603050405020304" pitchFamily="18" charset="0"/>
-              </a:rPr>
-              <a:t>2. Correlation Analysis</a:t>
-            </a:r>
-            <a:endParaRPr lang="en-US" sz="2800" dirty="0">
-              <a:effectLst/>
-              <a:latin typeface="Aptos" panose="020B0004020202020204" pitchFamily="34" charset="0"/>
-              <a:ea typeface="Aptos" panose="020B0004020202020204" pitchFamily="34" charset="0"/>
-              <a:cs typeface="Times New Roman" panose="02020603050405020304" pitchFamily="18" charset="0"/>
-            </a:endParaRPr>
-          </a:p>
-          <a:p>
-            <a:pPr marL="800100" lvl="1" indent="-342900">
-              <a:lnSpc>
-                <a:spcPct val="107000"/>
-              </a:lnSpc>
-              <a:spcBef>
-                <a:spcPts val="0"/>
-              </a:spcBef>
-              <a:spcAft>
-                <a:spcPts val="800"/>
-              </a:spcAft>
-              <a:buSzPts val="1000"/>
-              <a:buFont typeface="Symbol" panose="05050102010706020507" pitchFamily="18" charset="2"/>
-              <a:buChar char=""/>
-              <a:tabLst>
-                <a:tab pos="457200" algn="l"/>
-              </a:tabLst>
-            </a:pPr>
-            <a:r>
-              <a:rPr lang="en-US" b="1" dirty="0">
-                <a:effectLst/>
-                <a:latin typeface="Aptos" panose="020B0004020202020204" pitchFamily="34" charset="0"/>
-                <a:ea typeface="Aptos" panose="020B0004020202020204" pitchFamily="34" charset="0"/>
-                <a:cs typeface="Times New Roman" panose="02020603050405020304" pitchFamily="18" charset="0"/>
-              </a:rPr>
-              <a:t>Production vs. Population Growth</a:t>
-            </a:r>
-            <a:r>
-              <a:rPr lang="en-US" dirty="0">
-                <a:effectLst/>
-                <a:latin typeface="Aptos" panose="020B0004020202020204" pitchFamily="34" charset="0"/>
-                <a:ea typeface="Aptos" panose="020B0004020202020204" pitchFamily="34" charset="0"/>
-                <a:cs typeface="Times New Roman" panose="02020603050405020304" pitchFamily="18" charset="0"/>
-              </a:rPr>
-              <a:t>: Analyzed how the production of food changes with population growth. Used correlation coefficients (Pearson, Spearman) to assess the strength of these relationships.</a:t>
-            </a:r>
-          </a:p>
-          <a:p>
-            <a:pPr marL="800100" lvl="1" indent="-342900">
-              <a:lnSpc>
-                <a:spcPct val="107000"/>
-              </a:lnSpc>
-              <a:spcBef>
-                <a:spcPts val="0"/>
-              </a:spcBef>
-              <a:spcAft>
-                <a:spcPts val="800"/>
-              </a:spcAft>
-              <a:buSzPts val="1000"/>
-              <a:buFont typeface="Symbol" panose="05050102010706020507" pitchFamily="18" charset="2"/>
-              <a:buChar char=""/>
-              <a:tabLst>
-                <a:tab pos="457200" algn="l"/>
-              </a:tabLst>
-            </a:pPr>
-            <a:r>
-              <a:rPr lang="en-US" b="1" dirty="0">
-                <a:effectLst/>
-                <a:latin typeface="Aptos" panose="020B0004020202020204" pitchFamily="34" charset="0"/>
-                <a:ea typeface="Aptos" panose="020B0004020202020204" pitchFamily="34" charset="0"/>
-                <a:cs typeface="Times New Roman" panose="02020603050405020304" pitchFamily="18" charset="0"/>
-              </a:rPr>
-              <a:t>Category Comparisons</a:t>
-            </a:r>
-            <a:r>
-              <a:rPr lang="en-US" dirty="0">
-                <a:effectLst/>
-                <a:latin typeface="Aptos" panose="020B0004020202020204" pitchFamily="34" charset="0"/>
-                <a:ea typeface="Aptos" panose="020B0004020202020204" pitchFamily="34" charset="0"/>
-                <a:cs typeface="Times New Roman" panose="02020603050405020304" pitchFamily="18" charset="0"/>
-              </a:rPr>
-              <a:t>: Investigated correlations between different production categories within the same continent, e.g., if meat production increases with grain production.</a:t>
-            </a:r>
-          </a:p>
-          <a:p>
-            <a:pPr marL="0" marR="0">
-              <a:lnSpc>
-                <a:spcPct val="107000"/>
-              </a:lnSpc>
-              <a:spcBef>
-                <a:spcPts val="0"/>
-              </a:spcBef>
-              <a:spcAft>
-                <a:spcPts val="800"/>
-              </a:spcAft>
-            </a:pPr>
-            <a:r>
-              <a:rPr lang="en-US" sz="2800" b="1" dirty="0">
-                <a:effectLst/>
-                <a:latin typeface="Aptos" panose="020B0004020202020204" pitchFamily="34" charset="0"/>
-                <a:ea typeface="Aptos" panose="020B0004020202020204" pitchFamily="34" charset="0"/>
-                <a:cs typeface="Times New Roman" panose="02020603050405020304" pitchFamily="18" charset="0"/>
-              </a:rPr>
-              <a:t>3. Comparison Analysis</a:t>
-            </a:r>
-            <a:endParaRPr lang="en-US" sz="2800" dirty="0">
-              <a:effectLst/>
-              <a:latin typeface="Aptos" panose="020B0004020202020204" pitchFamily="34" charset="0"/>
-              <a:ea typeface="Aptos" panose="020B0004020202020204" pitchFamily="34" charset="0"/>
-              <a:cs typeface="Times New Roman" panose="02020603050405020304" pitchFamily="18" charset="0"/>
-            </a:endParaRPr>
-          </a:p>
-          <a:p>
-            <a:pPr marL="800100" lvl="1" indent="-342900">
-              <a:lnSpc>
-                <a:spcPct val="107000"/>
-              </a:lnSpc>
-              <a:spcBef>
-                <a:spcPts val="0"/>
-              </a:spcBef>
-              <a:spcAft>
-                <a:spcPts val="800"/>
-              </a:spcAft>
-              <a:buSzPts val="1000"/>
-              <a:buFont typeface="Symbol" panose="05050102010706020507" pitchFamily="18" charset="2"/>
-              <a:buChar char=""/>
-              <a:tabLst>
-                <a:tab pos="457200" algn="l"/>
-              </a:tabLst>
-            </a:pPr>
-            <a:r>
-              <a:rPr lang="en-US" b="1" dirty="0">
-                <a:effectLst/>
-                <a:latin typeface="Aptos" panose="020B0004020202020204" pitchFamily="34" charset="0"/>
-                <a:ea typeface="Aptos" panose="020B0004020202020204" pitchFamily="34" charset="0"/>
-                <a:cs typeface="Times New Roman" panose="02020603050405020304" pitchFamily="18" charset="0"/>
-              </a:rPr>
-              <a:t>Continent Comparisons</a:t>
-            </a:r>
-            <a:r>
-              <a:rPr lang="en-US" dirty="0">
-                <a:effectLst/>
-                <a:latin typeface="Aptos" panose="020B0004020202020204" pitchFamily="34" charset="0"/>
-                <a:ea typeface="Aptos" panose="020B0004020202020204" pitchFamily="34" charset="0"/>
-                <a:cs typeface="Times New Roman" panose="02020603050405020304" pitchFamily="18" charset="0"/>
-              </a:rPr>
-              <a:t>: Compare production trends across continents to see which continents have experienced the most growth or decline in specific agricultural categories.</a:t>
-            </a:r>
-          </a:p>
-          <a:p>
-            <a:pPr marL="800100" lvl="1" indent="-342900">
-              <a:lnSpc>
-                <a:spcPct val="107000"/>
-              </a:lnSpc>
-              <a:spcBef>
-                <a:spcPts val="0"/>
-              </a:spcBef>
-              <a:spcAft>
-                <a:spcPts val="800"/>
-              </a:spcAft>
-              <a:buSzPts val="1000"/>
-              <a:buFont typeface="Symbol" panose="05050102010706020507" pitchFamily="18" charset="2"/>
-              <a:buChar char=""/>
-              <a:tabLst>
-                <a:tab pos="457200" algn="l"/>
-              </a:tabLst>
-            </a:pPr>
-            <a:r>
-              <a:rPr lang="en-US" b="1" dirty="0">
-                <a:effectLst/>
-                <a:latin typeface="Aptos" panose="020B0004020202020204" pitchFamily="34" charset="0"/>
-                <a:ea typeface="Aptos" panose="020B0004020202020204" pitchFamily="34" charset="0"/>
-                <a:cs typeface="Times New Roman" panose="02020603050405020304" pitchFamily="18" charset="0"/>
-              </a:rPr>
-              <a:t>Category Comparisons within Countries</a:t>
-            </a:r>
-            <a:r>
-              <a:rPr lang="en-US" dirty="0">
-                <a:effectLst/>
-                <a:latin typeface="Aptos" panose="020B0004020202020204" pitchFamily="34" charset="0"/>
-                <a:ea typeface="Aptos" panose="020B0004020202020204" pitchFamily="34" charset="0"/>
-                <a:cs typeface="Times New Roman" panose="02020603050405020304" pitchFamily="18" charset="0"/>
-              </a:rPr>
-              <a:t>: Compared how different agricultural categories contribute to a country’s total production and how these have changed over time.</a:t>
-            </a:r>
-          </a:p>
-          <a:p>
-            <a:pPr marL="0" marR="0">
-              <a:lnSpc>
-                <a:spcPct val="107000"/>
-              </a:lnSpc>
-              <a:spcBef>
-                <a:spcPts val="0"/>
-              </a:spcBef>
-              <a:spcAft>
-                <a:spcPts val="800"/>
-              </a:spcAft>
-            </a:pPr>
-            <a:r>
-              <a:rPr lang="en-US" sz="2800" b="1" dirty="0">
-                <a:effectLst/>
-                <a:latin typeface="Aptos" panose="020B0004020202020204" pitchFamily="34" charset="0"/>
-                <a:ea typeface="Aptos" panose="020B0004020202020204" pitchFamily="34" charset="0"/>
-                <a:cs typeface="Times New Roman" panose="02020603050405020304" pitchFamily="18" charset="0"/>
-              </a:rPr>
-              <a:t>4. Summary Statistics</a:t>
-            </a:r>
-            <a:endParaRPr lang="en-US" sz="2800" dirty="0">
-              <a:effectLst/>
-              <a:latin typeface="Aptos" panose="020B0004020202020204" pitchFamily="34" charset="0"/>
-              <a:ea typeface="Aptos" panose="020B0004020202020204" pitchFamily="34" charset="0"/>
-              <a:cs typeface="Times New Roman" panose="02020603050405020304" pitchFamily="18" charset="0"/>
-            </a:endParaRPr>
-          </a:p>
-          <a:p>
-            <a:pPr marL="800100" lvl="1" indent="-342900">
-              <a:lnSpc>
-                <a:spcPct val="107000"/>
-              </a:lnSpc>
-              <a:spcBef>
-                <a:spcPts val="0"/>
-              </a:spcBef>
-              <a:spcAft>
-                <a:spcPts val="800"/>
-              </a:spcAft>
-              <a:buSzPts val="1000"/>
-              <a:buFont typeface="Symbol" panose="05050102010706020507" pitchFamily="18" charset="2"/>
-              <a:buChar char=""/>
-              <a:tabLst>
-                <a:tab pos="457200" algn="l"/>
-              </a:tabLst>
-            </a:pPr>
-            <a:r>
-              <a:rPr lang="en-US" b="1" dirty="0">
-                <a:effectLst/>
-                <a:latin typeface="Aptos" panose="020B0004020202020204" pitchFamily="34" charset="0"/>
-                <a:ea typeface="Aptos" panose="020B0004020202020204" pitchFamily="34" charset="0"/>
-                <a:cs typeface="Times New Roman" panose="02020603050405020304" pitchFamily="18" charset="0"/>
-              </a:rPr>
-              <a:t>Yearly Production Summaries</a:t>
-            </a:r>
-            <a:r>
-              <a:rPr lang="en-US" dirty="0">
-                <a:effectLst/>
-                <a:latin typeface="Aptos" panose="020B0004020202020204" pitchFamily="34" charset="0"/>
-                <a:ea typeface="Aptos" panose="020B0004020202020204" pitchFamily="34" charset="0"/>
-                <a:cs typeface="Times New Roman" panose="02020603050405020304" pitchFamily="18" charset="0"/>
-              </a:rPr>
-              <a:t>: Calculate mean, median, standard deviation, and quartiles for production data by category, to identify trends and anomalies.</a:t>
-            </a:r>
-          </a:p>
-          <a:p>
-            <a:pPr marL="0" marR="0">
-              <a:lnSpc>
-                <a:spcPct val="107000"/>
-              </a:lnSpc>
-              <a:spcBef>
-                <a:spcPts val="0"/>
-              </a:spcBef>
-              <a:spcAft>
-                <a:spcPts val="800"/>
-              </a:spcAft>
-            </a:pPr>
-            <a:r>
-              <a:rPr lang="en-US" sz="2800" b="1" dirty="0">
-                <a:effectLst/>
-                <a:latin typeface="Aptos" panose="020B0004020202020204" pitchFamily="34" charset="0"/>
-                <a:ea typeface="Aptos" panose="020B0004020202020204" pitchFamily="34" charset="0"/>
-                <a:cs typeface="Times New Roman" panose="02020603050405020304" pitchFamily="18" charset="0"/>
-              </a:rPr>
-              <a:t>5. Sentiment Analysis</a:t>
-            </a:r>
-            <a:endParaRPr lang="en-US" sz="2800" dirty="0">
-              <a:effectLst/>
-              <a:latin typeface="Aptos" panose="020B0004020202020204" pitchFamily="34" charset="0"/>
-              <a:ea typeface="Aptos" panose="020B0004020202020204" pitchFamily="34" charset="0"/>
-              <a:cs typeface="Times New Roman" panose="02020603050405020304" pitchFamily="18" charset="0"/>
-            </a:endParaRPr>
-          </a:p>
-          <a:p>
-            <a:pPr marL="800100" lvl="1" indent="-342900">
-              <a:lnSpc>
-                <a:spcPct val="107000"/>
-              </a:lnSpc>
-              <a:spcBef>
-                <a:spcPts val="0"/>
-              </a:spcBef>
-              <a:spcAft>
-                <a:spcPts val="800"/>
-              </a:spcAft>
-              <a:buSzPts val="1000"/>
-              <a:buFont typeface="Symbol" panose="05050102010706020507" pitchFamily="18" charset="2"/>
-              <a:buChar char=""/>
-              <a:tabLst>
-                <a:tab pos="457200" algn="l"/>
-              </a:tabLst>
-            </a:pPr>
-            <a:r>
-              <a:rPr lang="en-US" b="1" dirty="0">
-                <a:effectLst/>
-                <a:latin typeface="Aptos" panose="020B0004020202020204" pitchFamily="34" charset="0"/>
-                <a:ea typeface="Aptos" panose="020B0004020202020204" pitchFamily="34" charset="0"/>
-                <a:cs typeface="Times New Roman" panose="02020603050405020304" pitchFamily="18" charset="0"/>
-              </a:rPr>
-              <a:t>Public Perception of Agriculture</a:t>
-            </a:r>
-            <a:r>
-              <a:rPr lang="en-US" dirty="0">
-                <a:effectLst/>
-                <a:latin typeface="Aptos" panose="020B0004020202020204" pitchFamily="34" charset="0"/>
-                <a:ea typeface="Aptos" panose="020B0004020202020204" pitchFamily="34" charset="0"/>
-                <a:cs typeface="Times New Roman" panose="02020603050405020304" pitchFamily="18" charset="0"/>
-              </a:rPr>
-              <a:t>: We could see a  fall in Europe’s agricultural production which makes since given the negative perception farmers impose to the environment in Europe have received over the past decade.</a:t>
-            </a:r>
-          </a:p>
-          <a:p>
-            <a:pPr marL="0" marR="0">
-              <a:lnSpc>
-                <a:spcPct val="107000"/>
-              </a:lnSpc>
-              <a:spcBef>
-                <a:spcPts val="0"/>
-              </a:spcBef>
-              <a:spcAft>
-                <a:spcPts val="800"/>
-              </a:spcAft>
-            </a:pPr>
-            <a:r>
-              <a:rPr lang="en-US" sz="2800" b="1" dirty="0">
-                <a:effectLst/>
-                <a:latin typeface="Aptos" panose="020B0004020202020204" pitchFamily="34" charset="0"/>
-                <a:ea typeface="Aptos" panose="020B0004020202020204" pitchFamily="34" charset="0"/>
-                <a:cs typeface="Times New Roman" panose="02020603050405020304" pitchFamily="18" charset="0"/>
-              </a:rPr>
-              <a:t>6. Time Series Analysis</a:t>
-            </a:r>
-            <a:endParaRPr lang="en-US" sz="2800" dirty="0">
-              <a:effectLst/>
-              <a:latin typeface="Aptos" panose="020B0004020202020204" pitchFamily="34" charset="0"/>
-              <a:ea typeface="Aptos" panose="020B0004020202020204" pitchFamily="34" charset="0"/>
-              <a:cs typeface="Times New Roman" panose="02020603050405020304" pitchFamily="18" charset="0"/>
-            </a:endParaRPr>
-          </a:p>
-          <a:p>
-            <a:pPr marL="800100" lvl="1" indent="-342900">
-              <a:lnSpc>
-                <a:spcPct val="107000"/>
-              </a:lnSpc>
-              <a:spcBef>
-                <a:spcPts val="0"/>
-              </a:spcBef>
-              <a:spcAft>
-                <a:spcPts val="800"/>
-              </a:spcAft>
-              <a:buSzPts val="1000"/>
-              <a:buFont typeface="Symbol" panose="05050102010706020507" pitchFamily="18" charset="2"/>
-              <a:buChar char=""/>
-              <a:tabLst>
-                <a:tab pos="457200" algn="l"/>
-              </a:tabLst>
-            </a:pPr>
-            <a:r>
-              <a:rPr lang="en-US" b="1" dirty="0">
-                <a:effectLst/>
-                <a:highlight>
-                  <a:srgbClr val="FFFF00"/>
-                </a:highlight>
-                <a:latin typeface="Aptos" panose="020B0004020202020204" pitchFamily="34" charset="0"/>
-                <a:ea typeface="Aptos" panose="020B0004020202020204" pitchFamily="34" charset="0"/>
-                <a:cs typeface="Times New Roman" panose="02020603050405020304" pitchFamily="18" charset="0"/>
-              </a:rPr>
-              <a:t>Forecasting Production Trends</a:t>
-            </a:r>
-            <a:r>
-              <a:rPr lang="en-US" dirty="0">
-                <a:effectLst/>
-                <a:highlight>
-                  <a:srgbClr val="FFFF00"/>
-                </a:highlight>
-                <a:latin typeface="Aptos" panose="020B0004020202020204" pitchFamily="34" charset="0"/>
-                <a:ea typeface="Aptos" panose="020B0004020202020204" pitchFamily="34" charset="0"/>
-                <a:cs typeface="Times New Roman" panose="02020603050405020304" pitchFamily="18" charset="0"/>
-              </a:rPr>
-              <a:t>: Utilize time series analysis with Prophet to forecast future production levels for specific categories, continents, or countries (if we have time)</a:t>
-            </a:r>
-          </a:p>
-          <a:p>
-            <a:pPr marL="800100" lvl="1" indent="-342900">
-              <a:lnSpc>
-                <a:spcPct val="107000"/>
-              </a:lnSpc>
-              <a:spcBef>
-                <a:spcPts val="0"/>
-              </a:spcBef>
-              <a:spcAft>
-                <a:spcPts val="800"/>
-              </a:spcAft>
-              <a:buSzPts val="1000"/>
-              <a:buFont typeface="Symbol" panose="05050102010706020507" pitchFamily="18" charset="2"/>
-              <a:buChar char=""/>
-              <a:tabLst>
-                <a:tab pos="457200" algn="l"/>
-              </a:tabLst>
-            </a:pPr>
-            <a:r>
-              <a:rPr lang="en-US" b="1" dirty="0">
-                <a:effectLst/>
-                <a:latin typeface="Aptos" panose="020B0004020202020204" pitchFamily="34" charset="0"/>
-                <a:ea typeface="Aptos" panose="020B0004020202020204" pitchFamily="34" charset="0"/>
-                <a:cs typeface="Times New Roman" panose="02020603050405020304" pitchFamily="18" charset="0"/>
-              </a:rPr>
-              <a:t>Population vs. Production Over Time</a:t>
-            </a:r>
-            <a:r>
-              <a:rPr lang="en-US" dirty="0">
-                <a:effectLst/>
-                <a:latin typeface="Aptos" panose="020B0004020202020204" pitchFamily="34" charset="0"/>
-                <a:ea typeface="Aptos" panose="020B0004020202020204" pitchFamily="34" charset="0"/>
-                <a:cs typeface="Times New Roman" panose="02020603050405020304" pitchFamily="18" charset="0"/>
-              </a:rPr>
-              <a:t>: Time series was plotted to show population vs agricultural production on a global scale to see how the trends interact over time. This data could be used to predict the future of both population growth and agricultural supply for the future, although it does lack the availability of predicting yields and available farmland.</a:t>
-            </a:r>
-          </a:p>
-          <a:p>
             <a:endParaRPr lang="en-US" dirty="0"/>
           </a:p>
         </p:txBody>
@@ -12105,7 +11715,7 @@
     </p:spTree>
     <p:extLst>
       <p:ext uri="{BB962C8B-B14F-4D97-AF65-F5344CB8AC3E}">
-        <p14:creationId xmlns:p14="http://schemas.microsoft.com/office/powerpoint/2010/main" val="457172529"/>
+        <p14:creationId xmlns:p14="http://schemas.microsoft.com/office/powerpoint/2010/main" val="667294800"/>
       </p:ext>
     </p:extLst>
   </p:cSld>
